--- a/Lectures/Lecture13.pptx
+++ b/Lectures/Lecture13.pptx
@@ -315,7 +315,7 @@
           <a:p>
             <a:fld id="{CBA08D16-15DC-4E25-BDC3-F25146157B16}" type="datetimeFigureOut">
               <a:rPr lang="ru-RU" smtClean="0"/>
-              <a:t>13.12.2018</a:t>
+              <a:t>26.10.2019</a:t>
             </a:fld>
             <a:endParaRPr lang="ru-RU"/>
           </a:p>
@@ -714,7 +714,7 @@
           <a:p>
             <a:fld id="{FCEC8293-DB51-454A-BE81-EC8FCB31EBA2}" type="datetime1">
               <a:rPr lang="ru-RU" smtClean="0"/>
-              <a:t>13.12.2018</a:t>
+              <a:t>26.10.2019</a:t>
             </a:fld>
             <a:endParaRPr lang="ru-RU"/>
           </a:p>
@@ -888,7 +888,7 @@
           <a:p>
             <a:fld id="{241C87B1-1C35-4DBD-BC18-2BC72E776603}" type="datetime1">
               <a:rPr lang="ru-RU" smtClean="0"/>
-              <a:t>13.12.2018</a:t>
+              <a:t>26.10.2019</a:t>
             </a:fld>
             <a:endParaRPr lang="ru-RU"/>
           </a:p>
@@ -1072,7 +1072,7 @@
           <a:p>
             <a:fld id="{3134C275-26C0-42CD-9111-9ADE65922AF9}" type="datetime1">
               <a:rPr lang="ru-RU" smtClean="0"/>
-              <a:t>13.12.2018</a:t>
+              <a:t>26.10.2019</a:t>
             </a:fld>
             <a:endParaRPr lang="ru-RU"/>
           </a:p>
@@ -1246,7 +1246,7 @@
           <a:p>
             <a:fld id="{C1A9A50B-C350-45F5-8AAB-ADB9E670AF2E}" type="datetime1">
               <a:rPr lang="ru-RU" smtClean="0"/>
-              <a:t>13.12.2018</a:t>
+              <a:t>26.10.2019</a:t>
             </a:fld>
             <a:endParaRPr lang="ru-RU"/>
           </a:p>
@@ -1496,7 +1496,7 @@
           <a:p>
             <a:fld id="{089688C9-348F-42F9-B6C0-5990DDE0C5B2}" type="datetime1">
               <a:rPr lang="ru-RU" smtClean="0"/>
-              <a:t>13.12.2018</a:t>
+              <a:t>26.10.2019</a:t>
             </a:fld>
             <a:endParaRPr lang="ru-RU"/>
           </a:p>
@@ -1732,7 +1732,7 @@
           <a:p>
             <a:fld id="{684AFD8F-6DD9-4AD3-A505-FDC3F5C5F3F6}" type="datetime1">
               <a:rPr lang="ru-RU" smtClean="0"/>
-              <a:t>13.12.2018</a:t>
+              <a:t>26.10.2019</a:t>
             </a:fld>
             <a:endParaRPr lang="ru-RU"/>
           </a:p>
@@ -2103,7 +2103,7 @@
           <a:p>
             <a:fld id="{63551EFE-4D02-45EB-A747-8B6F047B5AA0}" type="datetime1">
               <a:rPr lang="ru-RU" smtClean="0"/>
-              <a:t>13.12.2018</a:t>
+              <a:t>26.10.2019</a:t>
             </a:fld>
             <a:endParaRPr lang="ru-RU"/>
           </a:p>
@@ -2225,7 +2225,7 @@
           <a:p>
             <a:fld id="{813A9F34-E5CD-4B8F-AA9E-889C84372B20}" type="datetime1">
               <a:rPr lang="ru-RU" smtClean="0"/>
-              <a:t>13.12.2018</a:t>
+              <a:t>26.10.2019</a:t>
             </a:fld>
             <a:endParaRPr lang="ru-RU"/>
           </a:p>
@@ -2324,7 +2324,7 @@
           <a:p>
             <a:fld id="{51224D22-9B29-44A6-8E82-95FC492DEDC1}" type="datetime1">
               <a:rPr lang="ru-RU" smtClean="0"/>
-              <a:t>13.12.2018</a:t>
+              <a:t>26.10.2019</a:t>
             </a:fld>
             <a:endParaRPr lang="ru-RU"/>
           </a:p>
@@ -2605,7 +2605,7 @@
           <a:p>
             <a:fld id="{91D1034F-4441-48A1-BDC0-25EA1022324A}" type="datetime1">
               <a:rPr lang="ru-RU" smtClean="0"/>
-              <a:t>13.12.2018</a:t>
+              <a:t>26.10.2019</a:t>
             </a:fld>
             <a:endParaRPr lang="ru-RU"/>
           </a:p>
@@ -2862,7 +2862,7 @@
           <a:p>
             <a:fld id="{B0FFDE79-B627-473B-AE17-4C65BD2495F7}" type="datetime1">
               <a:rPr lang="ru-RU" smtClean="0"/>
-              <a:t>13.12.2018</a:t>
+              <a:t>26.10.2019</a:t>
             </a:fld>
             <a:endParaRPr lang="ru-RU"/>
           </a:p>
@@ -3079,7 +3079,7 @@
           <a:p>
             <a:fld id="{11CA537A-1B8C-47BA-9BA6-7CE3FAFDA8BE}" type="datetime1">
               <a:rPr lang="ru-RU" smtClean="0"/>
-              <a:t>13.12.2018</a:t>
+              <a:t>26.10.2019</a:t>
             </a:fld>
             <a:endParaRPr lang="ru-RU"/>
           </a:p>
@@ -3543,11 +3543,7 @@
             </a:br>
             <a:r>
               <a:rPr lang="en-US" dirty="0" smtClean="0"/>
-              <a:t> </a:t>
-            </a:r>
-            <a:r>
-              <a:rPr lang="en-US" dirty="0" smtClean="0"/>
-              <a:t>IPsec, TLS (SSL) </a:t>
+              <a:t> IPsec, TLS (SSL) </a:t>
             </a:r>
             <a:endParaRPr lang="ru-RU" dirty="0"/>
           </a:p>
@@ -5152,8 +5148,8 @@
           </a:p>
         </p:txBody>
       </p:sp>
-      <mc:AlternateContent xmlns:mc="http://schemas.openxmlformats.org/markup-compatibility/2006">
-        <mc:Choice xmlns:a14="http://schemas.microsoft.com/office/drawing/2010/main" Requires="a14">
+      <mc:AlternateContent xmlns:mc="http://schemas.openxmlformats.org/markup-compatibility/2006" xmlns:a14="http://schemas.microsoft.com/office/drawing/2010/main">
+        <mc:Choice Requires="a14">
           <p:sp>
             <p:nvSpPr>
               <p:cNvPr id="3" name="Объект 2"/>
@@ -5279,7 +5275,7 @@
             </p:txBody>
           </p:sp>
         </mc:Choice>
-        <mc:Fallback>
+        <mc:Fallback xmlns="">
           <p:sp>
             <p:nvSpPr>
               <p:cNvPr id="3" name="Объект 2"/>
@@ -5746,8 +5742,8 @@
           </a:p>
         </p:txBody>
       </p:sp>
-      <mc:AlternateContent xmlns:mc="http://schemas.openxmlformats.org/markup-compatibility/2006">
-        <mc:Choice xmlns:a14="http://schemas.microsoft.com/office/drawing/2010/main" Requires="a14">
+      <mc:AlternateContent xmlns:mc="http://schemas.openxmlformats.org/markup-compatibility/2006" xmlns:a14="http://schemas.microsoft.com/office/drawing/2010/main">
+        <mc:Choice Requires="a14">
           <p:sp>
             <p:nvSpPr>
               <p:cNvPr id="3" name="Объект 2"/>
@@ -5910,7 +5906,7 @@
             </p:txBody>
           </p:sp>
         </mc:Choice>
-        <mc:Fallback>
+        <mc:Fallback xmlns="">
           <p:sp>
             <p:nvSpPr>
               <p:cNvPr id="3" name="Объект 2"/>
@@ -6070,8 +6066,8 @@
           </a:p>
         </p:txBody>
       </p:sp>
-      <mc:AlternateContent xmlns:mc="http://schemas.openxmlformats.org/markup-compatibility/2006">
-        <mc:Choice xmlns:a14="http://schemas.microsoft.com/office/drawing/2010/main" Requires="a14">
+      <mc:AlternateContent xmlns:mc="http://schemas.openxmlformats.org/markup-compatibility/2006" xmlns:a14="http://schemas.microsoft.com/office/drawing/2010/main">
+        <mc:Choice Requires="a14">
           <p:sp>
             <p:nvSpPr>
               <p:cNvPr id="3" name="Объект 2"/>
@@ -6381,7 +6377,7 @@
             </p:txBody>
           </p:sp>
         </mc:Choice>
-        <mc:Fallback>
+        <mc:Fallback xmlns="">
           <p:sp>
             <p:nvSpPr>
               <p:cNvPr id="3" name="Объект 2"/>
@@ -6565,8 +6561,8 @@
           </a:p>
         </p:txBody>
       </p:sp>
-      <mc:AlternateContent xmlns:mc="http://schemas.openxmlformats.org/markup-compatibility/2006">
-        <mc:Choice xmlns:a14="http://schemas.microsoft.com/office/drawing/2010/main" Requires="a14">
+      <mc:AlternateContent xmlns:mc="http://schemas.openxmlformats.org/markup-compatibility/2006" xmlns:a14="http://schemas.microsoft.com/office/drawing/2010/main">
+        <mc:Choice Requires="a14">
           <p:sp>
             <p:nvSpPr>
               <p:cNvPr id="3" name="Объект 2"/>
@@ -6905,7 +6901,7 @@
             </p:txBody>
           </p:sp>
         </mc:Choice>
-        <mc:Fallback>
+        <mc:Fallback xmlns="">
           <p:sp>
             <p:nvSpPr>
               <p:cNvPr id="3" name="Объект 2"/>
@@ -7065,8 +7061,8 @@
           </a:p>
         </p:txBody>
       </p:sp>
-      <mc:AlternateContent xmlns:mc="http://schemas.openxmlformats.org/markup-compatibility/2006">
-        <mc:Choice xmlns:a14="http://schemas.microsoft.com/office/drawing/2010/main" Requires="a14">
+      <mc:AlternateContent xmlns:mc="http://schemas.openxmlformats.org/markup-compatibility/2006" xmlns:a14="http://schemas.microsoft.com/office/drawing/2010/main">
+        <mc:Choice Requires="a14">
           <p:sp>
             <p:nvSpPr>
               <p:cNvPr id="3" name="Объект 2"/>
@@ -7247,7 +7243,7 @@
             </p:txBody>
           </p:sp>
         </mc:Choice>
-        <mc:Fallback>
+        <mc:Fallback xmlns="">
           <p:sp>
             <p:nvSpPr>
               <p:cNvPr id="3" name="Объект 2"/>
@@ -7860,8 +7856,8 @@
           </a:p>
         </p:txBody>
       </p:sp>
-      <mc:AlternateContent xmlns:mc="http://schemas.openxmlformats.org/markup-compatibility/2006">
-        <mc:Choice xmlns:a14="http://schemas.microsoft.com/office/drawing/2010/main" Requires="a14">
+      <mc:AlternateContent xmlns:mc="http://schemas.openxmlformats.org/markup-compatibility/2006" xmlns:a14="http://schemas.microsoft.com/office/drawing/2010/main">
+        <mc:Choice Requires="a14">
           <p:sp>
             <p:nvSpPr>
               <p:cNvPr id="3" name="Объект 2"/>
@@ -7943,7 +7939,7 @@
             </p:txBody>
           </p:sp>
         </mc:Choice>
-        <mc:Fallback>
+        <mc:Fallback xmlns="">
           <p:sp>
             <p:nvSpPr>
               <p:cNvPr id="3" name="Объект 2"/>
@@ -8241,8 +8237,8 @@
           </a:p>
         </p:txBody>
       </p:sp>
-      <mc:AlternateContent xmlns:mc="http://schemas.openxmlformats.org/markup-compatibility/2006">
-        <mc:Choice xmlns:a14="http://schemas.microsoft.com/office/drawing/2010/main" Requires="a14">
+      <mc:AlternateContent xmlns:mc="http://schemas.openxmlformats.org/markup-compatibility/2006" xmlns:a14="http://schemas.microsoft.com/office/drawing/2010/main">
+        <mc:Choice Requires="a14">
           <p:sp>
             <p:nvSpPr>
               <p:cNvPr id="3" name="Объект 2"/>
@@ -8973,7 +8969,7 @@
             </p:txBody>
           </p:sp>
         </mc:Choice>
-        <mc:Fallback>
+        <mc:Fallback xmlns="">
           <p:sp>
             <p:nvSpPr>
               <p:cNvPr id="3" name="Объект 2"/>
@@ -10574,8 +10570,8 @@
           </a:p>
         </p:txBody>
       </p:sp>
-      <mc:AlternateContent xmlns:mc="http://schemas.openxmlformats.org/markup-compatibility/2006">
-        <mc:Choice xmlns:a14="http://schemas.microsoft.com/office/drawing/2010/main" Requires="a14">
+      <mc:AlternateContent xmlns:mc="http://schemas.openxmlformats.org/markup-compatibility/2006" xmlns:a14="http://schemas.microsoft.com/office/drawing/2010/main">
+        <mc:Choice Requires="a14">
           <p:sp>
             <p:nvSpPr>
               <p:cNvPr id="3" name="Объект 2"/>
@@ -10689,7 +10685,7 @@
             </p:txBody>
           </p:sp>
         </mc:Choice>
-        <mc:Fallback>
+        <mc:Fallback xmlns="">
           <p:sp>
             <p:nvSpPr>
               <p:cNvPr id="3" name="Объект 2"/>
@@ -11026,8 +11022,8 @@
           </a:p>
         </p:txBody>
       </p:sp>
-      <mc:AlternateContent xmlns:mc="http://schemas.openxmlformats.org/markup-compatibility/2006">
-        <mc:Choice xmlns:a14="http://schemas.microsoft.com/office/drawing/2010/main" Requires="a14">
+      <mc:AlternateContent xmlns:mc="http://schemas.openxmlformats.org/markup-compatibility/2006" xmlns:a14="http://schemas.microsoft.com/office/drawing/2010/main">
+        <mc:Choice Requires="a14">
           <p:sp>
             <p:nvSpPr>
               <p:cNvPr id="3" name="Объект 2"/>
@@ -11208,7 +11204,7 @@
             </p:txBody>
           </p:sp>
         </mc:Choice>
-        <mc:Fallback>
+        <mc:Fallback xmlns="">
           <p:sp>
             <p:nvSpPr>
               <p:cNvPr id="3" name="Объект 2"/>
@@ -11359,8 +11355,8 @@
           </a:p>
         </p:txBody>
       </p:sp>
-      <mc:AlternateContent xmlns:mc="http://schemas.openxmlformats.org/markup-compatibility/2006">
-        <mc:Choice xmlns:a14="http://schemas.microsoft.com/office/drawing/2010/main" Requires="a14">
+      <mc:AlternateContent xmlns:mc="http://schemas.openxmlformats.org/markup-compatibility/2006" xmlns:a14="http://schemas.microsoft.com/office/drawing/2010/main">
+        <mc:Choice Requires="a14">
           <p:sp>
             <p:nvSpPr>
               <p:cNvPr id="3" name="Объект 2"/>
@@ -11470,7 +11466,7 @@
             </p:txBody>
           </p:sp>
         </mc:Choice>
-        <mc:Fallback>
+        <mc:Fallback xmlns="">
           <p:sp>
             <p:nvSpPr>
               <p:cNvPr id="3" name="Объект 2"/>
@@ -12281,16 +12277,8 @@
               <a:t>и </a:t>
             </a:r>
             <a:r>
-              <a:rPr lang="en-US" dirty="0" smtClean="0"/>
-              <a:t>MAC-then-</a:t>
-            </a:r>
-            <a:r>
-              <a:rPr lang="en-US" dirty="0" err="1" smtClean="0"/>
-              <a:t>Ecnrypt</a:t>
-            </a:r>
-            <a:r>
-              <a:rPr lang="en-US" dirty="0" smtClean="0"/>
-              <a:t> </a:t>
+              <a:rPr lang="en-US" smtClean="0"/>
+              <a:t>MAC-then-Encrypt </a:t>
             </a:r>
             <a:r>
               <a:rPr lang="ru-RU" dirty="0" smtClean="0"/>
@@ -12302,16 +12290,11 @@
               <a:rPr lang="ru-RU" dirty="0" smtClean="0"/>
               <a:t>Никогда не придумывать криптографию</a:t>
             </a:r>
-            <a:endParaRPr lang="ru-RU" dirty="0" smtClean="0"/>
-          </a:p>
-          <a:p>
-            <a:r>
-              <a:rPr lang="ru-RU" dirty="0" smtClean="0"/>
-              <a:t>Никогда не реализовывать </a:t>
-            </a:r>
-            <a:r>
-              <a:rPr lang="ru-RU" dirty="0" smtClean="0"/>
-              <a:t>криптографию</a:t>
+          </a:p>
+          <a:p>
+            <a:r>
+              <a:rPr lang="ru-RU" dirty="0" smtClean="0"/>
+              <a:t>Никогда не реализовывать криптографию</a:t>
             </a:r>
             <a:endParaRPr lang="ru-RU" dirty="0"/>
           </a:p>

--- a/Lectures/Lecture13.pptx
+++ b/Lectures/Lecture13.pptx
@@ -315,7 +315,7 @@
           <a:p>
             <a:fld id="{CBA08D16-15DC-4E25-BDC3-F25146157B16}" type="datetimeFigureOut">
               <a:rPr lang="ru-RU" smtClean="0"/>
-              <a:t>26.10.2019</a:t>
+              <a:t>11.11.2019</a:t>
             </a:fld>
             <a:endParaRPr lang="ru-RU"/>
           </a:p>
@@ -714,7 +714,7 @@
           <a:p>
             <a:fld id="{FCEC8293-DB51-454A-BE81-EC8FCB31EBA2}" type="datetime1">
               <a:rPr lang="ru-RU" smtClean="0"/>
-              <a:t>26.10.2019</a:t>
+              <a:t>11.11.2019</a:t>
             </a:fld>
             <a:endParaRPr lang="ru-RU"/>
           </a:p>
@@ -888,7 +888,7 @@
           <a:p>
             <a:fld id="{241C87B1-1C35-4DBD-BC18-2BC72E776603}" type="datetime1">
               <a:rPr lang="ru-RU" smtClean="0"/>
-              <a:t>26.10.2019</a:t>
+              <a:t>11.11.2019</a:t>
             </a:fld>
             <a:endParaRPr lang="ru-RU"/>
           </a:p>
@@ -1072,7 +1072,7 @@
           <a:p>
             <a:fld id="{3134C275-26C0-42CD-9111-9ADE65922AF9}" type="datetime1">
               <a:rPr lang="ru-RU" smtClean="0"/>
-              <a:t>26.10.2019</a:t>
+              <a:t>11.11.2019</a:t>
             </a:fld>
             <a:endParaRPr lang="ru-RU"/>
           </a:p>
@@ -1246,7 +1246,7 @@
           <a:p>
             <a:fld id="{C1A9A50B-C350-45F5-8AAB-ADB9E670AF2E}" type="datetime1">
               <a:rPr lang="ru-RU" smtClean="0"/>
-              <a:t>26.10.2019</a:t>
+              <a:t>11.11.2019</a:t>
             </a:fld>
             <a:endParaRPr lang="ru-RU"/>
           </a:p>
@@ -1496,7 +1496,7 @@
           <a:p>
             <a:fld id="{089688C9-348F-42F9-B6C0-5990DDE0C5B2}" type="datetime1">
               <a:rPr lang="ru-RU" smtClean="0"/>
-              <a:t>26.10.2019</a:t>
+              <a:t>11.11.2019</a:t>
             </a:fld>
             <a:endParaRPr lang="ru-RU"/>
           </a:p>
@@ -1732,7 +1732,7 @@
           <a:p>
             <a:fld id="{684AFD8F-6DD9-4AD3-A505-FDC3F5C5F3F6}" type="datetime1">
               <a:rPr lang="ru-RU" smtClean="0"/>
-              <a:t>26.10.2019</a:t>
+              <a:t>11.11.2019</a:t>
             </a:fld>
             <a:endParaRPr lang="ru-RU"/>
           </a:p>
@@ -2103,7 +2103,7 @@
           <a:p>
             <a:fld id="{63551EFE-4D02-45EB-A747-8B6F047B5AA0}" type="datetime1">
               <a:rPr lang="ru-RU" smtClean="0"/>
-              <a:t>26.10.2019</a:t>
+              <a:t>11.11.2019</a:t>
             </a:fld>
             <a:endParaRPr lang="ru-RU"/>
           </a:p>
@@ -2225,7 +2225,7 @@
           <a:p>
             <a:fld id="{813A9F34-E5CD-4B8F-AA9E-889C84372B20}" type="datetime1">
               <a:rPr lang="ru-RU" smtClean="0"/>
-              <a:t>26.10.2019</a:t>
+              <a:t>11.11.2019</a:t>
             </a:fld>
             <a:endParaRPr lang="ru-RU"/>
           </a:p>
@@ -2324,7 +2324,7 @@
           <a:p>
             <a:fld id="{51224D22-9B29-44A6-8E82-95FC492DEDC1}" type="datetime1">
               <a:rPr lang="ru-RU" smtClean="0"/>
-              <a:t>26.10.2019</a:t>
+              <a:t>11.11.2019</a:t>
             </a:fld>
             <a:endParaRPr lang="ru-RU"/>
           </a:p>
@@ -2605,7 +2605,7 @@
           <a:p>
             <a:fld id="{91D1034F-4441-48A1-BDC0-25EA1022324A}" type="datetime1">
               <a:rPr lang="ru-RU" smtClean="0"/>
-              <a:t>26.10.2019</a:t>
+              <a:t>11.11.2019</a:t>
             </a:fld>
             <a:endParaRPr lang="ru-RU"/>
           </a:p>
@@ -2862,7 +2862,7 @@
           <a:p>
             <a:fld id="{B0FFDE79-B627-473B-AE17-4C65BD2495F7}" type="datetime1">
               <a:rPr lang="ru-RU" smtClean="0"/>
-              <a:t>26.10.2019</a:t>
+              <a:t>11.11.2019</a:t>
             </a:fld>
             <a:endParaRPr lang="ru-RU"/>
           </a:p>
@@ -3079,7 +3079,7 @@
           <a:p>
             <a:fld id="{11CA537A-1B8C-47BA-9BA6-7CE3FAFDA8BE}" type="datetime1">
               <a:rPr lang="ru-RU" smtClean="0"/>
-              <a:t>26.10.2019</a:t>
+              <a:t>11.11.2019</a:t>
             </a:fld>
             <a:endParaRPr lang="ru-RU"/>
           </a:p>
@@ -3577,7 +3577,11 @@
           <a:p>
             <a:r>
               <a:rPr lang="ru-RU" dirty="0" smtClean="0"/>
-              <a:t>МИФИ 2018</a:t>
+              <a:t>МИФИ </a:t>
+            </a:r>
+            <a:r>
+              <a:rPr lang="ru-RU" dirty="0" smtClean="0"/>
+              <a:t>2019</a:t>
             </a:r>
             <a:endParaRPr lang="ru-RU" dirty="0"/>
           </a:p>
@@ -11759,12 +11763,8 @@
           </a:p>
           <a:p>
             <a:r>
-              <a:rPr lang="en-US" dirty="0" err="1"/>
-              <a:t>s</a:t>
-            </a:r>
-            <a:r>
-              <a:rPr lang="en-US" dirty="0" err="1" smtClean="0"/>
-              <a:t>ourse</a:t>
+              <a:rPr lang="en-US" smtClean="0"/>
+              <a:t>source</a:t>
             </a:r>
             <a:r>
               <a:rPr lang="en-US" dirty="0" smtClean="0"/>

--- a/Lectures/Lecture13.pptx
+++ b/Lectures/Lecture13.pptx
@@ -5,7 +5,7 @@
     <p:sldMasterId id="2147483648" r:id="rId1"/>
   </p:sldMasterIdLst>
   <p:notesMasterIdLst>
-    <p:notesMasterId r:id="rId44"/>
+    <p:notesMasterId r:id="rId45"/>
   </p:notesMasterIdLst>
   <p:sldIdLst>
     <p:sldId id="296" r:id="rId2"/>
@@ -50,6 +50,7 @@
     <p:sldId id="621" r:id="rId41"/>
     <p:sldId id="622" r:id="rId42"/>
     <p:sldId id="581" r:id="rId43"/>
+    <p:sldId id="623" r:id="rId44"/>
   </p:sldIdLst>
   <p:sldSz cx="12192000" cy="6858000"/>
   <p:notesSz cx="6858000" cy="9144000"/>
@@ -219,6 +220,7 @@
         <p14:section name="Выводы" id="{02F6E49B-9E5A-4A22-91A2-6F45ABD52C8E}">
           <p14:sldIdLst>
             <p14:sldId id="581"/>
+            <p14:sldId id="623"/>
           </p14:sldIdLst>
         </p14:section>
       </p14:sectionLst>
@@ -315,7 +317,7 @@
           <a:p>
             <a:fld id="{CBA08D16-15DC-4E25-BDC3-F25146157B16}" type="datetimeFigureOut">
               <a:rPr lang="ru-RU" smtClean="0"/>
-              <a:t>11.11.2019</a:t>
+              <a:t>10.12.2019</a:t>
             </a:fld>
             <a:endParaRPr lang="ru-RU"/>
           </a:p>
@@ -714,7 +716,7 @@
           <a:p>
             <a:fld id="{FCEC8293-DB51-454A-BE81-EC8FCB31EBA2}" type="datetime1">
               <a:rPr lang="ru-RU" smtClean="0"/>
-              <a:t>11.11.2019</a:t>
+              <a:t>10.12.2019</a:t>
             </a:fld>
             <a:endParaRPr lang="ru-RU"/>
           </a:p>
@@ -888,7 +890,7 @@
           <a:p>
             <a:fld id="{241C87B1-1C35-4DBD-BC18-2BC72E776603}" type="datetime1">
               <a:rPr lang="ru-RU" smtClean="0"/>
-              <a:t>11.11.2019</a:t>
+              <a:t>10.12.2019</a:t>
             </a:fld>
             <a:endParaRPr lang="ru-RU"/>
           </a:p>
@@ -1072,7 +1074,7 @@
           <a:p>
             <a:fld id="{3134C275-26C0-42CD-9111-9ADE65922AF9}" type="datetime1">
               <a:rPr lang="ru-RU" smtClean="0"/>
-              <a:t>11.11.2019</a:t>
+              <a:t>10.12.2019</a:t>
             </a:fld>
             <a:endParaRPr lang="ru-RU"/>
           </a:p>
@@ -1246,7 +1248,7 @@
           <a:p>
             <a:fld id="{C1A9A50B-C350-45F5-8AAB-ADB9E670AF2E}" type="datetime1">
               <a:rPr lang="ru-RU" smtClean="0"/>
-              <a:t>11.11.2019</a:t>
+              <a:t>10.12.2019</a:t>
             </a:fld>
             <a:endParaRPr lang="ru-RU"/>
           </a:p>
@@ -1496,7 +1498,7 @@
           <a:p>
             <a:fld id="{089688C9-348F-42F9-B6C0-5990DDE0C5B2}" type="datetime1">
               <a:rPr lang="ru-RU" smtClean="0"/>
-              <a:t>11.11.2019</a:t>
+              <a:t>10.12.2019</a:t>
             </a:fld>
             <a:endParaRPr lang="ru-RU"/>
           </a:p>
@@ -1732,7 +1734,7 @@
           <a:p>
             <a:fld id="{684AFD8F-6DD9-4AD3-A505-FDC3F5C5F3F6}" type="datetime1">
               <a:rPr lang="ru-RU" smtClean="0"/>
-              <a:t>11.11.2019</a:t>
+              <a:t>10.12.2019</a:t>
             </a:fld>
             <a:endParaRPr lang="ru-RU"/>
           </a:p>
@@ -2103,7 +2105,7 @@
           <a:p>
             <a:fld id="{63551EFE-4D02-45EB-A747-8B6F047B5AA0}" type="datetime1">
               <a:rPr lang="ru-RU" smtClean="0"/>
-              <a:t>11.11.2019</a:t>
+              <a:t>10.12.2019</a:t>
             </a:fld>
             <a:endParaRPr lang="ru-RU"/>
           </a:p>
@@ -2225,7 +2227,7 @@
           <a:p>
             <a:fld id="{813A9F34-E5CD-4B8F-AA9E-889C84372B20}" type="datetime1">
               <a:rPr lang="ru-RU" smtClean="0"/>
-              <a:t>11.11.2019</a:t>
+              <a:t>10.12.2019</a:t>
             </a:fld>
             <a:endParaRPr lang="ru-RU"/>
           </a:p>
@@ -2324,7 +2326,7 @@
           <a:p>
             <a:fld id="{51224D22-9B29-44A6-8E82-95FC492DEDC1}" type="datetime1">
               <a:rPr lang="ru-RU" smtClean="0"/>
-              <a:t>11.11.2019</a:t>
+              <a:t>10.12.2019</a:t>
             </a:fld>
             <a:endParaRPr lang="ru-RU"/>
           </a:p>
@@ -2605,7 +2607,7 @@
           <a:p>
             <a:fld id="{91D1034F-4441-48A1-BDC0-25EA1022324A}" type="datetime1">
               <a:rPr lang="ru-RU" smtClean="0"/>
-              <a:t>11.11.2019</a:t>
+              <a:t>10.12.2019</a:t>
             </a:fld>
             <a:endParaRPr lang="ru-RU"/>
           </a:p>
@@ -2862,7 +2864,7 @@
           <a:p>
             <a:fld id="{B0FFDE79-B627-473B-AE17-4C65BD2495F7}" type="datetime1">
               <a:rPr lang="ru-RU" smtClean="0"/>
-              <a:t>11.11.2019</a:t>
+              <a:t>10.12.2019</a:t>
             </a:fld>
             <a:endParaRPr lang="ru-RU"/>
           </a:p>
@@ -3079,7 +3081,7 @@
           <a:p>
             <a:fld id="{11CA537A-1B8C-47BA-9BA6-7CE3FAFDA8BE}" type="datetime1">
               <a:rPr lang="ru-RU" smtClean="0"/>
-              <a:t>11.11.2019</a:t>
+              <a:t>10.12.2019</a:t>
             </a:fld>
             <a:endParaRPr lang="ru-RU"/>
           </a:p>
@@ -3577,11 +3579,7 @@
           <a:p>
             <a:r>
               <a:rPr lang="ru-RU" dirty="0" smtClean="0"/>
-              <a:t>МИФИ </a:t>
-            </a:r>
-            <a:r>
-              <a:rPr lang="ru-RU" dirty="0" smtClean="0"/>
-              <a:t>2019</a:t>
+              <a:t>МИФИ 2019</a:t>
             </a:r>
             <a:endParaRPr lang="ru-RU" dirty="0"/>
           </a:p>
@@ -4672,35 +4670,6 @@
           </a:p>
         </p:txBody>
       </p:sp>
-      <p:sp>
-        <p:nvSpPr>
-          <p:cNvPr id="6" name="Прямоугольник 5"/>
-          <p:cNvSpPr/>
-          <p:nvPr/>
-        </p:nvSpPr>
-        <p:spPr>
-          <a:xfrm>
-            <a:off x="5566528" y="3244334"/>
-            <a:ext cx="1058944" cy="369332"/>
-          </a:xfrm>
-          <a:prstGeom prst="rect">
-            <a:avLst/>
-          </a:prstGeom>
-        </p:spPr>
-        <p:txBody>
-          <a:bodyPr wrap="none">
-            <a:spAutoFit/>
-          </a:bodyPr>
-          <a:lstStyle/>
-          <a:p>
-            <a:r>
-              <a:rPr lang="en-US" dirty="0"/>
-              <a:t>plaintext </a:t>
-            </a:r>
-            <a:endParaRPr lang="ru-RU" dirty="0"/>
-          </a:p>
-        </p:txBody>
-      </p:sp>
     </p:spTree>
     <p:extLst>
       <p:ext uri="{BB962C8B-B14F-4D97-AF65-F5344CB8AC3E}">
@@ -4975,7 +4944,15 @@
           <a:p>
             <a:r>
               <a:rPr lang="ru-RU" dirty="0" smtClean="0"/>
-              <a:t>Некоторые сочетания алгоритмов не являются стойкими</a:t>
+              <a:t>Некоторые </a:t>
+            </a:r>
+            <a:r>
+              <a:rPr lang="ru-RU" dirty="0" smtClean="0"/>
+              <a:t>сочетания </a:t>
+            </a:r>
+            <a:r>
+              <a:rPr lang="ru-RU" dirty="0" smtClean="0"/>
+              <a:t>алгоритмов не являются стойкими</a:t>
             </a:r>
           </a:p>
           <a:p>
@@ -5026,7 +5003,15 @@
             <a:pPr marL="342900" lvl="1" indent="-342900"/>
             <a:r>
               <a:rPr lang="ru-RU" dirty="0" smtClean="0"/>
-              <a:t>Шифрование «побуквенное», т.е. частота пакетов соответствует частоте нажатия клавиш</a:t>
+              <a:t>Шифрование «</a:t>
+            </a:r>
+            <a:r>
+              <a:rPr lang="ru-RU" dirty="0" smtClean="0"/>
+              <a:t>посимвольное», </a:t>
+            </a:r>
+            <a:r>
+              <a:rPr lang="ru-RU" dirty="0" smtClean="0"/>
+              <a:t>т.е. частота пакетов соответствует частоте нажатия клавиш</a:t>
             </a:r>
           </a:p>
           <a:p>
@@ -7792,7 +7777,7 @@
         </p:blipFill>
         <p:spPr>
           <a:xfrm>
-            <a:off x="4396216" y="4813261"/>
+            <a:off x="4255309" y="4826324"/>
             <a:ext cx="3681379" cy="613563"/>
           </a:xfrm>
           <a:prstGeom prst="rect">
@@ -9188,8 +9173,20 @@
               <a:t>decryption_failed</a:t>
             </a:r>
             <a:r>
-              <a:rPr lang="ru-RU" dirty="0" smtClean="0"/>
-              <a:t>. </a:t>
+              <a:rPr lang="en-US" dirty="0" smtClean="0"/>
+              <a:t> (</a:t>
+            </a:r>
+            <a:r>
+              <a:rPr lang="ru-RU" dirty="0" smtClean="0"/>
+              <a:t>см </a:t>
+            </a:r>
+            <a:r>
+              <a:rPr lang="ru-RU" dirty="0" err="1" smtClean="0"/>
+              <a:t>лабу</a:t>
+            </a:r>
+            <a:r>
+              <a:rPr lang="ru-RU" dirty="0" smtClean="0"/>
+              <a:t>). </a:t>
             </a:r>
             <a:endParaRPr lang="ru-RU" dirty="0"/>
           </a:p>
@@ -12340,6 +12337,150 @@
       </p:par>
     </p:tnLst>
   </p:timing>
+</p:sld>
+</file>
+
+<file path=ppt/slides/slide43.xml><?xml version="1.0" encoding="utf-8"?>
+<p:sld xmlns:a="http://schemas.openxmlformats.org/drawingml/2006/main" xmlns:r="http://schemas.openxmlformats.org/officeDocument/2006/relationships" xmlns:p="http://schemas.openxmlformats.org/presentationml/2006/main">
+  <p:cSld>
+    <p:spTree>
+      <p:nvGrpSpPr>
+        <p:cNvPr id="1" name=""/>
+        <p:cNvGrpSpPr/>
+        <p:nvPr/>
+      </p:nvGrpSpPr>
+      <p:grpSpPr>
+        <a:xfrm>
+          <a:off x="0" y="0"/>
+          <a:ext cx="0" cy="0"/>
+          <a:chOff x="0" y="0"/>
+          <a:chExt cx="0" cy="0"/>
+        </a:xfrm>
+      </p:grpSpPr>
+      <p:sp>
+        <p:nvSpPr>
+          <p:cNvPr id="2" name="Заголовок 1"/>
+          <p:cNvSpPr>
+            <a:spLocks noGrp="1"/>
+          </p:cNvSpPr>
+          <p:nvPr>
+            <p:ph type="title"/>
+          </p:nvPr>
+        </p:nvSpPr>
+        <p:spPr/>
+        <p:txBody>
+          <a:bodyPr/>
+          <a:lstStyle/>
+          <a:p>
+            <a:r>
+              <a:rPr lang="en-US" dirty="0" smtClean="0"/>
+              <a:t>TSL 1.3 </a:t>
+            </a:r>
+            <a:r>
+              <a:rPr lang="ru-RU" dirty="0" smtClean="0"/>
+              <a:t>ссылки</a:t>
+            </a:r>
+            <a:endParaRPr lang="ru-RU" dirty="0"/>
+          </a:p>
+        </p:txBody>
+      </p:sp>
+      <p:sp>
+        <p:nvSpPr>
+          <p:cNvPr id="3" name="Объект 2"/>
+          <p:cNvSpPr>
+            <a:spLocks noGrp="1"/>
+          </p:cNvSpPr>
+          <p:nvPr>
+            <p:ph idx="1"/>
+          </p:nvPr>
+        </p:nvSpPr>
+        <p:spPr/>
+        <p:txBody>
+          <a:bodyPr/>
+          <a:lstStyle/>
+          <a:p>
+            <a:r>
+              <a:rPr lang="en-US" dirty="0">
+                <a:hlinkClick r:id="rId2"/>
+              </a:rPr>
+              <a:t>https://tls13.ulfheim.net</a:t>
+            </a:r>
+            <a:r>
+              <a:rPr lang="en-US" dirty="0" smtClean="0">
+                <a:hlinkClick r:id="rId2"/>
+              </a:rPr>
+              <a:t>/</a:t>
+            </a:r>
+            <a:endParaRPr lang="ru-RU" dirty="0" smtClean="0"/>
+          </a:p>
+          <a:p>
+            <a:r>
+              <a:rPr lang="en-US" dirty="0">
+                <a:hlinkClick r:id="rId3"/>
+              </a:rPr>
+              <a:t>https://blog.cloudflare.com/rfc-8446-aka-tls-1-3</a:t>
+            </a:r>
+            <a:r>
+              <a:rPr lang="en-US" dirty="0" smtClean="0">
+                <a:hlinkClick r:id="rId3"/>
+              </a:rPr>
+              <a:t>/</a:t>
+            </a:r>
+            <a:endParaRPr lang="en-US" dirty="0" smtClean="0"/>
+          </a:p>
+          <a:p>
+            <a:r>
+              <a:rPr lang="en-US" dirty="0">
+                <a:hlinkClick r:id="rId4"/>
+              </a:rPr>
+              <a:t>https://davidwong.fr/tls13</a:t>
+            </a:r>
+            <a:r>
+              <a:rPr lang="en-US" dirty="0" smtClean="0">
+                <a:hlinkClick r:id="rId4"/>
+              </a:rPr>
+              <a:t>/</a:t>
+            </a:r>
+            <a:endParaRPr lang="en-US" dirty="0" smtClean="0"/>
+          </a:p>
+          <a:p>
+            <a:endParaRPr lang="ru-RU" dirty="0"/>
+          </a:p>
+        </p:txBody>
+      </p:sp>
+      <p:sp>
+        <p:nvSpPr>
+          <p:cNvPr id="4" name="Номер слайда 3"/>
+          <p:cNvSpPr>
+            <a:spLocks noGrp="1"/>
+          </p:cNvSpPr>
+          <p:nvPr>
+            <p:ph type="sldNum" sz="quarter" idx="12"/>
+          </p:nvPr>
+        </p:nvSpPr>
+        <p:spPr/>
+        <p:txBody>
+          <a:bodyPr/>
+          <a:lstStyle/>
+          <a:p>
+            <a:fld id="{8253DDDB-F8F7-4D64-A7FD-3F3D61C1949F}" type="slidenum">
+              <a:rPr lang="ru-RU" smtClean="0"/>
+              <a:t>43</a:t>
+            </a:fld>
+            <a:endParaRPr lang="ru-RU"/>
+          </a:p>
+        </p:txBody>
+      </p:sp>
+    </p:spTree>
+    <p:extLst>
+      <p:ext uri="{BB962C8B-B14F-4D97-AF65-F5344CB8AC3E}">
+        <p14:creationId xmlns:p14="http://schemas.microsoft.com/office/powerpoint/2010/main" val="2358802203"/>
+      </p:ext>
+    </p:extLst>
+  </p:cSld>
+  <p:clrMapOvr>
+    <a:masterClrMapping/>
+  </p:clrMapOvr>
 </p:sld>
 </file>
 

--- a/Lectures/Lecture13.pptx
+++ b/Lectures/Lecture13.pptx
@@ -317,7 +317,7 @@
           <a:p>
             <a:fld id="{CBA08D16-15DC-4E25-BDC3-F25146157B16}" type="datetimeFigureOut">
               <a:rPr lang="ru-RU" smtClean="0"/>
-              <a:t>10.12.2019</a:t>
+              <a:t>11.12.2019</a:t>
             </a:fld>
             <a:endParaRPr lang="ru-RU"/>
           </a:p>
@@ -716,7 +716,7 @@
           <a:p>
             <a:fld id="{FCEC8293-DB51-454A-BE81-EC8FCB31EBA2}" type="datetime1">
               <a:rPr lang="ru-RU" smtClean="0"/>
-              <a:t>10.12.2019</a:t>
+              <a:t>11.12.2019</a:t>
             </a:fld>
             <a:endParaRPr lang="ru-RU"/>
           </a:p>
@@ -890,7 +890,7 @@
           <a:p>
             <a:fld id="{241C87B1-1C35-4DBD-BC18-2BC72E776603}" type="datetime1">
               <a:rPr lang="ru-RU" smtClean="0"/>
-              <a:t>10.12.2019</a:t>
+              <a:t>11.12.2019</a:t>
             </a:fld>
             <a:endParaRPr lang="ru-RU"/>
           </a:p>
@@ -1074,7 +1074,7 @@
           <a:p>
             <a:fld id="{3134C275-26C0-42CD-9111-9ADE65922AF9}" type="datetime1">
               <a:rPr lang="ru-RU" smtClean="0"/>
-              <a:t>10.12.2019</a:t>
+              <a:t>11.12.2019</a:t>
             </a:fld>
             <a:endParaRPr lang="ru-RU"/>
           </a:p>
@@ -1248,7 +1248,7 @@
           <a:p>
             <a:fld id="{C1A9A50B-C350-45F5-8AAB-ADB9E670AF2E}" type="datetime1">
               <a:rPr lang="ru-RU" smtClean="0"/>
-              <a:t>10.12.2019</a:t>
+              <a:t>11.12.2019</a:t>
             </a:fld>
             <a:endParaRPr lang="ru-RU"/>
           </a:p>
@@ -1498,7 +1498,7 @@
           <a:p>
             <a:fld id="{089688C9-348F-42F9-B6C0-5990DDE0C5B2}" type="datetime1">
               <a:rPr lang="ru-RU" smtClean="0"/>
-              <a:t>10.12.2019</a:t>
+              <a:t>11.12.2019</a:t>
             </a:fld>
             <a:endParaRPr lang="ru-RU"/>
           </a:p>
@@ -1734,7 +1734,7 @@
           <a:p>
             <a:fld id="{684AFD8F-6DD9-4AD3-A505-FDC3F5C5F3F6}" type="datetime1">
               <a:rPr lang="ru-RU" smtClean="0"/>
-              <a:t>10.12.2019</a:t>
+              <a:t>11.12.2019</a:t>
             </a:fld>
             <a:endParaRPr lang="ru-RU"/>
           </a:p>
@@ -2105,7 +2105,7 @@
           <a:p>
             <a:fld id="{63551EFE-4D02-45EB-A747-8B6F047B5AA0}" type="datetime1">
               <a:rPr lang="ru-RU" smtClean="0"/>
-              <a:t>10.12.2019</a:t>
+              <a:t>11.12.2019</a:t>
             </a:fld>
             <a:endParaRPr lang="ru-RU"/>
           </a:p>
@@ -2227,7 +2227,7 @@
           <a:p>
             <a:fld id="{813A9F34-E5CD-4B8F-AA9E-889C84372B20}" type="datetime1">
               <a:rPr lang="ru-RU" smtClean="0"/>
-              <a:t>10.12.2019</a:t>
+              <a:t>11.12.2019</a:t>
             </a:fld>
             <a:endParaRPr lang="ru-RU"/>
           </a:p>
@@ -2326,7 +2326,7 @@
           <a:p>
             <a:fld id="{51224D22-9B29-44A6-8E82-95FC492DEDC1}" type="datetime1">
               <a:rPr lang="ru-RU" smtClean="0"/>
-              <a:t>10.12.2019</a:t>
+              <a:t>11.12.2019</a:t>
             </a:fld>
             <a:endParaRPr lang="ru-RU"/>
           </a:p>
@@ -2607,7 +2607,7 @@
           <a:p>
             <a:fld id="{91D1034F-4441-48A1-BDC0-25EA1022324A}" type="datetime1">
               <a:rPr lang="ru-RU" smtClean="0"/>
-              <a:t>10.12.2019</a:t>
+              <a:t>11.12.2019</a:t>
             </a:fld>
             <a:endParaRPr lang="ru-RU"/>
           </a:p>
@@ -2864,7 +2864,7 @@
           <a:p>
             <a:fld id="{B0FFDE79-B627-473B-AE17-4C65BD2495F7}" type="datetime1">
               <a:rPr lang="ru-RU" smtClean="0"/>
-              <a:t>10.12.2019</a:t>
+              <a:t>11.12.2019</a:t>
             </a:fld>
             <a:endParaRPr lang="ru-RU"/>
           </a:p>
@@ -3081,7 +3081,7 @@
           <a:p>
             <a:fld id="{11CA537A-1B8C-47BA-9BA6-7CE3FAFDA8BE}" type="datetime1">
               <a:rPr lang="ru-RU" smtClean="0"/>
-              <a:t>10.12.2019</a:t>
+              <a:t>11.12.2019</a:t>
             </a:fld>
             <a:endParaRPr lang="ru-RU"/>
           </a:p>
@@ -3669,8 +3669,9 @@
             </a:pPr>
             <a:r>
               <a:rPr lang="en-US" dirty="0" smtClean="0"/>
-              <a:t>MAC-then-Encrypt</a:t>
-            </a:r>
+              <a:t>Encrypt-Then-MAC</a:t>
+            </a:r>
+            <a:endParaRPr lang="en-US" dirty="0" smtClean="0"/>
           </a:p>
           <a:p>
             <a:r>
@@ -4944,15 +4945,7 @@
           <a:p>
             <a:r>
               <a:rPr lang="ru-RU" dirty="0" smtClean="0"/>
-              <a:t>Некоторые </a:t>
-            </a:r>
-            <a:r>
-              <a:rPr lang="ru-RU" dirty="0" smtClean="0"/>
-              <a:t>сочетания </a:t>
-            </a:r>
-            <a:r>
-              <a:rPr lang="ru-RU" dirty="0" smtClean="0"/>
-              <a:t>алгоритмов не являются стойкими</a:t>
+              <a:t>Некоторые сочетания алгоритмов не являются стойкими</a:t>
             </a:r>
           </a:p>
           <a:p>
@@ -5003,15 +4996,7 @@
             <a:pPr marL="342900" lvl="1" indent="-342900"/>
             <a:r>
               <a:rPr lang="ru-RU" dirty="0" smtClean="0"/>
-              <a:t>Шифрование «</a:t>
-            </a:r>
-            <a:r>
-              <a:rPr lang="ru-RU" dirty="0" smtClean="0"/>
-              <a:t>посимвольное», </a:t>
-            </a:r>
-            <a:r>
-              <a:rPr lang="ru-RU" dirty="0" smtClean="0"/>
-              <a:t>т.е. частота пакетов соответствует частоте нажатия клавиш</a:t>
+              <a:t>Шифрование «посимвольное», т.е. частота пакетов соответствует частоте нажатия клавиш</a:t>
             </a:r>
           </a:p>
           <a:p>
@@ -5415,7 +5400,7 @@
             </a:r>
             <a:r>
               <a:rPr lang="en-US" dirty="0" smtClean="0"/>
-              <a:t>Encrypt-then-MAC</a:t>
+              <a:t>MAC-then-Encrypt</a:t>
             </a:r>
             <a:endParaRPr lang="ru-RU" dirty="0" smtClean="0"/>
           </a:p>
@@ -8226,8 +8211,8 @@
           </a:p>
         </p:txBody>
       </p:sp>
-      <mc:AlternateContent xmlns:mc="http://schemas.openxmlformats.org/markup-compatibility/2006" xmlns:a14="http://schemas.microsoft.com/office/drawing/2010/main">
-        <mc:Choice Requires="a14">
+      <mc:AlternateContent xmlns:mc="http://schemas.openxmlformats.org/markup-compatibility/2006">
+        <mc:Choice xmlns:a14="http://schemas.microsoft.com/office/drawing/2010/main" Requires="a14">
           <p:sp>
             <p:nvSpPr>
               <p:cNvPr id="3" name="Объект 2"/>
@@ -8338,7 +8323,15 @@
                 </a14:m>
                 <a:r>
                   <a:rPr lang="ru-RU" dirty="0" smtClean="0"/>
-                  <a:t> произвольный 16 байтный блок, последний блок которого равен </a:t>
+                  <a:t> произвольный 16 байтный блок, последний </a:t>
+                </a:r>
+                <a:r>
+                  <a:rPr lang="ru-RU" dirty="0" smtClean="0"/>
+                  <a:t>байт которого </a:t>
+                </a:r>
+                <a:r>
+                  <a:rPr lang="ru-RU" dirty="0" smtClean="0"/>
+                  <a:t>равен </a:t>
                 </a:r>
                 <a14:m>
                   <m:oMath xmlns:m="http://schemas.openxmlformats.org/officeDocument/2006/math">
@@ -8958,7 +8951,7 @@
             </p:txBody>
           </p:sp>
         </mc:Choice>
-        <mc:Fallback xmlns="">
+        <mc:Fallback>
           <p:sp>
             <p:nvSpPr>
               <p:cNvPr id="3" name="Объект 2"/>

--- a/Lectures/Lecture13.pptx
+++ b/Lectures/Lecture13.pptx
@@ -317,7 +317,7 @@
           <a:p>
             <a:fld id="{CBA08D16-15DC-4E25-BDC3-F25146157B16}" type="datetimeFigureOut">
               <a:rPr lang="ru-RU" smtClean="0"/>
-              <a:t>11.12.2019</a:t>
+              <a:t>20.12.2023</a:t>
             </a:fld>
             <a:endParaRPr lang="ru-RU"/>
           </a:p>
@@ -716,7 +716,7 @@
           <a:p>
             <a:fld id="{FCEC8293-DB51-454A-BE81-EC8FCB31EBA2}" type="datetime1">
               <a:rPr lang="ru-RU" smtClean="0"/>
-              <a:t>11.12.2019</a:t>
+              <a:t>20.12.2023</a:t>
             </a:fld>
             <a:endParaRPr lang="ru-RU"/>
           </a:p>
@@ -890,7 +890,7 @@
           <a:p>
             <a:fld id="{241C87B1-1C35-4DBD-BC18-2BC72E776603}" type="datetime1">
               <a:rPr lang="ru-RU" smtClean="0"/>
-              <a:t>11.12.2019</a:t>
+              <a:t>20.12.2023</a:t>
             </a:fld>
             <a:endParaRPr lang="ru-RU"/>
           </a:p>
@@ -1074,7 +1074,7 @@
           <a:p>
             <a:fld id="{3134C275-26C0-42CD-9111-9ADE65922AF9}" type="datetime1">
               <a:rPr lang="ru-RU" smtClean="0"/>
-              <a:t>11.12.2019</a:t>
+              <a:t>20.12.2023</a:t>
             </a:fld>
             <a:endParaRPr lang="ru-RU"/>
           </a:p>
@@ -1248,7 +1248,7 @@
           <a:p>
             <a:fld id="{C1A9A50B-C350-45F5-8AAB-ADB9E670AF2E}" type="datetime1">
               <a:rPr lang="ru-RU" smtClean="0"/>
-              <a:t>11.12.2019</a:t>
+              <a:t>20.12.2023</a:t>
             </a:fld>
             <a:endParaRPr lang="ru-RU"/>
           </a:p>
@@ -1498,7 +1498,7 @@
           <a:p>
             <a:fld id="{089688C9-348F-42F9-B6C0-5990DDE0C5B2}" type="datetime1">
               <a:rPr lang="ru-RU" smtClean="0"/>
-              <a:t>11.12.2019</a:t>
+              <a:t>20.12.2023</a:t>
             </a:fld>
             <a:endParaRPr lang="ru-RU"/>
           </a:p>
@@ -1734,7 +1734,7 @@
           <a:p>
             <a:fld id="{684AFD8F-6DD9-4AD3-A505-FDC3F5C5F3F6}" type="datetime1">
               <a:rPr lang="ru-RU" smtClean="0"/>
-              <a:t>11.12.2019</a:t>
+              <a:t>20.12.2023</a:t>
             </a:fld>
             <a:endParaRPr lang="ru-RU"/>
           </a:p>
@@ -2105,7 +2105,7 @@
           <a:p>
             <a:fld id="{63551EFE-4D02-45EB-A747-8B6F047B5AA0}" type="datetime1">
               <a:rPr lang="ru-RU" smtClean="0"/>
-              <a:t>11.12.2019</a:t>
+              <a:t>20.12.2023</a:t>
             </a:fld>
             <a:endParaRPr lang="ru-RU"/>
           </a:p>
@@ -2227,7 +2227,7 @@
           <a:p>
             <a:fld id="{813A9F34-E5CD-4B8F-AA9E-889C84372B20}" type="datetime1">
               <a:rPr lang="ru-RU" smtClean="0"/>
-              <a:t>11.12.2019</a:t>
+              <a:t>20.12.2023</a:t>
             </a:fld>
             <a:endParaRPr lang="ru-RU"/>
           </a:p>
@@ -2326,7 +2326,7 @@
           <a:p>
             <a:fld id="{51224D22-9B29-44A6-8E82-95FC492DEDC1}" type="datetime1">
               <a:rPr lang="ru-RU" smtClean="0"/>
-              <a:t>11.12.2019</a:t>
+              <a:t>20.12.2023</a:t>
             </a:fld>
             <a:endParaRPr lang="ru-RU"/>
           </a:p>
@@ -2607,7 +2607,7 @@
           <a:p>
             <a:fld id="{91D1034F-4441-48A1-BDC0-25EA1022324A}" type="datetime1">
               <a:rPr lang="ru-RU" smtClean="0"/>
-              <a:t>11.12.2019</a:t>
+              <a:t>20.12.2023</a:t>
             </a:fld>
             <a:endParaRPr lang="ru-RU"/>
           </a:p>
@@ -2864,7 +2864,7 @@
           <a:p>
             <a:fld id="{B0FFDE79-B627-473B-AE17-4C65BD2495F7}" type="datetime1">
               <a:rPr lang="ru-RU" smtClean="0"/>
-              <a:t>11.12.2019</a:t>
+              <a:t>20.12.2023</a:t>
             </a:fld>
             <a:endParaRPr lang="ru-RU"/>
           </a:p>
@@ -3081,7 +3081,7 @@
           <a:p>
             <a:fld id="{11CA537A-1B8C-47BA-9BA6-7CE3FAFDA8BE}" type="datetime1">
               <a:rPr lang="ru-RU" smtClean="0"/>
-              <a:t>11.12.2019</a:t>
+              <a:t>20.12.2023</a:t>
             </a:fld>
             <a:endParaRPr lang="ru-RU"/>
           </a:p>
@@ -3579,7 +3579,11 @@
           <a:p>
             <a:r>
               <a:rPr lang="ru-RU" dirty="0" smtClean="0"/>
-              <a:t>МИФИ 2019</a:t>
+              <a:t>МИФИ </a:t>
+            </a:r>
+            <a:r>
+              <a:rPr lang="ru-RU" dirty="0" smtClean="0"/>
+              <a:t>2023</a:t>
             </a:r>
             <a:endParaRPr lang="ru-RU" dirty="0"/>
           </a:p>
@@ -3671,7 +3675,6 @@
               <a:rPr lang="en-US" dirty="0" smtClean="0"/>
               <a:t>Encrypt-Then-MAC</a:t>
             </a:r>
-            <a:endParaRPr lang="en-US" dirty="0" smtClean="0"/>
           </a:p>
           <a:p>
             <a:r>
@@ -7597,7 +7600,7 @@
             </a:r>
             <a:r>
               <a:rPr lang="ru-RU" dirty="0" err="1" smtClean="0"/>
-              <a:t>скриатинг</a:t>
+              <a:t>скриптинг</a:t>
             </a:r>
             <a:r>
               <a:rPr lang="ru-RU" dirty="0" smtClean="0"/>
@@ -8211,8 +8214,8 @@
           </a:p>
         </p:txBody>
       </p:sp>
-      <mc:AlternateContent xmlns:mc="http://schemas.openxmlformats.org/markup-compatibility/2006">
-        <mc:Choice xmlns:a14="http://schemas.microsoft.com/office/drawing/2010/main" Requires="a14">
+      <mc:AlternateContent xmlns:mc="http://schemas.openxmlformats.org/markup-compatibility/2006" xmlns:a14="http://schemas.microsoft.com/office/drawing/2010/main">
+        <mc:Choice Requires="a14">
           <p:sp>
             <p:nvSpPr>
               <p:cNvPr id="3" name="Объект 2"/>
@@ -8323,15 +8326,7 @@
                 </a14:m>
                 <a:r>
                   <a:rPr lang="ru-RU" dirty="0" smtClean="0"/>
-                  <a:t> произвольный 16 байтный блок, последний </a:t>
-                </a:r>
-                <a:r>
-                  <a:rPr lang="ru-RU" dirty="0" smtClean="0"/>
-                  <a:t>байт которого </a:t>
-                </a:r>
-                <a:r>
-                  <a:rPr lang="ru-RU" dirty="0" smtClean="0"/>
-                  <a:t>равен </a:t>
+                  <a:t> произвольный 16 байтный блок, последний байт которого равен </a:t>
                 </a:r>
                 <a14:m>
                   <m:oMath xmlns:m="http://schemas.openxmlformats.org/officeDocument/2006/math">
@@ -8951,7 +8946,7 @@
             </p:txBody>
           </p:sp>
         </mc:Choice>
-        <mc:Fallback>
+        <mc:Fallback xmlns="">
           <p:sp>
             <p:nvSpPr>
               <p:cNvPr id="3" name="Объект 2"/>
@@ -10813,20 +10808,50 @@
           </a:xfrm>
         </p:spPr>
         <p:txBody>
-          <a:bodyPr/>
-          <a:lstStyle/>
-          <a:p>
-            <a:r>
-              <a:rPr lang="ru-RU" dirty="0" smtClean="0"/>
-              <a:t>Противник создаёт </a:t>
-            </a:r>
-            <a:r>
-              <a:rPr lang="ru-RU" dirty="0" err="1" smtClean="0"/>
-              <a:t>шифртекст</a:t>
-            </a:r>
-            <a:r>
-              <a:rPr lang="ru-RU" dirty="0" smtClean="0"/>
-              <a:t> из трёх блоков, в котором ему не известен последний байт последнего блока открытого текста, а байты открытого текста до него имеют значения 31. Противник </a:t>
+          <a:bodyPr>
+            <a:normAutofit lnSpcReduction="10000"/>
+          </a:bodyPr>
+          <a:lstStyle/>
+          <a:p>
+            <a:r>
+              <a:rPr lang="ru-RU" dirty="0" smtClean="0"/>
+              <a:t>Противник создаёт шифртекст из трёх блоков, в котором ему не известен последний байт </a:t>
+            </a:r>
+            <a:r>
+              <a:rPr lang="ru-RU" dirty="0" smtClean="0"/>
+              <a:t>блока </a:t>
+            </a:r>
+            <a:r>
+              <a:rPr lang="en-US" dirty="0" smtClean="0"/>
+              <a:t>X</a:t>
+            </a:r>
+            <a:r>
+              <a:rPr lang="ru-RU" dirty="0" smtClean="0"/>
+              <a:t> </a:t>
+            </a:r>
+            <a:r>
+              <a:rPr lang="ru-RU" dirty="0" smtClean="0"/>
+              <a:t>открытого текста, </a:t>
+            </a:r>
+            <a:r>
+              <a:rPr lang="ru-RU" dirty="0" smtClean="0"/>
+              <a:t>а остальные </a:t>
+            </a:r>
+            <a:r>
+              <a:rPr lang="ru-RU" dirty="0" smtClean="0"/>
+              <a:t>байты открытого </a:t>
+            </a:r>
+            <a:r>
+              <a:rPr lang="ru-RU" smtClean="0"/>
+              <a:t>текста </a:t>
+            </a:r>
+            <a:r>
+              <a:rPr lang="ru-RU" smtClean="0"/>
+              <a:t>имеют </a:t>
+            </a:r>
+            <a:r>
+              <a:rPr lang="ru-RU" dirty="0" smtClean="0"/>
+              <a:t>значения 31. Противник </a:t>
             </a:r>
             <a:r>
               <a:rPr lang="ru-RU" dirty="0" err="1" smtClean="0"/>
@@ -10884,7 +10909,15 @@
             </a:r>
             <a:r>
               <a:rPr lang="ru-RU" dirty="0" smtClean="0"/>
-              <a:t>при расшифровке получим всегда 31. </a:t>
+              <a:t>при </a:t>
+            </a:r>
+            <a:r>
+              <a:rPr lang="ru-RU" dirty="0" smtClean="0"/>
+              <a:t>расшифровании </a:t>
+            </a:r>
+            <a:r>
+              <a:rPr lang="ru-RU" dirty="0" smtClean="0"/>
+              <a:t>получим всегда 31. </a:t>
             </a:r>
             <a:r>
               <a:rPr lang="ru-RU" dirty="0"/>

--- a/Lectures/Lecture13.pptx
+++ b/Lectures/Lecture13.pptx
@@ -5,52 +5,54 @@
     <p:sldMasterId id="2147483648" r:id="rId1"/>
   </p:sldMasterIdLst>
   <p:notesMasterIdLst>
-    <p:notesMasterId r:id="rId45"/>
+    <p:notesMasterId r:id="rId47"/>
   </p:notesMasterIdLst>
   <p:sldIdLst>
     <p:sldId id="296" r:id="rId2"/>
-    <p:sldId id="545" r:id="rId3"/>
-    <p:sldId id="584" r:id="rId4"/>
-    <p:sldId id="585" r:id="rId5"/>
-    <p:sldId id="587" r:id="rId6"/>
-    <p:sldId id="586" r:id="rId7"/>
-    <p:sldId id="588" r:id="rId8"/>
-    <p:sldId id="589" r:id="rId9"/>
-    <p:sldId id="590" r:id="rId10"/>
-    <p:sldId id="591" r:id="rId11"/>
-    <p:sldId id="592" r:id="rId12"/>
-    <p:sldId id="611" r:id="rId13"/>
-    <p:sldId id="593" r:id="rId14"/>
-    <p:sldId id="595" r:id="rId15"/>
-    <p:sldId id="596" r:id="rId16"/>
-    <p:sldId id="597" r:id="rId17"/>
-    <p:sldId id="598" r:id="rId18"/>
-    <p:sldId id="599" r:id="rId19"/>
-    <p:sldId id="594" r:id="rId20"/>
-    <p:sldId id="601" r:id="rId21"/>
-    <p:sldId id="602" r:id="rId22"/>
-    <p:sldId id="600" r:id="rId23"/>
-    <p:sldId id="603" r:id="rId24"/>
-    <p:sldId id="605" r:id="rId25"/>
-    <p:sldId id="606" r:id="rId26"/>
-    <p:sldId id="607" r:id="rId27"/>
-    <p:sldId id="608" r:id="rId28"/>
-    <p:sldId id="609" r:id="rId29"/>
-    <p:sldId id="610" r:id="rId30"/>
-    <p:sldId id="604" r:id="rId31"/>
-    <p:sldId id="612" r:id="rId32"/>
-    <p:sldId id="613" r:id="rId33"/>
-    <p:sldId id="614" r:id="rId34"/>
-    <p:sldId id="615" r:id="rId35"/>
-    <p:sldId id="616" r:id="rId36"/>
-    <p:sldId id="617" r:id="rId37"/>
-    <p:sldId id="618" r:id="rId38"/>
-    <p:sldId id="619" r:id="rId39"/>
-    <p:sldId id="620" r:id="rId40"/>
-    <p:sldId id="621" r:id="rId41"/>
-    <p:sldId id="622" r:id="rId42"/>
-    <p:sldId id="581" r:id="rId43"/>
-    <p:sldId id="623" r:id="rId44"/>
+    <p:sldId id="625" r:id="rId3"/>
+    <p:sldId id="624" r:id="rId4"/>
+    <p:sldId id="545" r:id="rId5"/>
+    <p:sldId id="584" r:id="rId6"/>
+    <p:sldId id="585" r:id="rId7"/>
+    <p:sldId id="587" r:id="rId8"/>
+    <p:sldId id="586" r:id="rId9"/>
+    <p:sldId id="588" r:id="rId10"/>
+    <p:sldId id="589" r:id="rId11"/>
+    <p:sldId id="590" r:id="rId12"/>
+    <p:sldId id="591" r:id="rId13"/>
+    <p:sldId id="592" r:id="rId14"/>
+    <p:sldId id="611" r:id="rId15"/>
+    <p:sldId id="593" r:id="rId16"/>
+    <p:sldId id="595" r:id="rId17"/>
+    <p:sldId id="596" r:id="rId18"/>
+    <p:sldId id="597" r:id="rId19"/>
+    <p:sldId id="598" r:id="rId20"/>
+    <p:sldId id="599" r:id="rId21"/>
+    <p:sldId id="594" r:id="rId22"/>
+    <p:sldId id="601" r:id="rId23"/>
+    <p:sldId id="602" r:id="rId24"/>
+    <p:sldId id="600" r:id="rId25"/>
+    <p:sldId id="603" r:id="rId26"/>
+    <p:sldId id="605" r:id="rId27"/>
+    <p:sldId id="606" r:id="rId28"/>
+    <p:sldId id="607" r:id="rId29"/>
+    <p:sldId id="608" r:id="rId30"/>
+    <p:sldId id="609" r:id="rId31"/>
+    <p:sldId id="610" r:id="rId32"/>
+    <p:sldId id="604" r:id="rId33"/>
+    <p:sldId id="612" r:id="rId34"/>
+    <p:sldId id="613" r:id="rId35"/>
+    <p:sldId id="614" r:id="rId36"/>
+    <p:sldId id="615" r:id="rId37"/>
+    <p:sldId id="616" r:id="rId38"/>
+    <p:sldId id="617" r:id="rId39"/>
+    <p:sldId id="618" r:id="rId40"/>
+    <p:sldId id="619" r:id="rId41"/>
+    <p:sldId id="620" r:id="rId42"/>
+    <p:sldId id="621" r:id="rId43"/>
+    <p:sldId id="622" r:id="rId44"/>
+    <p:sldId id="581" r:id="rId45"/>
+    <p:sldId id="623" r:id="rId46"/>
   </p:sldIdLst>
   <p:sldSz cx="12192000" cy="6858000"/>
   <p:notesSz cx="6858000" cy="9144000"/>
@@ -155,6 +157,8 @@
         <p14:section name="Раздел по умолчанию" id="{B9489B66-A166-4A24-B55F-EDCB98E57948}">
           <p14:sldIdLst>
             <p14:sldId id="296"/>
+            <p14:sldId id="625"/>
+            <p14:sldId id="624"/>
           </p14:sldIdLst>
         </p14:section>
         <p14:section name="Введение" id="{A1F0E3F0-4189-4C84-9419-D9D631A1680D}">
@@ -226,10 +230,10 @@
       </p14:sectionLst>
     </p:ext>
     <p:ext uri="{EFAFB233-063F-42B5-8137-9DF3F51BA10A}">
-      <p15:sldGuideLst xmlns:p15="http://schemas.microsoft.com/office/powerpoint/2012/main"/>
+      <p15:sldGuideLst xmlns:p15="http://schemas.microsoft.com/office/powerpoint/2012/main" xmlns=""/>
     </p:ext>
     <p:ext uri="{2D200454-40CA-4A62-9FC3-DE9A4176ACB9}">
-      <p15:notesGuideLst xmlns:p15="http://schemas.microsoft.com/office/powerpoint/2012/main"/>
+      <p15:notesGuideLst xmlns:p15="http://schemas.microsoft.com/office/powerpoint/2012/main" xmlns=""/>
     </p:ext>
   </p:extLst>
 </p:presentation>
@@ -317,7 +321,7 @@
           <a:p>
             <a:fld id="{CBA08D16-15DC-4E25-BDC3-F25146157B16}" type="datetimeFigureOut">
               <a:rPr lang="ru-RU" smtClean="0"/>
-              <a:t>20.12.2023</a:t>
+              <a:t>12.12.2024</a:t>
             </a:fld>
             <a:endParaRPr lang="ru-RU"/>
           </a:p>
@@ -716,7 +720,7 @@
           <a:p>
             <a:fld id="{FCEC8293-DB51-454A-BE81-EC8FCB31EBA2}" type="datetime1">
               <a:rPr lang="ru-RU" smtClean="0"/>
-              <a:t>20.12.2023</a:t>
+              <a:t>12.12.2024</a:t>
             </a:fld>
             <a:endParaRPr lang="ru-RU"/>
           </a:p>
@@ -890,7 +894,7 @@
           <a:p>
             <a:fld id="{241C87B1-1C35-4DBD-BC18-2BC72E776603}" type="datetime1">
               <a:rPr lang="ru-RU" smtClean="0"/>
-              <a:t>20.12.2023</a:t>
+              <a:t>12.12.2024</a:t>
             </a:fld>
             <a:endParaRPr lang="ru-RU"/>
           </a:p>
@@ -1074,7 +1078,7 @@
           <a:p>
             <a:fld id="{3134C275-26C0-42CD-9111-9ADE65922AF9}" type="datetime1">
               <a:rPr lang="ru-RU" smtClean="0"/>
-              <a:t>20.12.2023</a:t>
+              <a:t>12.12.2024</a:t>
             </a:fld>
             <a:endParaRPr lang="ru-RU"/>
           </a:p>
@@ -1248,7 +1252,7 @@
           <a:p>
             <a:fld id="{C1A9A50B-C350-45F5-8AAB-ADB9E670AF2E}" type="datetime1">
               <a:rPr lang="ru-RU" smtClean="0"/>
-              <a:t>20.12.2023</a:t>
+              <a:t>12.12.2024</a:t>
             </a:fld>
             <a:endParaRPr lang="ru-RU"/>
           </a:p>
@@ -1498,7 +1502,7 @@
           <a:p>
             <a:fld id="{089688C9-348F-42F9-B6C0-5990DDE0C5B2}" type="datetime1">
               <a:rPr lang="ru-RU" smtClean="0"/>
-              <a:t>20.12.2023</a:t>
+              <a:t>12.12.2024</a:t>
             </a:fld>
             <a:endParaRPr lang="ru-RU"/>
           </a:p>
@@ -1734,7 +1738,7 @@
           <a:p>
             <a:fld id="{684AFD8F-6DD9-4AD3-A505-FDC3F5C5F3F6}" type="datetime1">
               <a:rPr lang="ru-RU" smtClean="0"/>
-              <a:t>20.12.2023</a:t>
+              <a:t>12.12.2024</a:t>
             </a:fld>
             <a:endParaRPr lang="ru-RU"/>
           </a:p>
@@ -2105,7 +2109,7 @@
           <a:p>
             <a:fld id="{63551EFE-4D02-45EB-A747-8B6F047B5AA0}" type="datetime1">
               <a:rPr lang="ru-RU" smtClean="0"/>
-              <a:t>20.12.2023</a:t>
+              <a:t>12.12.2024</a:t>
             </a:fld>
             <a:endParaRPr lang="ru-RU"/>
           </a:p>
@@ -2227,7 +2231,7 @@
           <a:p>
             <a:fld id="{813A9F34-E5CD-4B8F-AA9E-889C84372B20}" type="datetime1">
               <a:rPr lang="ru-RU" smtClean="0"/>
-              <a:t>20.12.2023</a:t>
+              <a:t>12.12.2024</a:t>
             </a:fld>
             <a:endParaRPr lang="ru-RU"/>
           </a:p>
@@ -2326,7 +2330,7 @@
           <a:p>
             <a:fld id="{51224D22-9B29-44A6-8E82-95FC492DEDC1}" type="datetime1">
               <a:rPr lang="ru-RU" smtClean="0"/>
-              <a:t>20.12.2023</a:t>
+              <a:t>12.12.2024</a:t>
             </a:fld>
             <a:endParaRPr lang="ru-RU"/>
           </a:p>
@@ -2607,7 +2611,7 @@
           <a:p>
             <a:fld id="{91D1034F-4441-48A1-BDC0-25EA1022324A}" type="datetime1">
               <a:rPr lang="ru-RU" smtClean="0"/>
-              <a:t>20.12.2023</a:t>
+              <a:t>12.12.2024</a:t>
             </a:fld>
             <a:endParaRPr lang="ru-RU"/>
           </a:p>
@@ -2864,7 +2868,7 @@
           <a:p>
             <a:fld id="{B0FFDE79-B627-473B-AE17-4C65BD2495F7}" type="datetime1">
               <a:rPr lang="ru-RU" smtClean="0"/>
-              <a:t>20.12.2023</a:t>
+              <a:t>12.12.2024</a:t>
             </a:fld>
             <a:endParaRPr lang="ru-RU"/>
           </a:p>
@@ -3081,7 +3085,7 @@
           <a:p>
             <a:fld id="{11CA537A-1B8C-47BA-9BA6-7CE3FAFDA8BE}" type="datetime1">
               <a:rPr lang="ru-RU" smtClean="0"/>
-              <a:t>20.12.2023</a:t>
+              <a:t>12.12.2024</a:t>
             </a:fld>
             <a:endParaRPr lang="ru-RU"/>
           </a:p>
@@ -3583,7 +3587,11 @@
             </a:r>
             <a:r>
               <a:rPr lang="ru-RU" dirty="0" smtClean="0"/>
-              <a:t>2023</a:t>
+              <a:t>202</a:t>
+            </a:r>
+            <a:r>
+              <a:rPr lang="en-US" smtClean="0"/>
+              <a:t>4</a:t>
             </a:r>
             <a:endParaRPr lang="ru-RU" dirty="0"/>
           </a:p>
@@ -3643,7 +3651,7 @@
           <a:p>
             <a:r>
               <a:rPr lang="ru-RU" dirty="0" smtClean="0"/>
-              <a:t>Шифрование </a:t>
+              <a:t>Инкапсуляция </a:t>
             </a:r>
             <a:r>
               <a:rPr lang="en-US" dirty="0" smtClean="0"/>
@@ -3663,118 +3671,44 @@
             <p:ph idx="1"/>
           </p:nvPr>
         </p:nvSpPr>
-        <p:spPr/>
-        <p:txBody>
-          <a:bodyPr/>
+        <p:spPr>
+          <a:xfrm>
+            <a:off x="838200" y="1825625"/>
+            <a:ext cx="4921983" cy="4351338"/>
+          </a:xfrm>
+        </p:spPr>
+        <p:txBody>
+          <a:bodyPr>
+            <a:normAutofit/>
+          </a:bodyPr>
           <a:lstStyle/>
           <a:p>
             <a:pPr marL="0" indent="0">
               <a:buNone/>
             </a:pPr>
             <a:r>
-              <a:rPr lang="en-US" dirty="0" smtClean="0"/>
-              <a:t>Encrypt-Then-MAC</a:t>
-            </a:r>
-          </a:p>
-          <a:p>
-            <a:r>
-              <a:rPr lang="ru-RU" dirty="0" smtClean="0"/>
-              <a:t>Данные дополняются дополнением до необходимой длины. Заполняется поле </a:t>
-            </a:r>
-            <a:r>
-              <a:rPr lang="en-US" dirty="0" smtClean="0"/>
-              <a:t>next header</a:t>
-            </a:r>
-          </a:p>
-          <a:p>
-            <a:r>
-              <a:rPr lang="ru-RU" dirty="0" smtClean="0"/>
-              <a:t>Зашифровываются ключом для данной </a:t>
-            </a:r>
-            <a:r>
-              <a:rPr lang="en-US" dirty="0" smtClean="0"/>
-              <a:t>SA</a:t>
-            </a:r>
-            <a:r>
-              <a:rPr lang="ru-RU" dirty="0" smtClean="0"/>
-              <a:t>. Если шифрование обозначено как </a:t>
-            </a:r>
-            <a:r>
-              <a:rPr lang="en-US" dirty="0" smtClean="0"/>
-              <a:t>NULL</a:t>
-            </a:r>
-            <a:r>
-              <a:rPr lang="ru-RU" dirty="0" smtClean="0"/>
-              <a:t>, оно не производится (тогда </a:t>
-            </a:r>
-            <a:r>
-              <a:rPr lang="en-US" dirty="0" smtClean="0"/>
-              <a:t>IPsec </a:t>
-            </a:r>
-            <a:r>
-              <a:rPr lang="ru-RU" dirty="0" smtClean="0"/>
-              <a:t>обеспечивает только целостность).</a:t>
+              <a:rPr lang="en-US" dirty="0"/>
+              <a:t>s</a:t>
+            </a:r>
+            <a:r>
+              <a:rPr lang="en-US" dirty="0" smtClean="0"/>
+              <a:t>equence number – </a:t>
+            </a:r>
+            <a:r>
+              <a:rPr lang="ru-RU" dirty="0" smtClean="0"/>
+              <a:t>номер пакета, используется для обнаружения и отбрасывания повторяющихся пакетов. 64 бита, но записывается в пакета только наименее значимые 32 бита. При вычислении </a:t>
+            </a:r>
+            <a:r>
+              <a:rPr lang="en-US" dirty="0" smtClean="0"/>
+              <a:t>MAC </a:t>
+            </a:r>
+            <a:r>
+              <a:rPr lang="ru-RU" dirty="0" smtClean="0"/>
+              <a:t>используются все 64 бита. Инициализируется нулём при установлении соединения, увеличивается на 1 с каждым пакетом. </a:t>
             </a:r>
             <a:endParaRPr lang="en-US" dirty="0" smtClean="0"/>
           </a:p>
           <a:p>
-            <a:r>
-              <a:rPr lang="ru-RU" dirty="0" smtClean="0"/>
-              <a:t>Вычисляется </a:t>
-            </a:r>
-            <a:r>
-              <a:rPr lang="en-US" dirty="0" smtClean="0"/>
-              <a:t>MAC </a:t>
-            </a:r>
-            <a:r>
-              <a:rPr lang="ru-RU" dirty="0" smtClean="0"/>
-              <a:t>на следующих данных</a:t>
-            </a:r>
-            <a:r>
-              <a:rPr lang="en-US" dirty="0" smtClean="0"/>
-              <a:t>: </a:t>
-            </a:r>
-            <a:endParaRPr lang="ru-RU" dirty="0" smtClean="0"/>
-          </a:p>
-          <a:p>
-            <a:pPr marL="0" indent="0" algn="ctr">
-              <a:buNone/>
-            </a:pPr>
-            <a:r>
-              <a:rPr lang="en-US" dirty="0" smtClean="0"/>
-              <a:t>SPI || sequence number (64 </a:t>
-            </a:r>
-            <a:r>
-              <a:rPr lang="ru-RU" dirty="0" smtClean="0"/>
-              <a:t>бита)</a:t>
-            </a:r>
-            <a:r>
-              <a:rPr lang="en-US" dirty="0" smtClean="0"/>
-              <a:t> || </a:t>
-            </a:r>
-            <a:r>
-              <a:rPr lang="en-US" dirty="0" err="1" smtClean="0"/>
-              <a:t>ciphertext</a:t>
-            </a:r>
-            <a:r>
-              <a:rPr lang="en-US" dirty="0" smtClean="0"/>
-              <a:t> </a:t>
-            </a:r>
-            <a:endParaRPr lang="ru-RU" dirty="0" smtClean="0"/>
-          </a:p>
-          <a:p>
-            <a:r>
-              <a:rPr lang="ru-RU" dirty="0" smtClean="0"/>
-              <a:t>Инкапсуляция пакета в </a:t>
-            </a:r>
-            <a:r>
-              <a:rPr lang="en-US" dirty="0" smtClean="0"/>
-              <a:t>IP </a:t>
-            </a:r>
-            <a:r>
-              <a:rPr lang="ru-RU" dirty="0" smtClean="0"/>
-              <a:t>пакет</a:t>
-            </a:r>
             <a:endParaRPr lang="ru-RU" dirty="0"/>
           </a:p>
         </p:txBody>
@@ -3802,10 +3736,34 @@
           </a:p>
         </p:txBody>
       </p:sp>
+      <p:pic>
+        <p:nvPicPr>
+          <p:cNvPr id="5" name="Рисунок 4"/>
+          <p:cNvPicPr>
+            <a:picLocks noChangeAspect="1"/>
+          </p:cNvPicPr>
+          <p:nvPr/>
+        </p:nvPicPr>
+        <p:blipFill>
+          <a:blip r:embed="rId2"/>
+          <a:stretch>
+            <a:fillRect/>
+          </a:stretch>
+        </p:blipFill>
+        <p:spPr>
+          <a:xfrm>
+            <a:off x="5760183" y="1322851"/>
+            <a:ext cx="6431817" cy="4631899"/>
+          </a:xfrm>
+          <a:prstGeom prst="rect">
+            <a:avLst/>
+          </a:prstGeom>
+        </p:spPr>
+      </p:pic>
     </p:spTree>
     <p:extLst>
       <p:ext uri="{BB962C8B-B14F-4D97-AF65-F5344CB8AC3E}">
-        <p14:creationId xmlns:p14="http://schemas.microsoft.com/office/powerpoint/2010/main" val="1618744564"/>
+        <p14:creationId xmlns:p14="http://schemas.microsoft.com/office/powerpoint/2010/main" val="4201582253"/>
       </p:ext>
     </p:extLst>
   </p:cSld>
@@ -3849,7 +3807,11 @@
           <a:p>
             <a:r>
               <a:rPr lang="ru-RU" dirty="0" smtClean="0"/>
-              <a:t>Прочие хитрости</a:t>
+              <a:t>Инкапсуляция </a:t>
+            </a:r>
+            <a:r>
+              <a:rPr lang="en-US" dirty="0" smtClean="0"/>
+              <a:t>IPsec</a:t>
             </a:r>
             <a:endParaRPr lang="ru-RU" dirty="0"/>
           </a:p>
@@ -3865,68 +3827,74 @@
             <p:ph idx="1"/>
           </p:nvPr>
         </p:nvSpPr>
-        <p:spPr/>
-        <p:txBody>
-          <a:bodyPr/>
-          <a:lstStyle/>
-          <a:p>
-            <a:r>
-              <a:rPr lang="en-US" dirty="0" smtClean="0"/>
-              <a:t>TFC </a:t>
-            </a:r>
-            <a:r>
-              <a:rPr lang="ru-RU" dirty="0" smtClean="0"/>
-              <a:t>дополнение (</a:t>
-            </a:r>
-            <a:r>
-              <a:rPr lang="en-US" dirty="0" smtClean="0"/>
-              <a:t>traffic flow confidentiality) – </a:t>
-            </a:r>
-            <a:r>
-              <a:rPr lang="ru-RU" dirty="0" smtClean="0"/>
-              <a:t>дополнение, для скрытия размера открытого текста, используется до дополнения до размера блочного шифра, произвольной длины</a:t>
-            </a:r>
-          </a:p>
-          <a:p>
-            <a:r>
-              <a:rPr lang="en-US" dirty="0" smtClean="0"/>
-              <a:t>Dummy blocks </a:t>
-            </a:r>
-            <a:r>
-              <a:rPr lang="ru-RU" dirty="0" smtClean="0"/>
-              <a:t>– блоки, не несущие полезной нагрузки, и отбрасываемые получателем при расшифровке.</a:t>
+        <p:spPr>
+          <a:xfrm>
+            <a:off x="838200" y="1825625"/>
+            <a:ext cx="4921983" cy="4351338"/>
+          </a:xfrm>
+        </p:spPr>
+        <p:txBody>
+          <a:bodyPr>
+            <a:normAutofit/>
+          </a:bodyPr>
+          <a:lstStyle/>
+          <a:p>
+            <a:r>
+              <a:rPr lang="en-US" dirty="0"/>
+              <a:t>p</a:t>
+            </a:r>
+            <a:r>
+              <a:rPr lang="en-US" dirty="0" smtClean="0"/>
+              <a:t>adding – </a:t>
+            </a:r>
+            <a:r>
+              <a:rPr lang="ru-RU" dirty="0" smtClean="0"/>
+              <a:t>дополнение до длины блока алгоритма шифрования и результирующего шифр текста до длины 4 байта. От 0 до 255 байт.</a:t>
             </a:r>
             <a:endParaRPr lang="en-US" dirty="0" smtClean="0"/>
           </a:p>
           <a:p>
-            <a:endParaRPr lang="en-US" dirty="0"/>
-          </a:p>
-          <a:p>
-            <a:r>
-              <a:rPr lang="ru-RU" dirty="0" smtClean="0"/>
-              <a:t>Возможно только шифрование, без вычисление </a:t>
-            </a:r>
-            <a:r>
-              <a:rPr lang="en-US" dirty="0" smtClean="0"/>
-              <a:t>MAC</a:t>
-            </a:r>
-          </a:p>
-          <a:p>
-            <a:pPr lvl="1"/>
-            <a:r>
-              <a:rPr lang="ru-RU" dirty="0" smtClean="0"/>
-              <a:t>Опасно, даже если предположить, что протоколы верхнего уровня обеспечивают целостность (получаем </a:t>
-            </a:r>
-            <a:r>
-              <a:rPr lang="en-US" dirty="0" smtClean="0"/>
-              <a:t>mac-then-encrypt)</a:t>
-            </a:r>
-          </a:p>
-          <a:p>
-            <a:pPr lvl="1"/>
-            <a:r>
-              <a:rPr lang="ru-RU" dirty="0" smtClean="0"/>
-              <a:t>Безопасно, при использовании аутентичного шифрования</a:t>
+            <a:r>
+              <a:rPr lang="en-US" dirty="0"/>
+              <a:t>p</a:t>
+            </a:r>
+            <a:r>
+              <a:rPr lang="en-US" dirty="0" smtClean="0"/>
+              <a:t>ad </a:t>
+            </a:r>
+            <a:r>
+              <a:rPr lang="en-US" dirty="0" err="1" smtClean="0"/>
+              <a:t>len</a:t>
+            </a:r>
+            <a:r>
+              <a:rPr lang="en-US" dirty="0" smtClean="0"/>
+              <a:t> – </a:t>
+            </a:r>
+            <a:r>
+              <a:rPr lang="ru-RU" dirty="0" smtClean="0"/>
+              <a:t>длина дополнения</a:t>
+            </a:r>
+          </a:p>
+          <a:p>
+            <a:r>
+              <a:rPr lang="en-US" dirty="0" smtClean="0"/>
+              <a:t>next </a:t>
+            </a:r>
+            <a:r>
+              <a:rPr lang="en-US" dirty="0" err="1" smtClean="0"/>
+              <a:t>hdr</a:t>
+            </a:r>
+            <a:r>
+              <a:rPr lang="en-US" dirty="0" smtClean="0"/>
+              <a:t> – </a:t>
+            </a:r>
+            <a:r>
+              <a:rPr lang="ru-RU" dirty="0" smtClean="0"/>
+              <a:t>тип данных (для данного примера </a:t>
+            </a:r>
+            <a:r>
+              <a:rPr lang="en-US" dirty="0" smtClean="0"/>
+              <a:t>IPv4=4) </a:t>
             </a:r>
             <a:endParaRPr lang="ru-RU" dirty="0"/>
           </a:p>
@@ -3950,6 +3918,389 @@
             <a:fld id="{8253DDDB-F8F7-4D64-A7FD-3F3D61C1949F}" type="slidenum">
               <a:rPr lang="ru-RU" smtClean="0"/>
               <a:t>11</a:t>
+            </a:fld>
+            <a:endParaRPr lang="ru-RU"/>
+          </a:p>
+        </p:txBody>
+      </p:sp>
+      <p:pic>
+        <p:nvPicPr>
+          <p:cNvPr id="5" name="Рисунок 4"/>
+          <p:cNvPicPr>
+            <a:picLocks noChangeAspect="1"/>
+          </p:cNvPicPr>
+          <p:nvPr/>
+        </p:nvPicPr>
+        <p:blipFill>
+          <a:blip r:embed="rId2"/>
+          <a:stretch>
+            <a:fillRect/>
+          </a:stretch>
+        </p:blipFill>
+        <p:spPr>
+          <a:xfrm>
+            <a:off x="5760183" y="1322851"/>
+            <a:ext cx="6431817" cy="4631899"/>
+          </a:xfrm>
+          <a:prstGeom prst="rect">
+            <a:avLst/>
+          </a:prstGeom>
+        </p:spPr>
+      </p:pic>
+    </p:spTree>
+    <p:extLst>
+      <p:ext uri="{BB962C8B-B14F-4D97-AF65-F5344CB8AC3E}">
+        <p14:creationId xmlns:p14="http://schemas.microsoft.com/office/powerpoint/2010/main" val="739027548"/>
+      </p:ext>
+    </p:extLst>
+  </p:cSld>
+  <p:clrMapOvr>
+    <a:masterClrMapping/>
+  </p:clrMapOvr>
+</p:sld>
+</file>
+
+<file path=ppt/slides/slide12.xml><?xml version="1.0" encoding="utf-8"?>
+<p:sld xmlns:a="http://schemas.openxmlformats.org/drawingml/2006/main" xmlns:r="http://schemas.openxmlformats.org/officeDocument/2006/relationships" xmlns:p="http://schemas.openxmlformats.org/presentationml/2006/main">
+  <p:cSld>
+    <p:spTree>
+      <p:nvGrpSpPr>
+        <p:cNvPr id="1" name=""/>
+        <p:cNvGrpSpPr/>
+        <p:nvPr/>
+      </p:nvGrpSpPr>
+      <p:grpSpPr>
+        <a:xfrm>
+          <a:off x="0" y="0"/>
+          <a:ext cx="0" cy="0"/>
+          <a:chOff x="0" y="0"/>
+          <a:chExt cx="0" cy="0"/>
+        </a:xfrm>
+      </p:grpSpPr>
+      <p:sp>
+        <p:nvSpPr>
+          <p:cNvPr id="2" name="Заголовок 1"/>
+          <p:cNvSpPr>
+            <a:spLocks noGrp="1"/>
+          </p:cNvSpPr>
+          <p:nvPr>
+            <p:ph type="title"/>
+          </p:nvPr>
+        </p:nvSpPr>
+        <p:spPr/>
+        <p:txBody>
+          <a:bodyPr/>
+          <a:lstStyle/>
+          <a:p>
+            <a:r>
+              <a:rPr lang="ru-RU" dirty="0" smtClean="0"/>
+              <a:t>Шифрование </a:t>
+            </a:r>
+            <a:r>
+              <a:rPr lang="en-US" dirty="0" smtClean="0"/>
+              <a:t>IPsec</a:t>
+            </a:r>
+            <a:endParaRPr lang="ru-RU" dirty="0"/>
+          </a:p>
+        </p:txBody>
+      </p:sp>
+      <p:sp>
+        <p:nvSpPr>
+          <p:cNvPr id="3" name="Объект 2"/>
+          <p:cNvSpPr>
+            <a:spLocks noGrp="1"/>
+          </p:cNvSpPr>
+          <p:nvPr>
+            <p:ph idx="1"/>
+          </p:nvPr>
+        </p:nvSpPr>
+        <p:spPr/>
+        <p:txBody>
+          <a:bodyPr/>
+          <a:lstStyle/>
+          <a:p>
+            <a:pPr marL="0" indent="0">
+              <a:buNone/>
+            </a:pPr>
+            <a:r>
+              <a:rPr lang="en-US" dirty="0" smtClean="0"/>
+              <a:t>Encrypt-Then-MAC</a:t>
+            </a:r>
+          </a:p>
+          <a:p>
+            <a:r>
+              <a:rPr lang="ru-RU" dirty="0" smtClean="0"/>
+              <a:t>Данные дополняются дополнением до необходимой длины. Заполняется поле </a:t>
+            </a:r>
+            <a:r>
+              <a:rPr lang="en-US" dirty="0" smtClean="0"/>
+              <a:t>next header</a:t>
+            </a:r>
+          </a:p>
+          <a:p>
+            <a:r>
+              <a:rPr lang="ru-RU" dirty="0" smtClean="0"/>
+              <a:t>Зашифровываются ключом для данной </a:t>
+            </a:r>
+            <a:r>
+              <a:rPr lang="en-US" dirty="0" smtClean="0"/>
+              <a:t>SA</a:t>
+            </a:r>
+            <a:r>
+              <a:rPr lang="ru-RU" dirty="0" smtClean="0"/>
+              <a:t>. Если шифрование обозначено как </a:t>
+            </a:r>
+            <a:r>
+              <a:rPr lang="en-US" dirty="0" smtClean="0"/>
+              <a:t>NULL</a:t>
+            </a:r>
+            <a:r>
+              <a:rPr lang="ru-RU" dirty="0" smtClean="0"/>
+              <a:t>, оно не производится (тогда </a:t>
+            </a:r>
+            <a:r>
+              <a:rPr lang="en-US" dirty="0" smtClean="0"/>
+              <a:t>IPsec </a:t>
+            </a:r>
+            <a:r>
+              <a:rPr lang="ru-RU" dirty="0" smtClean="0"/>
+              <a:t>обеспечивает только целостность).</a:t>
+            </a:r>
+            <a:endParaRPr lang="en-US" dirty="0" smtClean="0"/>
+          </a:p>
+          <a:p>
+            <a:r>
+              <a:rPr lang="ru-RU" dirty="0" smtClean="0"/>
+              <a:t>Вычисляется </a:t>
+            </a:r>
+            <a:r>
+              <a:rPr lang="en-US" dirty="0" smtClean="0"/>
+              <a:t>MAC </a:t>
+            </a:r>
+            <a:r>
+              <a:rPr lang="ru-RU" dirty="0" smtClean="0"/>
+              <a:t>на следующих данных</a:t>
+            </a:r>
+            <a:r>
+              <a:rPr lang="en-US" dirty="0" smtClean="0"/>
+              <a:t>: </a:t>
+            </a:r>
+            <a:endParaRPr lang="ru-RU" dirty="0" smtClean="0"/>
+          </a:p>
+          <a:p>
+            <a:pPr marL="0" indent="0" algn="ctr">
+              <a:buNone/>
+            </a:pPr>
+            <a:r>
+              <a:rPr lang="en-US" dirty="0" smtClean="0"/>
+              <a:t>SPI || sequence number (64 </a:t>
+            </a:r>
+            <a:r>
+              <a:rPr lang="ru-RU" dirty="0" smtClean="0"/>
+              <a:t>бита)</a:t>
+            </a:r>
+            <a:r>
+              <a:rPr lang="en-US" dirty="0" smtClean="0"/>
+              <a:t> || </a:t>
+            </a:r>
+            <a:r>
+              <a:rPr lang="en-US" dirty="0" err="1" smtClean="0"/>
+              <a:t>ciphertext</a:t>
+            </a:r>
+            <a:r>
+              <a:rPr lang="en-US" dirty="0" smtClean="0"/>
+              <a:t> </a:t>
+            </a:r>
+            <a:endParaRPr lang="ru-RU" dirty="0" smtClean="0"/>
+          </a:p>
+          <a:p>
+            <a:r>
+              <a:rPr lang="ru-RU" dirty="0" smtClean="0"/>
+              <a:t>Инкапсуляция пакета в </a:t>
+            </a:r>
+            <a:r>
+              <a:rPr lang="en-US" dirty="0" smtClean="0"/>
+              <a:t>IP </a:t>
+            </a:r>
+            <a:r>
+              <a:rPr lang="ru-RU" dirty="0" smtClean="0"/>
+              <a:t>пакет</a:t>
+            </a:r>
+            <a:endParaRPr lang="ru-RU" dirty="0"/>
+          </a:p>
+        </p:txBody>
+      </p:sp>
+      <p:sp>
+        <p:nvSpPr>
+          <p:cNvPr id="4" name="Номер слайда 3"/>
+          <p:cNvSpPr>
+            <a:spLocks noGrp="1"/>
+          </p:cNvSpPr>
+          <p:nvPr>
+            <p:ph type="sldNum" sz="quarter" idx="12"/>
+          </p:nvPr>
+        </p:nvSpPr>
+        <p:spPr/>
+        <p:txBody>
+          <a:bodyPr/>
+          <a:lstStyle/>
+          <a:p>
+            <a:fld id="{8253DDDB-F8F7-4D64-A7FD-3F3D61C1949F}" type="slidenum">
+              <a:rPr lang="ru-RU" smtClean="0"/>
+              <a:t>12</a:t>
+            </a:fld>
+            <a:endParaRPr lang="ru-RU"/>
+          </a:p>
+        </p:txBody>
+      </p:sp>
+    </p:spTree>
+    <p:extLst>
+      <p:ext uri="{BB962C8B-B14F-4D97-AF65-F5344CB8AC3E}">
+        <p14:creationId xmlns:p14="http://schemas.microsoft.com/office/powerpoint/2010/main" val="1618744564"/>
+      </p:ext>
+    </p:extLst>
+  </p:cSld>
+  <p:clrMapOvr>
+    <a:masterClrMapping/>
+  </p:clrMapOvr>
+</p:sld>
+</file>
+
+<file path=ppt/slides/slide13.xml><?xml version="1.0" encoding="utf-8"?>
+<p:sld xmlns:a="http://schemas.openxmlformats.org/drawingml/2006/main" xmlns:r="http://schemas.openxmlformats.org/officeDocument/2006/relationships" xmlns:p="http://schemas.openxmlformats.org/presentationml/2006/main">
+  <p:cSld>
+    <p:spTree>
+      <p:nvGrpSpPr>
+        <p:cNvPr id="1" name=""/>
+        <p:cNvGrpSpPr/>
+        <p:nvPr/>
+      </p:nvGrpSpPr>
+      <p:grpSpPr>
+        <a:xfrm>
+          <a:off x="0" y="0"/>
+          <a:ext cx="0" cy="0"/>
+          <a:chOff x="0" y="0"/>
+          <a:chExt cx="0" cy="0"/>
+        </a:xfrm>
+      </p:grpSpPr>
+      <p:sp>
+        <p:nvSpPr>
+          <p:cNvPr id="2" name="Заголовок 1"/>
+          <p:cNvSpPr>
+            <a:spLocks noGrp="1"/>
+          </p:cNvSpPr>
+          <p:nvPr>
+            <p:ph type="title"/>
+          </p:nvPr>
+        </p:nvSpPr>
+        <p:spPr/>
+        <p:txBody>
+          <a:bodyPr/>
+          <a:lstStyle/>
+          <a:p>
+            <a:r>
+              <a:rPr lang="ru-RU" dirty="0" smtClean="0"/>
+              <a:t>Прочие хитрости</a:t>
+            </a:r>
+            <a:endParaRPr lang="ru-RU" dirty="0"/>
+          </a:p>
+        </p:txBody>
+      </p:sp>
+      <p:sp>
+        <p:nvSpPr>
+          <p:cNvPr id="3" name="Объект 2"/>
+          <p:cNvSpPr>
+            <a:spLocks noGrp="1"/>
+          </p:cNvSpPr>
+          <p:nvPr>
+            <p:ph idx="1"/>
+          </p:nvPr>
+        </p:nvSpPr>
+        <p:spPr/>
+        <p:txBody>
+          <a:bodyPr/>
+          <a:lstStyle/>
+          <a:p>
+            <a:r>
+              <a:rPr lang="en-US" dirty="0" smtClean="0"/>
+              <a:t>TFC </a:t>
+            </a:r>
+            <a:r>
+              <a:rPr lang="ru-RU" dirty="0" smtClean="0"/>
+              <a:t>дополнение (</a:t>
+            </a:r>
+            <a:r>
+              <a:rPr lang="en-US" dirty="0" smtClean="0"/>
+              <a:t>traffic flow confidentiality) – </a:t>
+            </a:r>
+            <a:r>
+              <a:rPr lang="ru-RU" dirty="0" smtClean="0"/>
+              <a:t>дополнение, для скрытия размера открытого текста, используется до дополнения до размера блочного шифра, произвольной длины</a:t>
+            </a:r>
+          </a:p>
+          <a:p>
+            <a:r>
+              <a:rPr lang="en-US" dirty="0" smtClean="0"/>
+              <a:t>Dummy blocks </a:t>
+            </a:r>
+            <a:r>
+              <a:rPr lang="ru-RU" dirty="0" smtClean="0"/>
+              <a:t>– блоки, не несущие полезной нагрузки, и отбрасываемые получателем при расшифровке.</a:t>
+            </a:r>
+            <a:endParaRPr lang="en-US" dirty="0" smtClean="0"/>
+          </a:p>
+          <a:p>
+            <a:endParaRPr lang="en-US" dirty="0"/>
+          </a:p>
+          <a:p>
+            <a:r>
+              <a:rPr lang="ru-RU" dirty="0" smtClean="0"/>
+              <a:t>Возможно только шифрование, без вычисление </a:t>
+            </a:r>
+            <a:r>
+              <a:rPr lang="en-US" dirty="0" smtClean="0"/>
+              <a:t>MAC</a:t>
+            </a:r>
+          </a:p>
+          <a:p>
+            <a:pPr lvl="1"/>
+            <a:r>
+              <a:rPr lang="ru-RU" dirty="0" smtClean="0"/>
+              <a:t>Опасно, даже если предположить, что протоколы верхнего уровня обеспечивают целостность (получаем </a:t>
+            </a:r>
+            <a:r>
+              <a:rPr lang="en-US" dirty="0" smtClean="0"/>
+              <a:t>mac-then-encrypt)</a:t>
+            </a:r>
+          </a:p>
+          <a:p>
+            <a:pPr lvl="1"/>
+            <a:r>
+              <a:rPr lang="ru-RU" dirty="0" smtClean="0"/>
+              <a:t>Безопасно, при использовании аутентичного шифрования</a:t>
+            </a:r>
+            <a:endParaRPr lang="ru-RU" dirty="0"/>
+          </a:p>
+        </p:txBody>
+      </p:sp>
+      <p:sp>
+        <p:nvSpPr>
+          <p:cNvPr id="4" name="Номер слайда 3"/>
+          <p:cNvSpPr>
+            <a:spLocks noGrp="1"/>
+          </p:cNvSpPr>
+          <p:nvPr>
+            <p:ph type="sldNum" sz="quarter" idx="12"/>
+          </p:nvPr>
+        </p:nvSpPr>
+        <p:spPr/>
+        <p:txBody>
+          <a:bodyPr/>
+          <a:lstStyle/>
+          <a:p>
+            <a:fld id="{8253DDDB-F8F7-4D64-A7FD-3F3D61C1949F}" type="slidenum">
+              <a:rPr lang="ru-RU" smtClean="0"/>
+              <a:t>13</a:t>
             </a:fld>
             <a:endParaRPr lang="ru-RU"/>
           </a:p>
@@ -3975,7 +4326,7 @@
 </p:sld>
 </file>
 
-<file path=ppt/slides/slide12.xml><?xml version="1.0" encoding="utf-8"?>
+<file path=ppt/slides/slide14.xml><?xml version="1.0" encoding="utf-8"?>
 <p:sld xmlns:a="http://schemas.openxmlformats.org/drawingml/2006/main" xmlns:r="http://schemas.openxmlformats.org/officeDocument/2006/relationships" xmlns:p="http://schemas.openxmlformats.org/presentationml/2006/main">
   <p:cSld>
     <p:spTree>
@@ -4059,7 +4410,7 @@
           <a:p>
             <a:fld id="{8253DDDB-F8F7-4D64-A7FD-3F3D61C1949F}" type="slidenum">
               <a:rPr lang="ru-RU" smtClean="0"/>
-              <a:t>12</a:t>
+              <a:t>14</a:t>
             </a:fld>
             <a:endParaRPr lang="ru-RU"/>
           </a:p>
@@ -4085,7 +4436,7 @@
 </p:sld>
 </file>
 
-<file path=ppt/slides/slide13.xml><?xml version="1.0" encoding="utf-8"?>
+<file path=ppt/slides/slide15.xml><?xml version="1.0" encoding="utf-8"?>
 <p:sld xmlns:a="http://schemas.openxmlformats.org/drawingml/2006/main" xmlns:r="http://schemas.openxmlformats.org/officeDocument/2006/relationships" xmlns:p="http://schemas.openxmlformats.org/presentationml/2006/main">
   <p:cSld>
     <p:spTree>
@@ -4263,7 +4614,7 @@
           <a:p>
             <a:fld id="{8253DDDB-F8F7-4D64-A7FD-3F3D61C1949F}" type="slidenum">
               <a:rPr lang="ru-RU" smtClean="0"/>
-              <a:t>13</a:t>
+              <a:t>15</a:t>
             </a:fld>
             <a:endParaRPr lang="ru-RU"/>
           </a:p>
@@ -4282,7 +4633,7 @@
 </p:sld>
 </file>
 
-<file path=ppt/slides/slide14.xml><?xml version="1.0" encoding="utf-8"?>
+<file path=ppt/slides/slide16.xml><?xml version="1.0" encoding="utf-8"?>
 <p:sld xmlns:a="http://schemas.openxmlformats.org/drawingml/2006/main" xmlns:r="http://schemas.openxmlformats.org/officeDocument/2006/relationships" xmlns:p="http://schemas.openxmlformats.org/presentationml/2006/main">
   <p:cSld>
     <p:spTree>
@@ -4414,7 +4765,7 @@
           <a:p>
             <a:fld id="{8253DDDB-F8F7-4D64-A7FD-3F3D61C1949F}" type="slidenum">
               <a:rPr lang="ru-RU" smtClean="0"/>
-              <a:t>14</a:t>
+              <a:t>16</a:t>
             </a:fld>
             <a:endParaRPr lang="ru-RU"/>
           </a:p>
@@ -4457,7 +4808,7 @@
 </p:sld>
 </file>
 
-<file path=ppt/slides/slide15.xml><?xml version="1.0" encoding="utf-8"?>
+<file path=ppt/slides/slide17.xml><?xml version="1.0" encoding="utf-8"?>
 <p:sld xmlns:a="http://schemas.openxmlformats.org/drawingml/2006/main" xmlns:r="http://schemas.openxmlformats.org/officeDocument/2006/relationships" xmlns:p="http://schemas.openxmlformats.org/presentationml/2006/main">
   <p:cSld>
     <p:spTree>
@@ -4668,7 +5019,7 @@
           <a:p>
             <a:fld id="{8253DDDB-F8F7-4D64-A7FD-3F3D61C1949F}" type="slidenum">
               <a:rPr lang="ru-RU" smtClean="0"/>
-              <a:t>15</a:t>
+              <a:t>17</a:t>
             </a:fld>
             <a:endParaRPr lang="ru-RU"/>
           </a:p>
@@ -4694,7 +5045,7 @@
 </p:sld>
 </file>
 
-<file path=ppt/slides/slide16.xml><?xml version="1.0" encoding="utf-8"?>
+<file path=ppt/slides/slide18.xml><?xml version="1.0" encoding="utf-8"?>
 <p:sld xmlns:a="http://schemas.openxmlformats.org/drawingml/2006/main" xmlns:r="http://schemas.openxmlformats.org/officeDocument/2006/relationships" xmlns:p="http://schemas.openxmlformats.org/presentationml/2006/main">
   <p:cSld>
     <p:spTree>
@@ -4859,7 +5210,7 @@
           <a:p>
             <a:fld id="{8253DDDB-F8F7-4D64-A7FD-3F3D61C1949F}" type="slidenum">
               <a:rPr lang="ru-RU" smtClean="0"/>
-              <a:t>16</a:t>
+              <a:t>18</a:t>
             </a:fld>
             <a:endParaRPr lang="ru-RU"/>
           </a:p>
@@ -4885,7 +5236,7 @@
 </p:sld>
 </file>
 
-<file path=ppt/slides/slide17.xml><?xml version="1.0" encoding="utf-8"?>
+<file path=ppt/slides/slide19.xml><?xml version="1.0" encoding="utf-8"?>
 <p:sld xmlns:a="http://schemas.openxmlformats.org/drawingml/2006/main" xmlns:r="http://schemas.openxmlformats.org/officeDocument/2006/relationships" xmlns:p="http://schemas.openxmlformats.org/presentationml/2006/main">
   <p:cSld>
     <p:spTree>
@@ -5059,7 +5410,7 @@
           <a:p>
             <a:fld id="{8253DDDB-F8F7-4D64-A7FD-3F3D61C1949F}" type="slidenum">
               <a:rPr lang="ru-RU" smtClean="0"/>
-              <a:t>17</a:t>
+              <a:t>19</a:t>
             </a:fld>
             <a:endParaRPr lang="ru-RU"/>
           </a:p>
@@ -5085,7 +5436,323 @@
 </p:sld>
 </file>
 
-<file path=ppt/slides/slide18.xml><?xml version="1.0" encoding="utf-8"?>
+<file path=ppt/slides/slide2.xml><?xml version="1.0" encoding="utf-8"?>
+<p:sld xmlns:a="http://schemas.openxmlformats.org/drawingml/2006/main" xmlns:r="http://schemas.openxmlformats.org/officeDocument/2006/relationships" xmlns:p="http://schemas.openxmlformats.org/presentationml/2006/main">
+  <p:cSld>
+    <p:spTree>
+      <p:nvGrpSpPr>
+        <p:cNvPr id="1" name=""/>
+        <p:cNvGrpSpPr/>
+        <p:nvPr/>
+      </p:nvGrpSpPr>
+      <p:grpSpPr>
+        <a:xfrm>
+          <a:off x="0" y="0"/>
+          <a:ext cx="0" cy="0"/>
+          <a:chOff x="0" y="0"/>
+          <a:chExt cx="0" cy="0"/>
+        </a:xfrm>
+      </p:grpSpPr>
+      <p:sp>
+        <p:nvSpPr>
+          <p:cNvPr id="2" name="Заголовок 1"/>
+          <p:cNvSpPr>
+            <a:spLocks noGrp="1"/>
+          </p:cNvSpPr>
+          <p:nvPr>
+            <p:ph type="title"/>
+          </p:nvPr>
+        </p:nvSpPr>
+        <p:spPr/>
+        <p:txBody>
+          <a:bodyPr/>
+          <a:lstStyle/>
+          <a:p>
+            <a:r>
+              <a:rPr lang="ru-RU" dirty="0" smtClean="0"/>
+              <a:t>Тест.</a:t>
+            </a:r>
+            <a:endParaRPr lang="ru-RU" dirty="0"/>
+          </a:p>
+        </p:txBody>
+      </p:sp>
+      <p:sp>
+        <p:nvSpPr>
+          <p:cNvPr id="3" name="Объект 2"/>
+          <p:cNvSpPr>
+            <a:spLocks noGrp="1"/>
+          </p:cNvSpPr>
+          <p:nvPr>
+            <p:ph idx="1"/>
+          </p:nvPr>
+        </p:nvSpPr>
+        <p:spPr>
+          <a:xfrm>
+            <a:off x="5628541" y="1408579"/>
+            <a:ext cx="6148754" cy="4351338"/>
+          </a:xfrm>
+        </p:spPr>
+        <p:txBody>
+          <a:bodyPr/>
+          <a:lstStyle/>
+          <a:p>
+            <a:r>
+              <a:rPr lang="ru-RU" dirty="0" smtClean="0"/>
+              <a:t>Положить телефон экраном вниз справа от себя</a:t>
+            </a:r>
+          </a:p>
+          <a:p>
+            <a:r>
+              <a:rPr lang="ru-RU" dirty="0" smtClean="0"/>
+              <a:t>Не разговаривать с соседями</a:t>
+            </a:r>
+          </a:p>
+          <a:p>
+            <a:r>
+              <a:rPr lang="ru-RU" dirty="0" smtClean="0"/>
+              <a:t>Не пользоваться конспектами и электронными устройствами</a:t>
+            </a:r>
+          </a:p>
+          <a:p>
+            <a:r>
+              <a:rPr lang="ru-RU" dirty="0" smtClean="0"/>
+              <a:t>Написать номер (по таблице) и ФИО на листочке</a:t>
+            </a:r>
+          </a:p>
+          <a:p>
+            <a:r>
+              <a:rPr lang="ru-RU" dirty="0" smtClean="0"/>
+              <a:t>Написать краткий ответ на вопрос</a:t>
+            </a:r>
+            <a:endParaRPr lang="en-US" dirty="0" smtClean="0"/>
+          </a:p>
+          <a:p>
+            <a:r>
+              <a:rPr lang="ru-RU" dirty="0" smtClean="0"/>
+              <a:t>Дождаться окончания теста</a:t>
+            </a:r>
+            <a:endParaRPr lang="ru-RU" dirty="0"/>
+          </a:p>
+        </p:txBody>
+      </p:sp>
+      <p:sp>
+        <p:nvSpPr>
+          <p:cNvPr id="4" name="Номер слайда 3"/>
+          <p:cNvSpPr>
+            <a:spLocks noGrp="1"/>
+          </p:cNvSpPr>
+          <p:nvPr>
+            <p:ph type="sldNum" sz="quarter" idx="12"/>
+          </p:nvPr>
+        </p:nvSpPr>
+        <p:spPr/>
+        <p:txBody>
+          <a:bodyPr/>
+          <a:lstStyle/>
+          <a:p>
+            <a:fld id="{8253DDDB-F8F7-4D64-A7FD-3F3D61C1949F}" type="slidenum">
+              <a:rPr lang="ru-RU" smtClean="0"/>
+              <a:t>2</a:t>
+            </a:fld>
+            <a:endParaRPr lang="ru-RU"/>
+          </a:p>
+        </p:txBody>
+      </p:sp>
+      <p:sp>
+        <p:nvSpPr>
+          <p:cNvPr id="5" name="Прямоугольник 4"/>
+          <p:cNvSpPr/>
+          <p:nvPr/>
+        </p:nvSpPr>
+        <p:spPr>
+          <a:xfrm>
+            <a:off x="284285" y="5433158"/>
+            <a:ext cx="10688515" cy="317012"/>
+          </a:xfrm>
+          <a:prstGeom prst="rect">
+            <a:avLst/>
+          </a:prstGeom>
+          <a:solidFill>
+            <a:schemeClr val="accent6">
+              <a:alpha val="50000"/>
+            </a:schemeClr>
+          </a:solidFill>
+          <a:ln>
+            <a:noFill/>
+          </a:ln>
+        </p:spPr>
+        <p:style>
+          <a:lnRef idx="0">
+            <a:scrgbClr r="0" g="0" b="0"/>
+          </a:lnRef>
+          <a:fillRef idx="0">
+            <a:scrgbClr r="0" g="0" b="0"/>
+          </a:fillRef>
+          <a:effectRef idx="0">
+            <a:scrgbClr r="0" g="0" b="0"/>
+          </a:effectRef>
+          <a:fontRef idx="minor">
+            <a:schemeClr val="lt1"/>
+          </a:fontRef>
+        </p:style>
+        <p:txBody>
+          <a:bodyPr rtlCol="0" anchor="ctr"/>
+          <a:lstStyle/>
+          <a:p>
+            <a:pPr algn="ctr"/>
+            <a:endParaRPr lang="ru-RU"/>
+          </a:p>
+        </p:txBody>
+      </p:sp>
+      <p:sp>
+        <p:nvSpPr>
+          <p:cNvPr id="6" name="Прямоугольник 5"/>
+          <p:cNvSpPr/>
+          <p:nvPr/>
+        </p:nvSpPr>
+        <p:spPr>
+          <a:xfrm>
+            <a:off x="284285" y="5819530"/>
+            <a:ext cx="10688515" cy="317012"/>
+          </a:xfrm>
+          <a:prstGeom prst="rect">
+            <a:avLst/>
+          </a:prstGeom>
+          <a:solidFill>
+            <a:schemeClr val="accent6">
+              <a:alpha val="50000"/>
+            </a:schemeClr>
+          </a:solidFill>
+          <a:ln>
+            <a:noFill/>
+          </a:ln>
+        </p:spPr>
+        <p:style>
+          <a:lnRef idx="0">
+            <a:scrgbClr r="0" g="0" b="0"/>
+          </a:lnRef>
+          <a:fillRef idx="0">
+            <a:scrgbClr r="0" g="0" b="0"/>
+          </a:fillRef>
+          <a:effectRef idx="0">
+            <a:scrgbClr r="0" g="0" b="0"/>
+          </a:effectRef>
+          <a:fontRef idx="minor">
+            <a:schemeClr val="lt1"/>
+          </a:fontRef>
+        </p:style>
+        <p:txBody>
+          <a:bodyPr rtlCol="0" anchor="ctr"/>
+          <a:lstStyle/>
+          <a:p>
+            <a:pPr algn="ctr"/>
+            <a:endParaRPr lang="ru-RU"/>
+          </a:p>
+        </p:txBody>
+      </p:sp>
+      <p:sp>
+        <p:nvSpPr>
+          <p:cNvPr id="7" name="Прямоугольник 6"/>
+          <p:cNvSpPr/>
+          <p:nvPr/>
+        </p:nvSpPr>
+        <p:spPr>
+          <a:xfrm>
+            <a:off x="284284" y="6205902"/>
+            <a:ext cx="10688515" cy="317012"/>
+          </a:xfrm>
+          <a:prstGeom prst="rect">
+            <a:avLst/>
+          </a:prstGeom>
+          <a:solidFill>
+            <a:schemeClr val="accent6">
+              <a:alpha val="50000"/>
+            </a:schemeClr>
+          </a:solidFill>
+          <a:ln>
+            <a:noFill/>
+          </a:ln>
+        </p:spPr>
+        <p:style>
+          <a:lnRef idx="0">
+            <a:scrgbClr r="0" g="0" b="0"/>
+          </a:lnRef>
+          <a:fillRef idx="0">
+            <a:scrgbClr r="0" g="0" b="0"/>
+          </a:fillRef>
+          <a:effectRef idx="0">
+            <a:scrgbClr r="0" g="0" b="0"/>
+          </a:effectRef>
+          <a:fontRef idx="minor">
+            <a:schemeClr val="lt1"/>
+          </a:fontRef>
+        </p:style>
+        <p:txBody>
+          <a:bodyPr rtlCol="0" anchor="ctr"/>
+          <a:lstStyle/>
+          <a:p>
+            <a:pPr algn="ctr"/>
+            <a:endParaRPr lang="ru-RU"/>
+          </a:p>
+        </p:txBody>
+      </p:sp>
+      <p:sp>
+        <p:nvSpPr>
+          <p:cNvPr id="8" name="Прямоугольник 7"/>
+          <p:cNvSpPr/>
+          <p:nvPr/>
+        </p:nvSpPr>
+        <p:spPr>
+          <a:xfrm>
+            <a:off x="185371" y="1408578"/>
+            <a:ext cx="5318614" cy="892552"/>
+          </a:xfrm>
+          <a:prstGeom prst="rect">
+            <a:avLst/>
+          </a:prstGeom>
+        </p:spPr>
+        <p:txBody>
+          <a:bodyPr wrap="square">
+            <a:spAutoFit/>
+          </a:bodyPr>
+          <a:lstStyle/>
+          <a:p>
+            <a:r>
+              <a:rPr lang="en-US" sz="2600" dirty="0" smtClean="0"/>
+              <a:t>1 </a:t>
+            </a:r>
+            <a:r>
+              <a:rPr lang="ru-RU" sz="2600" dirty="0" smtClean="0"/>
+              <a:t>вопрос. </a:t>
+            </a:r>
+            <a:endParaRPr lang="en-US" sz="2600" dirty="0" smtClean="0"/>
+          </a:p>
+          <a:p>
+            <a:endParaRPr lang="en-US" sz="2600" dirty="0"/>
+          </a:p>
+        </p:txBody>
+      </p:sp>
+    </p:spTree>
+    <p:extLst>
+      <p:ext uri="{BB962C8B-B14F-4D97-AF65-F5344CB8AC3E}">
+        <p14:creationId xmlns:p14="http://schemas.microsoft.com/office/powerpoint/2010/main" val="2131982244"/>
+      </p:ext>
+    </p:extLst>
+  </p:cSld>
+  <p:clrMapOvr>
+    <a:masterClrMapping/>
+  </p:clrMapOvr>
+  <p:timing>
+    <p:tnLst>
+      <p:par>
+        <p:cTn id="1" dur="indefinite" restart="never" nodeType="tmRoot"/>
+      </p:par>
+    </p:tnLst>
+  </p:timing>
+</p:sld>
+</file>
+
+<file path=ppt/slides/slide20.xml><?xml version="1.0" encoding="utf-8"?>
 <p:sld xmlns:a="http://schemas.openxmlformats.org/drawingml/2006/main" xmlns:r="http://schemas.openxmlformats.org/officeDocument/2006/relationships" xmlns:p="http://schemas.openxmlformats.org/presentationml/2006/main">
   <p:cSld>
     <p:spTree>
@@ -5303,7 +5970,7 @@
           <a:p>
             <a:fld id="{8253DDDB-F8F7-4D64-A7FD-3F3D61C1949F}" type="slidenum">
               <a:rPr lang="ru-RU" smtClean="0"/>
-              <a:t>18</a:t>
+              <a:t>20</a:t>
             </a:fld>
             <a:endParaRPr lang="ru-RU"/>
           </a:p>
@@ -5329,7 +5996,7 @@
 </p:sld>
 </file>
 
-<file path=ppt/slides/slide19.xml><?xml version="1.0" encoding="utf-8"?>
+<file path=ppt/slides/slide21.xml><?xml version="1.0" encoding="utf-8"?>
 <p:sld xmlns:a="http://schemas.openxmlformats.org/drawingml/2006/main" xmlns:r="http://schemas.openxmlformats.org/officeDocument/2006/relationships" xmlns:p="http://schemas.openxmlformats.org/presentationml/2006/main">
   <p:cSld>
     <p:spTree>
@@ -5528,7 +6195,7 @@
           <a:p>
             <a:fld id="{8253DDDB-F8F7-4D64-A7FD-3F3D61C1949F}" type="slidenum">
               <a:rPr lang="ru-RU" smtClean="0"/>
-              <a:t>19</a:t>
+              <a:t>21</a:t>
             </a:fld>
             <a:endParaRPr lang="ru-RU"/>
           </a:p>
@@ -5554,132 +6221,7 @@
 </p:sld>
 </file>
 
-<file path=ppt/slides/slide2.xml><?xml version="1.0" encoding="utf-8"?>
-<p:sld xmlns:a="http://schemas.openxmlformats.org/drawingml/2006/main" xmlns:r="http://schemas.openxmlformats.org/officeDocument/2006/relationships" xmlns:p="http://schemas.openxmlformats.org/presentationml/2006/main">
-  <p:cSld>
-    <p:spTree>
-      <p:nvGrpSpPr>
-        <p:cNvPr id="1" name=""/>
-        <p:cNvGrpSpPr/>
-        <p:nvPr/>
-      </p:nvGrpSpPr>
-      <p:grpSpPr>
-        <a:xfrm>
-          <a:off x="0" y="0"/>
-          <a:ext cx="0" cy="0"/>
-          <a:chOff x="0" y="0"/>
-          <a:chExt cx="0" cy="0"/>
-        </a:xfrm>
-      </p:grpSpPr>
-      <p:sp>
-        <p:nvSpPr>
-          <p:cNvPr id="2" name="Заголовок 1"/>
-          <p:cNvSpPr>
-            <a:spLocks noGrp="1"/>
-          </p:cNvSpPr>
-          <p:nvPr>
-            <p:ph type="title"/>
-          </p:nvPr>
-        </p:nvSpPr>
-        <p:spPr/>
-        <p:txBody>
-          <a:bodyPr/>
-          <a:lstStyle/>
-          <a:p>
-            <a:r>
-              <a:rPr lang="ru-RU" dirty="0" smtClean="0"/>
-              <a:t>Построение защищенных каналов связи</a:t>
-            </a:r>
-            <a:endParaRPr lang="ru-RU" dirty="0"/>
-          </a:p>
-        </p:txBody>
-      </p:sp>
-      <p:sp>
-        <p:nvSpPr>
-          <p:cNvPr id="3" name="Объект 2"/>
-          <p:cNvSpPr>
-            <a:spLocks noGrp="1"/>
-          </p:cNvSpPr>
-          <p:nvPr>
-            <p:ph idx="1"/>
-          </p:nvPr>
-        </p:nvSpPr>
-        <p:spPr/>
-        <p:txBody>
-          <a:bodyPr/>
-          <a:lstStyle/>
-          <a:p>
-            <a:pPr marL="0" indent="0">
-              <a:buNone/>
-            </a:pPr>
-            <a:r>
-              <a:rPr lang="ru-RU" dirty="0" smtClean="0"/>
-              <a:t>Одной из задач криптографии является построение защищенных каналов связи, обеспечивающий аутентичность и конфиденциальность передаваемой информации.</a:t>
-            </a:r>
-            <a:endParaRPr lang="en-US" dirty="0" smtClean="0"/>
-          </a:p>
-          <a:p>
-            <a:pPr marL="0" indent="0">
-              <a:buNone/>
-            </a:pPr>
-            <a:endParaRPr lang="en-US" dirty="0"/>
-          </a:p>
-          <a:p>
-            <a:pPr marL="0" indent="0">
-              <a:buNone/>
-            </a:pPr>
-            <a:r>
-              <a:rPr lang="ru-RU" dirty="0" smtClean="0"/>
-              <a:t>Можно выделить 2 части данных протоколов – симметричную, обеспечивающую целостность и конфиденциальность самой передаваемой информации, и ассиметричную, обеспечивающую аутентификацию участников и позволяющую согласовать общий симметричный секрет (сессионный мастер ключ).</a:t>
-            </a:r>
-            <a:endParaRPr lang="ru-RU" dirty="0"/>
-          </a:p>
-        </p:txBody>
-      </p:sp>
-      <p:sp>
-        <p:nvSpPr>
-          <p:cNvPr id="4" name="Номер слайда 3"/>
-          <p:cNvSpPr>
-            <a:spLocks noGrp="1"/>
-          </p:cNvSpPr>
-          <p:nvPr>
-            <p:ph type="sldNum" sz="quarter" idx="12"/>
-          </p:nvPr>
-        </p:nvSpPr>
-        <p:spPr/>
-        <p:txBody>
-          <a:bodyPr/>
-          <a:lstStyle/>
-          <a:p>
-            <a:fld id="{8253DDDB-F8F7-4D64-A7FD-3F3D61C1949F}" type="slidenum">
-              <a:rPr lang="ru-RU" smtClean="0"/>
-              <a:t>2</a:t>
-            </a:fld>
-            <a:endParaRPr lang="ru-RU"/>
-          </a:p>
-        </p:txBody>
-      </p:sp>
-    </p:spTree>
-    <p:extLst>
-      <p:ext uri="{BB962C8B-B14F-4D97-AF65-F5344CB8AC3E}">
-        <p14:creationId xmlns:p14="http://schemas.microsoft.com/office/powerpoint/2010/main" val="3978864752"/>
-      </p:ext>
-    </p:extLst>
-  </p:cSld>
-  <p:clrMapOvr>
-    <a:masterClrMapping/>
-  </p:clrMapOvr>
-  <p:timing>
-    <p:tnLst>
-      <p:par>
-        <p:cTn id="1" dur="indefinite" restart="never" nodeType="tmRoot"/>
-      </p:par>
-    </p:tnLst>
-  </p:timing>
-</p:sld>
-</file>
-
-<file path=ppt/slides/slide20.xml><?xml version="1.0" encoding="utf-8"?>
+<file path=ppt/slides/slide22.xml><?xml version="1.0" encoding="utf-8"?>
 <p:sld xmlns:a="http://schemas.openxmlformats.org/drawingml/2006/main" xmlns:r="http://schemas.openxmlformats.org/officeDocument/2006/relationships" xmlns:p="http://schemas.openxmlformats.org/presentationml/2006/main">
   <p:cSld>
     <p:spTree>
@@ -5934,7 +6476,7 @@
           <a:p>
             <a:fld id="{8253DDDB-F8F7-4D64-A7FD-3F3D61C1949F}" type="slidenum">
               <a:rPr lang="ru-RU" smtClean="0"/>
-              <a:t>20</a:t>
+              <a:t>22</a:t>
             </a:fld>
             <a:endParaRPr lang="ru-RU"/>
           </a:p>
@@ -5984,7 +6526,7 @@
 </p:sld>
 </file>
 
-<file path=ppt/slides/slide21.xml><?xml version="1.0" encoding="utf-8"?>
+<file path=ppt/slides/slide23.xml><?xml version="1.0" encoding="utf-8"?>
 <p:sld xmlns:a="http://schemas.openxmlformats.org/drawingml/2006/main" xmlns:r="http://schemas.openxmlformats.org/officeDocument/2006/relationships" xmlns:p="http://schemas.openxmlformats.org/presentationml/2006/main">
   <p:cSld>
     <p:spTree>
@@ -6105,7 +6647,7 @@
                       <m:dPr>
                         <m:ctrlPr>
                           <a:rPr lang="en-US" b="0" i="1" smtClean="0">
-                            <a:latin typeface="Cambria Math" panose="02040503050406030204" pitchFamily="18" charset="0"/>
+                            <a:latin typeface="Cambria Math"/>
                           </a:rPr>
                         </m:ctrlPr>
                       </m:dPr>
@@ -6114,7 +6656,7 @@
                           <m:sSubPr>
                             <m:ctrlPr>
                               <a:rPr lang="en-US" b="0" i="1" smtClean="0">
-                                <a:latin typeface="Cambria Math" panose="02040503050406030204" pitchFamily="18" charset="0"/>
+                                <a:latin typeface="Cambria Math"/>
                               </a:rPr>
                             </m:ctrlPr>
                           </m:sSubPr>
@@ -6145,7 +6687,7 @@
                           <m:sSubPr>
                             <m:ctrlPr>
                               <a:rPr lang="en-US" b="0" i="1" smtClean="0">
-                                <a:latin typeface="Cambria Math" panose="02040503050406030204" pitchFamily="18" charset="0"/>
+                                <a:latin typeface="Cambria Math"/>
                               </a:rPr>
                             </m:ctrlPr>
                           </m:sSubPr>
@@ -6269,7 +6811,7 @@
                       <m:sSupPr>
                         <m:ctrlPr>
                           <a:rPr lang="en-US" b="0" i="1" smtClean="0">
-                            <a:latin typeface="Cambria Math" panose="02040503050406030204" pitchFamily="18" charset="0"/>
+                            <a:latin typeface="Cambria Math"/>
                           </a:rPr>
                         </m:ctrlPr>
                       </m:sSupPr>
@@ -6328,7 +6870,7 @@
                         <m:endChr m:val="]"/>
                         <m:ctrlPr>
                           <a:rPr lang="en-US" i="1">
-                            <a:latin typeface="Cambria Math" panose="02040503050406030204" pitchFamily="18" charset="0"/>
+                            <a:latin typeface="Cambria Math"/>
                           </a:rPr>
                         </m:ctrlPr>
                       </m:dPr>
@@ -6405,7 +6947,7 @@
           <a:p>
             <a:fld id="{8253DDDB-F8F7-4D64-A7FD-3F3D61C1949F}" type="slidenum">
               <a:rPr lang="ru-RU" smtClean="0"/>
-              <a:t>21</a:t>
+              <a:t>23</a:t>
             </a:fld>
             <a:endParaRPr lang="ru-RU"/>
           </a:p>
@@ -6479,7 +7021,7 @@
 </p:sld>
 </file>
 
-<file path=ppt/slides/slide22.xml><?xml version="1.0" encoding="utf-8"?>
+<file path=ppt/slides/slide24.xml><?xml version="1.0" encoding="utf-8"?>
 <p:sld xmlns:a="http://schemas.openxmlformats.org/drawingml/2006/main" xmlns:r="http://schemas.openxmlformats.org/officeDocument/2006/relationships" xmlns:p="http://schemas.openxmlformats.org/presentationml/2006/main">
   <p:cSld>
     <p:spTree>
@@ -6624,7 +7166,7 @@
                         <m:dPr>
                           <m:ctrlPr>
                             <a:rPr lang="en-US" i="1">
-                              <a:latin typeface="Cambria Math" panose="02040503050406030204" pitchFamily="18" charset="0"/>
+                              <a:latin typeface="Cambria Math"/>
                             </a:rPr>
                           </m:ctrlPr>
                         </m:dPr>
@@ -6633,7 +7175,7 @@
                             <m:sSubPr>
                               <m:ctrlPr>
                                 <a:rPr lang="en-US" i="1">
-                                  <a:latin typeface="Cambria Math" panose="02040503050406030204" pitchFamily="18" charset="0"/>
+                                  <a:latin typeface="Cambria Math"/>
                                 </a:rPr>
                               </m:ctrlPr>
                             </m:sSubPr>
@@ -6672,7 +7214,7 @@
                               <m:endChr m:val="]"/>
                               <m:ctrlPr>
                                 <a:rPr lang="en-US" i="1">
-                                  <a:latin typeface="Cambria Math" panose="02040503050406030204" pitchFamily="18" charset="0"/>
+                                  <a:latin typeface="Cambria Math"/>
                                 </a:rPr>
                               </m:ctrlPr>
                             </m:dPr>
@@ -6705,7 +7247,7 @@
                           <m:endChr m:val="]"/>
                           <m:ctrlPr>
                             <a:rPr lang="en-US" i="1">
-                              <a:latin typeface="Cambria Math" panose="02040503050406030204" pitchFamily="18" charset="0"/>
+                              <a:latin typeface="Cambria Math"/>
                             </a:rPr>
                           </m:ctrlPr>
                         </m:dPr>
@@ -6742,7 +7284,7 @@
                           <m:endChr m:val="]"/>
                           <m:ctrlPr>
                             <a:rPr lang="en-US" i="1">
-                              <a:latin typeface="Cambria Math" panose="02040503050406030204" pitchFamily="18" charset="0"/>
+                              <a:latin typeface="Cambria Math"/>
                             </a:rPr>
                           </m:ctrlPr>
                         </m:dPr>
@@ -6773,7 +7315,7 @@
                           <m:endChr m:val="]"/>
                           <m:ctrlPr>
                             <a:rPr lang="en-US" i="1">
-                              <a:latin typeface="Cambria Math" panose="02040503050406030204" pitchFamily="18" charset="0"/>
+                              <a:latin typeface="Cambria Math"/>
                             </a:rPr>
                           </m:ctrlPr>
                         </m:dPr>
@@ -6929,7 +7471,7 @@
           <a:p>
             <a:fld id="{8253DDDB-F8F7-4D64-A7FD-3F3D61C1949F}" type="slidenum">
               <a:rPr lang="ru-RU" smtClean="0"/>
-              <a:t>22</a:t>
+              <a:t>24</a:t>
             </a:fld>
             <a:endParaRPr lang="ru-RU"/>
           </a:p>
@@ -6979,7 +7521,7 @@
 </p:sld>
 </file>
 
-<file path=ppt/slides/slide23.xml><?xml version="1.0" encoding="utf-8"?>
+<file path=ppt/slides/slide25.xml><?xml version="1.0" encoding="utf-8"?>
 <p:sld xmlns:a="http://schemas.openxmlformats.org/drawingml/2006/main" xmlns:r="http://schemas.openxmlformats.org/officeDocument/2006/relationships" xmlns:p="http://schemas.openxmlformats.org/presentationml/2006/main">
   <p:cSld>
     <p:spTree>
@@ -7130,7 +7672,7 @@
                         <m:endChr m:val="]"/>
                         <m:ctrlPr>
                           <a:rPr lang="en-US" b="0" i="1" smtClean="0">
-                            <a:latin typeface="Cambria Math" panose="02040503050406030204" pitchFamily="18" charset="0"/>
+                            <a:latin typeface="Cambria Math"/>
                           </a:rPr>
                         </m:ctrlPr>
                       </m:dPr>
@@ -7161,7 +7703,7 @@
                         <m:endChr m:val="]"/>
                         <m:ctrlPr>
                           <a:rPr lang="en-US" b="0" i="1" smtClean="0">
-                            <a:latin typeface="Cambria Math" panose="02040503050406030204" pitchFamily="18" charset="0"/>
+                            <a:latin typeface="Cambria Math"/>
                           </a:rPr>
                         </m:ctrlPr>
                       </m:dPr>
@@ -7271,7 +7813,7 @@
           <a:p>
             <a:fld id="{8253DDDB-F8F7-4D64-A7FD-3F3D61C1949F}" type="slidenum">
               <a:rPr lang="ru-RU" smtClean="0"/>
-              <a:t>23</a:t>
+              <a:t>25</a:t>
             </a:fld>
             <a:endParaRPr lang="ru-RU"/>
           </a:p>
@@ -7297,7 +7839,7 @@
 </p:sld>
 </file>
 
-<file path=ppt/slides/slide24.xml><?xml version="1.0" encoding="utf-8"?>
+<file path=ppt/slides/slide26.xml><?xml version="1.0" encoding="utf-8"?>
 <p:sld xmlns:a="http://schemas.openxmlformats.org/drawingml/2006/main" xmlns:r="http://schemas.openxmlformats.org/officeDocument/2006/relationships" xmlns:p="http://schemas.openxmlformats.org/presentationml/2006/main">
   <p:cSld>
     <p:spTree>
@@ -7459,7 +8001,7 @@
           <a:p>
             <a:fld id="{8253DDDB-F8F7-4D64-A7FD-3F3D61C1949F}" type="slidenum">
               <a:rPr lang="ru-RU" smtClean="0"/>
-              <a:t>24</a:t>
+              <a:t>26</a:t>
             </a:fld>
             <a:endParaRPr lang="ru-RU"/>
           </a:p>
@@ -7509,7 +8051,7 @@
 </p:sld>
 </file>
 
-<file path=ppt/slides/slide25.xml><?xml version="1.0" encoding="utf-8"?>
+<file path=ppt/slides/slide27.xml><?xml version="1.0" encoding="utf-8"?>
 <p:sld xmlns:a="http://schemas.openxmlformats.org/drawingml/2006/main" xmlns:r="http://schemas.openxmlformats.org/officeDocument/2006/relationships" xmlns:p="http://schemas.openxmlformats.org/presentationml/2006/main">
   <p:cSld>
     <p:spTree>
@@ -7719,7 +8261,7 @@
           <a:p>
             <a:fld id="{8253DDDB-F8F7-4D64-A7FD-3F3D61C1949F}" type="slidenum">
               <a:rPr lang="ru-RU" smtClean="0"/>
-              <a:t>25</a:t>
+              <a:t>27</a:t>
             </a:fld>
             <a:endParaRPr lang="ru-RU"/>
           </a:p>
@@ -7793,7 +8335,7 @@
 </p:sld>
 </file>
 
-<file path=ppt/slides/slide26.xml><?xml version="1.0" encoding="utf-8"?>
+<file path=ppt/slides/slide28.xml><?xml version="1.0" encoding="utf-8"?>
 <p:sld xmlns:a="http://schemas.openxmlformats.org/drawingml/2006/main" xmlns:r="http://schemas.openxmlformats.org/officeDocument/2006/relationships" xmlns:p="http://schemas.openxmlformats.org/presentationml/2006/main">
   <p:cSld>
     <p:spTree>
@@ -7967,7 +8509,7 @@
           <a:p>
             <a:fld id="{8253DDDB-F8F7-4D64-A7FD-3F3D61C1949F}" type="slidenum">
               <a:rPr lang="ru-RU" smtClean="0"/>
-              <a:t>26</a:t>
+              <a:t>28</a:t>
             </a:fld>
             <a:endParaRPr lang="ru-RU"/>
           </a:p>
@@ -7993,7 +8535,7 @@
 </p:sld>
 </file>
 
-<file path=ppt/slides/slide27.xml><?xml version="1.0" encoding="utf-8"?>
+<file path=ppt/slides/slide29.xml><?xml version="1.0" encoding="utf-8"?>
 <p:sld xmlns:a="http://schemas.openxmlformats.org/drawingml/2006/main" xmlns:r="http://schemas.openxmlformats.org/officeDocument/2006/relationships" xmlns:p="http://schemas.openxmlformats.org/presentationml/2006/main">
   <p:cSld>
     <p:spTree>
@@ -8148,7 +8690,7 @@
           <a:p>
             <a:fld id="{8253DDDB-F8F7-4D64-A7FD-3F3D61C1949F}" type="slidenum">
               <a:rPr lang="ru-RU" smtClean="0"/>
-              <a:t>27</a:t>
+              <a:t>29</a:t>
             </a:fld>
             <a:endParaRPr lang="ru-RU"/>
           </a:p>
@@ -8174,7 +8716,1621 @@
 </p:sld>
 </file>
 
-<file path=ppt/slides/slide28.xml><?xml version="1.0" encoding="utf-8"?>
+<file path=ppt/slides/slide3.xml><?xml version="1.0" encoding="utf-8"?>
+<p:sld xmlns:a="http://schemas.openxmlformats.org/drawingml/2006/main" xmlns:r="http://schemas.openxmlformats.org/officeDocument/2006/relationships" xmlns:p="http://schemas.openxmlformats.org/presentationml/2006/main">
+  <p:cSld>
+    <p:spTree>
+      <p:nvGrpSpPr>
+        <p:cNvPr id="1" name=""/>
+        <p:cNvGrpSpPr/>
+        <p:nvPr/>
+      </p:nvGrpSpPr>
+      <p:grpSpPr>
+        <a:xfrm>
+          <a:off x="0" y="0"/>
+          <a:ext cx="0" cy="0"/>
+          <a:chOff x="0" y="0"/>
+          <a:chExt cx="0" cy="0"/>
+        </a:xfrm>
+      </p:grpSpPr>
+      <p:sp>
+        <p:nvSpPr>
+          <p:cNvPr id="4" name="Номер слайда 3"/>
+          <p:cNvSpPr>
+            <a:spLocks noGrp="1"/>
+          </p:cNvSpPr>
+          <p:nvPr>
+            <p:ph type="sldNum" sz="quarter" idx="12"/>
+          </p:nvPr>
+        </p:nvSpPr>
+        <p:spPr/>
+        <p:txBody>
+          <a:bodyPr/>
+          <a:lstStyle/>
+          <a:p>
+            <a:fld id="{8253DDDB-F8F7-4D64-A7FD-3F3D61C1949F}" type="slidenum">
+              <a:rPr lang="ru-RU" smtClean="0"/>
+              <a:t>3</a:t>
+            </a:fld>
+            <a:endParaRPr lang="ru-RU"/>
+          </a:p>
+        </p:txBody>
+      </p:sp>
+      <p:sp>
+        <p:nvSpPr>
+          <p:cNvPr id="6" name="Rectangle 5"/>
+          <p:cNvSpPr>
+            <a:spLocks noChangeArrowheads="1"/>
+          </p:cNvSpPr>
+          <p:nvPr/>
+        </p:nvSpPr>
+        <p:spPr bwMode="auto">
+          <a:xfrm>
+            <a:off x="726767" y="4555555"/>
+            <a:ext cx="1930400" cy="381000"/>
+          </a:xfrm>
+          <a:prstGeom prst="rect">
+            <a:avLst/>
+          </a:prstGeom>
+          <a:solidFill>
+            <a:schemeClr val="accent1"/>
+          </a:solidFill>
+          <a:ln w="9525">
+            <a:solidFill>
+              <a:schemeClr val="bg2"/>
+            </a:solidFill>
+            <a:miter lim="800000"/>
+            <a:headEnd/>
+            <a:tailEnd/>
+          </a:ln>
+        </p:spPr>
+        <p:txBody>
+          <a:bodyPr wrap="none" anchor="ctr"/>
+          <a:lstStyle/>
+          <a:p>
+            <a:pPr algn="ctr">
+              <a:spcBef>
+                <a:spcPct val="50000"/>
+              </a:spcBef>
+            </a:pPr>
+            <a:r>
+              <a:rPr lang="en-US" sz="2400" dirty="0" err="1">
+                <a:latin typeface="Tahoma" pitchFamily="34" charset="0"/>
+              </a:rPr>
+              <a:t>msg</a:t>
+            </a:r>
+            <a:r>
+              <a:rPr lang="en-US" sz="2400" dirty="0">
+                <a:latin typeface="Tahoma" pitchFamily="34" charset="0"/>
+              </a:rPr>
+              <a:t>  m</a:t>
+            </a:r>
+          </a:p>
+        </p:txBody>
+      </p:sp>
+      <p:sp>
+        <p:nvSpPr>
+          <p:cNvPr id="7" name="AutoShape 6"/>
+          <p:cNvSpPr>
+            <a:spLocks noChangeArrowheads="1"/>
+          </p:cNvSpPr>
+          <p:nvPr/>
+        </p:nvSpPr>
+        <p:spPr bwMode="auto">
+          <a:xfrm>
+            <a:off x="2758767" y="4631755"/>
+            <a:ext cx="406400" cy="228600"/>
+          </a:xfrm>
+          <a:prstGeom prst="rightArrow">
+            <a:avLst>
+              <a:gd name="adj1" fmla="val 50000"/>
+              <a:gd name="adj2" fmla="val 33333"/>
+            </a:avLst>
+          </a:prstGeom>
+          <a:noFill/>
+          <a:ln w="9525">
+            <a:solidFill>
+              <a:schemeClr val="tx1"/>
+            </a:solidFill>
+            <a:miter lim="800000"/>
+            <a:headEnd/>
+            <a:tailEnd/>
+          </a:ln>
+        </p:spPr>
+        <p:txBody>
+          <a:bodyPr wrap="none" anchor="ctr"/>
+          <a:lstStyle/>
+          <a:p>
+            <a:endParaRPr lang="en-US" sz="2400"/>
+          </a:p>
+        </p:txBody>
+      </p:sp>
+      <p:sp>
+        <p:nvSpPr>
+          <p:cNvPr id="8" name="Rectangle 7"/>
+          <p:cNvSpPr>
+            <a:spLocks noChangeArrowheads="1"/>
+          </p:cNvSpPr>
+          <p:nvPr/>
+        </p:nvSpPr>
+        <p:spPr bwMode="auto">
+          <a:xfrm>
+            <a:off x="3469967" y="4555555"/>
+            <a:ext cx="1727200" cy="381000"/>
+          </a:xfrm>
+          <a:prstGeom prst="rect">
+            <a:avLst/>
+          </a:prstGeom>
+          <a:solidFill>
+            <a:schemeClr val="accent1"/>
+          </a:solidFill>
+          <a:ln w="9525">
+            <a:solidFill>
+              <a:schemeClr val="bg2"/>
+            </a:solidFill>
+            <a:miter lim="800000"/>
+            <a:headEnd/>
+            <a:tailEnd/>
+          </a:ln>
+        </p:spPr>
+        <p:txBody>
+          <a:bodyPr wrap="none" anchor="ctr"/>
+          <a:lstStyle/>
+          <a:p>
+            <a:pPr algn="ctr">
+              <a:spcBef>
+                <a:spcPct val="50000"/>
+              </a:spcBef>
+            </a:pPr>
+            <a:r>
+              <a:rPr lang="en-US" sz="2400" dirty="0" err="1">
+                <a:latin typeface="Tahoma" pitchFamily="34" charset="0"/>
+              </a:rPr>
+              <a:t>msg</a:t>
+            </a:r>
+            <a:r>
+              <a:rPr lang="en-US" sz="2400" dirty="0">
+                <a:latin typeface="Tahoma" pitchFamily="34" charset="0"/>
+              </a:rPr>
+              <a:t>  m</a:t>
+            </a:r>
+          </a:p>
+        </p:txBody>
+      </p:sp>
+      <p:sp>
+        <p:nvSpPr>
+          <p:cNvPr id="9" name="Rectangle 8"/>
+          <p:cNvSpPr>
+            <a:spLocks noChangeArrowheads="1"/>
+          </p:cNvSpPr>
+          <p:nvPr/>
+        </p:nvSpPr>
+        <p:spPr bwMode="auto">
+          <a:xfrm>
+            <a:off x="5298767" y="4555555"/>
+            <a:ext cx="1117600" cy="381000"/>
+          </a:xfrm>
+          <a:prstGeom prst="rect">
+            <a:avLst/>
+          </a:prstGeom>
+          <a:solidFill>
+            <a:srgbClr val="FAC090"/>
+          </a:solidFill>
+          <a:ln w="19050">
+            <a:solidFill>
+              <a:schemeClr val="tx1"/>
+            </a:solidFill>
+            <a:miter lim="800000"/>
+            <a:headEnd/>
+            <a:tailEnd/>
+          </a:ln>
+          <a:effectLst/>
+        </p:spPr>
+        <p:txBody>
+          <a:bodyPr wrap="none" anchor="ctr"/>
+          <a:lstStyle/>
+          <a:p>
+            <a:pPr algn="ctr">
+              <a:spcBef>
+                <a:spcPct val="50000"/>
+              </a:spcBef>
+              <a:defRPr/>
+            </a:pPr>
+            <a:r>
+              <a:rPr lang="en-US" sz="2667" dirty="0">
+                <a:latin typeface="Tahoma" pitchFamily="34" charset="0"/>
+              </a:rPr>
+              <a:t>tag</a:t>
+            </a:r>
+          </a:p>
+        </p:txBody>
+      </p:sp>
+      <p:sp>
+        <p:nvSpPr>
+          <p:cNvPr id="10" name="AutoShape 9"/>
+          <p:cNvSpPr>
+            <a:spLocks noChangeArrowheads="1"/>
+          </p:cNvSpPr>
+          <p:nvPr/>
+        </p:nvSpPr>
+        <p:spPr bwMode="auto">
+          <a:xfrm>
+            <a:off x="6619567" y="4631755"/>
+            <a:ext cx="406400" cy="228600"/>
+          </a:xfrm>
+          <a:prstGeom prst="rightArrow">
+            <a:avLst>
+              <a:gd name="adj1" fmla="val 50000"/>
+              <a:gd name="adj2" fmla="val 33333"/>
+            </a:avLst>
+          </a:prstGeom>
+          <a:noFill/>
+          <a:ln w="9525">
+            <a:solidFill>
+              <a:schemeClr val="tx1"/>
+            </a:solidFill>
+            <a:miter lim="800000"/>
+            <a:headEnd/>
+            <a:tailEnd/>
+          </a:ln>
+        </p:spPr>
+        <p:txBody>
+          <a:bodyPr wrap="none" anchor="ctr"/>
+          <a:lstStyle/>
+          <a:p>
+            <a:endParaRPr lang="en-US" sz="2400"/>
+          </a:p>
+        </p:txBody>
+      </p:sp>
+      <p:sp>
+        <p:nvSpPr>
+          <p:cNvPr id="11" name="Rectangle 10" descr="Horizontal brick"/>
+          <p:cNvSpPr>
+            <a:spLocks noChangeArrowheads="1"/>
+          </p:cNvSpPr>
+          <p:nvPr/>
+        </p:nvSpPr>
+        <p:spPr bwMode="auto">
+          <a:xfrm>
+            <a:off x="7330767" y="4555555"/>
+            <a:ext cx="2336800" cy="381000"/>
+          </a:xfrm>
+          <a:prstGeom prst="rect">
+            <a:avLst/>
+          </a:prstGeom>
+          <a:pattFill prst="horzBrick">
+            <a:fgClr>
+              <a:schemeClr val="accent1"/>
+            </a:fgClr>
+            <a:bgClr>
+              <a:schemeClr val="bg1"/>
+            </a:bgClr>
+          </a:pattFill>
+          <a:ln w="9525">
+            <a:solidFill>
+              <a:schemeClr val="tx1"/>
+            </a:solidFill>
+            <a:miter lim="800000"/>
+            <a:headEnd/>
+            <a:tailEnd/>
+          </a:ln>
+        </p:spPr>
+        <p:txBody>
+          <a:bodyPr wrap="none" anchor="ctr"/>
+          <a:lstStyle/>
+          <a:p>
+            <a:endParaRPr lang="en-US" sz="2400"/>
+          </a:p>
+        </p:txBody>
+      </p:sp>
+      <p:sp>
+        <p:nvSpPr>
+          <p:cNvPr id="12" name="Text Box 11"/>
+          <p:cNvSpPr txBox="1">
+            <a:spLocks noChangeArrowheads="1"/>
+          </p:cNvSpPr>
+          <p:nvPr/>
+        </p:nvSpPr>
+        <p:spPr bwMode="auto">
+          <a:xfrm>
+            <a:off x="7638255" y="3972943"/>
+            <a:ext cx="1801519" cy="584775"/>
+          </a:xfrm>
+          <a:prstGeom prst="rect">
+            <a:avLst/>
+          </a:prstGeom>
+          <a:noFill/>
+          <a:ln w="9525">
+            <a:noFill/>
+            <a:miter lim="800000"/>
+            <a:headEnd/>
+            <a:tailEnd/>
+          </a:ln>
+        </p:spPr>
+        <p:txBody>
+          <a:bodyPr wrap="none">
+            <a:spAutoFit/>
+          </a:bodyPr>
+          <a:lstStyle/>
+          <a:p>
+            <a:pPr algn="ctr">
+              <a:spcBef>
+                <a:spcPct val="50000"/>
+              </a:spcBef>
+            </a:pPr>
+            <a:r>
+              <a:rPr lang="en-US" sz="2400" dirty="0"/>
+              <a:t>E(</a:t>
+            </a:r>
+            <a:r>
+              <a:rPr lang="en-US" sz="2400" dirty="0" err="1"/>
+              <a:t>k</a:t>
+            </a:r>
+            <a:r>
+              <a:rPr kumimoji="1" lang="en-US" sz="2400" baseline="-25000" dirty="0" err="1"/>
+              <a:t>E</a:t>
+            </a:r>
+            <a:r>
+              <a:rPr kumimoji="1" lang="en-US" sz="2400" dirty="0"/>
+              <a:t> , </a:t>
+            </a:r>
+            <a:r>
+              <a:rPr kumimoji="1" lang="en-US" sz="2400" dirty="0" err="1"/>
+              <a:t>m</a:t>
+            </a:r>
+            <a:r>
+              <a:rPr kumimoji="1" lang="en-US" sz="3200" dirty="0" err="1"/>
+              <a:t>ll</a:t>
+            </a:r>
+            <a:r>
+              <a:rPr kumimoji="1" lang="en-US" sz="2400" dirty="0" err="1"/>
+              <a:t>tag</a:t>
+            </a:r>
+            <a:r>
+              <a:rPr kumimoji="1" lang="en-US" sz="2400" dirty="0"/>
+              <a:t>)</a:t>
+            </a:r>
+            <a:endParaRPr kumimoji="1" lang="en-US" sz="3733" baseline="-25000" dirty="0"/>
+          </a:p>
+        </p:txBody>
+      </p:sp>
+      <p:sp>
+        <p:nvSpPr>
+          <p:cNvPr id="13" name="Text Box 12"/>
+          <p:cNvSpPr txBox="1">
+            <a:spLocks noChangeArrowheads="1"/>
+          </p:cNvSpPr>
+          <p:nvPr/>
+        </p:nvSpPr>
+        <p:spPr bwMode="auto">
+          <a:xfrm>
+            <a:off x="5238305" y="3988500"/>
+            <a:ext cx="1154483" cy="461665"/>
+          </a:xfrm>
+          <a:prstGeom prst="rect">
+            <a:avLst/>
+          </a:prstGeom>
+          <a:noFill/>
+          <a:ln w="9525">
+            <a:noFill/>
+            <a:miter lim="800000"/>
+            <a:headEnd/>
+            <a:tailEnd/>
+          </a:ln>
+        </p:spPr>
+        <p:txBody>
+          <a:bodyPr wrap="none">
+            <a:spAutoFit/>
+          </a:bodyPr>
+          <a:lstStyle/>
+          <a:p>
+            <a:pPr algn="ctr">
+              <a:spcBef>
+                <a:spcPct val="50000"/>
+              </a:spcBef>
+            </a:pPr>
+            <a:r>
+              <a:rPr lang="en-US" sz="2400" dirty="0"/>
+              <a:t>S(</a:t>
+            </a:r>
+            <a:r>
+              <a:rPr lang="en-US" sz="2400" dirty="0" err="1"/>
+              <a:t>k</a:t>
+            </a:r>
+            <a:r>
+              <a:rPr kumimoji="1" lang="en-US" sz="2400" baseline="-25000" dirty="0" err="1">
+                <a:latin typeface="Comic Sans MS" pitchFamily="66" charset="0"/>
+                <a:cs typeface="Arial" pitchFamily="34" charset="0"/>
+              </a:rPr>
+              <a:t>I</a:t>
+            </a:r>
+            <a:r>
+              <a:rPr kumimoji="1" lang="en-US" sz="2400" dirty="0"/>
+              <a:t>, m)</a:t>
+            </a:r>
+            <a:endParaRPr kumimoji="1" lang="en-US" sz="3733" baseline="-25000" dirty="0"/>
+          </a:p>
+        </p:txBody>
+      </p:sp>
+      <p:sp>
+        <p:nvSpPr>
+          <p:cNvPr id="14" name="Rectangle 13"/>
+          <p:cNvSpPr>
+            <a:spLocks noChangeArrowheads="1"/>
+          </p:cNvSpPr>
+          <p:nvPr/>
+        </p:nvSpPr>
+        <p:spPr bwMode="auto">
+          <a:xfrm>
+            <a:off x="726767" y="2407741"/>
+            <a:ext cx="1930400" cy="381000"/>
+          </a:xfrm>
+          <a:prstGeom prst="rect">
+            <a:avLst/>
+          </a:prstGeom>
+          <a:solidFill>
+            <a:schemeClr val="accent1"/>
+          </a:solidFill>
+          <a:ln w="9525">
+            <a:solidFill>
+              <a:schemeClr val="bg2"/>
+            </a:solidFill>
+            <a:miter lim="800000"/>
+            <a:headEnd/>
+            <a:tailEnd/>
+          </a:ln>
+        </p:spPr>
+        <p:txBody>
+          <a:bodyPr wrap="none" anchor="ctr"/>
+          <a:lstStyle/>
+          <a:p>
+            <a:pPr algn="ctr">
+              <a:spcBef>
+                <a:spcPct val="50000"/>
+              </a:spcBef>
+            </a:pPr>
+            <a:r>
+              <a:rPr lang="en-US" sz="2400" dirty="0" err="1">
+                <a:latin typeface="Tahoma" pitchFamily="34" charset="0"/>
+              </a:rPr>
+              <a:t>msg</a:t>
+            </a:r>
+            <a:r>
+              <a:rPr lang="en-US" sz="2400" dirty="0">
+                <a:latin typeface="Tahoma" pitchFamily="34" charset="0"/>
+              </a:rPr>
+              <a:t>  m</a:t>
+            </a:r>
+          </a:p>
+        </p:txBody>
+      </p:sp>
+      <p:sp>
+        <p:nvSpPr>
+          <p:cNvPr id="15" name="AutoShape 14"/>
+          <p:cNvSpPr>
+            <a:spLocks noChangeArrowheads="1"/>
+          </p:cNvSpPr>
+          <p:nvPr/>
+        </p:nvSpPr>
+        <p:spPr bwMode="auto">
+          <a:xfrm>
+            <a:off x="2758767" y="2483941"/>
+            <a:ext cx="406400" cy="228600"/>
+          </a:xfrm>
+          <a:prstGeom prst="rightArrow">
+            <a:avLst>
+              <a:gd name="adj1" fmla="val 50000"/>
+              <a:gd name="adj2" fmla="val 33333"/>
+            </a:avLst>
+          </a:prstGeom>
+          <a:noFill/>
+          <a:ln w="9525">
+            <a:solidFill>
+              <a:schemeClr val="tx1"/>
+            </a:solidFill>
+            <a:miter lim="800000"/>
+            <a:headEnd/>
+            <a:tailEnd/>
+          </a:ln>
+        </p:spPr>
+        <p:txBody>
+          <a:bodyPr wrap="none" anchor="ctr"/>
+          <a:lstStyle/>
+          <a:p>
+            <a:endParaRPr lang="en-US" sz="2400"/>
+          </a:p>
+        </p:txBody>
+      </p:sp>
+      <p:sp>
+        <p:nvSpPr>
+          <p:cNvPr id="16" name="AutoShape 15"/>
+          <p:cNvSpPr>
+            <a:spLocks noChangeArrowheads="1"/>
+          </p:cNvSpPr>
+          <p:nvPr/>
+        </p:nvSpPr>
+        <p:spPr bwMode="auto">
+          <a:xfrm>
+            <a:off x="5705167" y="2483941"/>
+            <a:ext cx="406400" cy="228600"/>
+          </a:xfrm>
+          <a:prstGeom prst="rightArrow">
+            <a:avLst>
+              <a:gd name="adj1" fmla="val 50000"/>
+              <a:gd name="adj2" fmla="val 33333"/>
+            </a:avLst>
+          </a:prstGeom>
+          <a:noFill/>
+          <a:ln w="9525">
+            <a:solidFill>
+              <a:schemeClr val="tx1"/>
+            </a:solidFill>
+            <a:miter lim="800000"/>
+            <a:headEnd/>
+            <a:tailEnd/>
+          </a:ln>
+        </p:spPr>
+        <p:txBody>
+          <a:bodyPr wrap="none" anchor="ctr"/>
+          <a:lstStyle/>
+          <a:p>
+            <a:endParaRPr lang="en-US" sz="2400"/>
+          </a:p>
+        </p:txBody>
+      </p:sp>
+      <p:sp>
+        <p:nvSpPr>
+          <p:cNvPr id="17" name="Rectangle 16" descr="Horizontal brick"/>
+          <p:cNvSpPr>
+            <a:spLocks noChangeArrowheads="1"/>
+          </p:cNvSpPr>
+          <p:nvPr/>
+        </p:nvSpPr>
+        <p:spPr bwMode="auto">
+          <a:xfrm>
+            <a:off x="3472085" y="2407741"/>
+            <a:ext cx="1826684" cy="381000"/>
+          </a:xfrm>
+          <a:prstGeom prst="rect">
+            <a:avLst/>
+          </a:prstGeom>
+          <a:pattFill prst="horzBrick">
+            <a:fgClr>
+              <a:schemeClr val="accent1"/>
+            </a:fgClr>
+            <a:bgClr>
+              <a:schemeClr val="bg1"/>
+            </a:bgClr>
+          </a:pattFill>
+          <a:ln w="9525">
+            <a:solidFill>
+              <a:schemeClr val="tx1"/>
+            </a:solidFill>
+            <a:miter lim="800000"/>
+            <a:headEnd/>
+            <a:tailEnd/>
+          </a:ln>
+        </p:spPr>
+        <p:txBody>
+          <a:bodyPr wrap="none" anchor="ctr"/>
+          <a:lstStyle/>
+          <a:p>
+            <a:endParaRPr lang="en-US" sz="2400"/>
+          </a:p>
+        </p:txBody>
+      </p:sp>
+      <p:sp>
+        <p:nvSpPr>
+          <p:cNvPr id="18" name="Text Box 17"/>
+          <p:cNvSpPr txBox="1">
+            <a:spLocks noChangeArrowheads="1"/>
+          </p:cNvSpPr>
+          <p:nvPr/>
+        </p:nvSpPr>
+        <p:spPr bwMode="auto">
+          <a:xfrm>
+            <a:off x="3910588" y="1889899"/>
+            <a:ext cx="1152880" cy="461665"/>
+          </a:xfrm>
+          <a:prstGeom prst="rect">
+            <a:avLst/>
+          </a:prstGeom>
+          <a:noFill/>
+          <a:ln w="9525">
+            <a:noFill/>
+            <a:miter lim="800000"/>
+            <a:headEnd/>
+            <a:tailEnd/>
+          </a:ln>
+        </p:spPr>
+        <p:txBody>
+          <a:bodyPr wrap="none">
+            <a:spAutoFit/>
+          </a:bodyPr>
+          <a:lstStyle/>
+          <a:p>
+            <a:pPr algn="ctr">
+              <a:spcBef>
+                <a:spcPct val="50000"/>
+              </a:spcBef>
+            </a:pPr>
+            <a:r>
+              <a:rPr lang="en-US" sz="2400" dirty="0"/>
+              <a:t>E(</a:t>
+            </a:r>
+            <a:r>
+              <a:rPr lang="en-US" sz="2400" dirty="0" err="1"/>
+              <a:t>k</a:t>
+            </a:r>
+            <a:r>
+              <a:rPr kumimoji="1" lang="en-US" sz="2400" baseline="-25000" dirty="0" err="1"/>
+              <a:t>E</a:t>
+            </a:r>
+            <a:r>
+              <a:rPr kumimoji="1" lang="en-US" sz="2400" dirty="0"/>
+              <a:t>, m)</a:t>
+            </a:r>
+            <a:endParaRPr kumimoji="1" lang="en-US" sz="3733" baseline="-25000" dirty="0"/>
+          </a:p>
+        </p:txBody>
+      </p:sp>
+      <p:sp>
+        <p:nvSpPr>
+          <p:cNvPr id="19" name="Rectangle 18"/>
+          <p:cNvSpPr>
+            <a:spLocks noChangeArrowheads="1"/>
+          </p:cNvSpPr>
+          <p:nvPr/>
+        </p:nvSpPr>
+        <p:spPr bwMode="auto">
+          <a:xfrm flipH="1">
+            <a:off x="8448367" y="2393454"/>
+            <a:ext cx="1117600" cy="381000"/>
+          </a:xfrm>
+          <a:prstGeom prst="rect">
+            <a:avLst/>
+          </a:prstGeom>
+          <a:solidFill>
+            <a:srgbClr val="FAC090"/>
+          </a:solidFill>
+          <a:ln w="19050">
+            <a:solidFill>
+              <a:schemeClr val="tx1"/>
+            </a:solidFill>
+            <a:miter lim="800000"/>
+            <a:headEnd/>
+            <a:tailEnd/>
+          </a:ln>
+          <a:effectLst/>
+        </p:spPr>
+        <p:txBody>
+          <a:bodyPr wrap="none" anchor="ctr"/>
+          <a:lstStyle/>
+          <a:p>
+            <a:pPr algn="ctr">
+              <a:spcBef>
+                <a:spcPct val="50000"/>
+              </a:spcBef>
+              <a:defRPr/>
+            </a:pPr>
+            <a:r>
+              <a:rPr lang="en-US" sz="2667" dirty="0">
+                <a:latin typeface="Tahoma" pitchFamily="34" charset="0"/>
+              </a:rPr>
+              <a:t>tag</a:t>
+            </a:r>
+          </a:p>
+        </p:txBody>
+      </p:sp>
+      <p:sp>
+        <p:nvSpPr>
+          <p:cNvPr id="20" name="Text Box 19"/>
+          <p:cNvSpPr txBox="1">
+            <a:spLocks noChangeArrowheads="1"/>
+          </p:cNvSpPr>
+          <p:nvPr/>
+        </p:nvSpPr>
+        <p:spPr bwMode="auto">
+          <a:xfrm flipH="1">
+            <a:off x="8369675" y="1822166"/>
+            <a:ext cx="1188146" cy="461665"/>
+          </a:xfrm>
+          <a:prstGeom prst="rect">
+            <a:avLst/>
+          </a:prstGeom>
+          <a:noFill/>
+          <a:ln w="9525">
+            <a:noFill/>
+            <a:miter lim="800000"/>
+            <a:headEnd/>
+            <a:tailEnd/>
+          </a:ln>
+        </p:spPr>
+        <p:txBody>
+          <a:bodyPr wrap="none">
+            <a:spAutoFit/>
+          </a:bodyPr>
+          <a:lstStyle/>
+          <a:p>
+            <a:pPr algn="ctr">
+              <a:spcBef>
+                <a:spcPct val="50000"/>
+              </a:spcBef>
+            </a:pPr>
+            <a:r>
+              <a:rPr lang="en-US" sz="2400" dirty="0">
+                <a:latin typeface="Tahoma" pitchFamily="34" charset="0"/>
+              </a:rPr>
+              <a:t>S(</a:t>
+            </a:r>
+            <a:r>
+              <a:rPr lang="en-US" sz="2400" dirty="0" err="1">
+                <a:latin typeface="Tahoma" pitchFamily="34" charset="0"/>
+              </a:rPr>
+              <a:t>k</a:t>
+            </a:r>
+            <a:r>
+              <a:rPr kumimoji="1" lang="en-US" sz="2400" baseline="-25000" dirty="0" err="1">
+                <a:latin typeface="Comic Sans MS" pitchFamily="66" charset="0"/>
+              </a:rPr>
+              <a:t>I</a:t>
+            </a:r>
+            <a:r>
+              <a:rPr kumimoji="1" lang="en-US" sz="2400" dirty="0">
+                <a:latin typeface="Comic Sans MS" pitchFamily="66" charset="0"/>
+              </a:rPr>
+              <a:t>, c)</a:t>
+            </a:r>
+            <a:endParaRPr kumimoji="1" lang="en-US" sz="3733" baseline="-25000" dirty="0">
+              <a:latin typeface="Comic Sans MS" pitchFamily="66" charset="0"/>
+            </a:endParaRPr>
+          </a:p>
+        </p:txBody>
+      </p:sp>
+      <p:sp>
+        <p:nvSpPr>
+          <p:cNvPr id="21" name="Rectangle 20" descr="Horizontal brick"/>
+          <p:cNvSpPr>
+            <a:spLocks noChangeArrowheads="1"/>
+          </p:cNvSpPr>
+          <p:nvPr/>
+        </p:nvSpPr>
+        <p:spPr bwMode="auto">
+          <a:xfrm>
+            <a:off x="6517967" y="2395041"/>
+            <a:ext cx="1826683" cy="381000"/>
+          </a:xfrm>
+          <a:prstGeom prst="rect">
+            <a:avLst/>
+          </a:prstGeom>
+          <a:pattFill prst="horzBrick">
+            <a:fgClr>
+              <a:schemeClr val="accent1"/>
+            </a:fgClr>
+            <a:bgClr>
+              <a:schemeClr val="bg1"/>
+            </a:bgClr>
+          </a:pattFill>
+          <a:ln w="9525">
+            <a:solidFill>
+              <a:schemeClr val="tx1"/>
+            </a:solidFill>
+            <a:miter lim="800000"/>
+            <a:headEnd/>
+            <a:tailEnd/>
+          </a:ln>
+        </p:spPr>
+        <p:txBody>
+          <a:bodyPr wrap="none" anchor="ctr"/>
+          <a:lstStyle/>
+          <a:p>
+            <a:endParaRPr lang="en-US" sz="2400"/>
+          </a:p>
+        </p:txBody>
+      </p:sp>
+      <p:sp>
+        <p:nvSpPr>
+          <p:cNvPr id="22" name="Rectangle 21"/>
+          <p:cNvSpPr>
+            <a:spLocks noChangeArrowheads="1"/>
+          </p:cNvSpPr>
+          <p:nvPr/>
+        </p:nvSpPr>
+        <p:spPr bwMode="auto">
+          <a:xfrm>
+            <a:off x="726767" y="3500698"/>
+            <a:ext cx="1930400" cy="381000"/>
+          </a:xfrm>
+          <a:prstGeom prst="rect">
+            <a:avLst/>
+          </a:prstGeom>
+          <a:solidFill>
+            <a:schemeClr val="accent1"/>
+          </a:solidFill>
+          <a:ln w="9525">
+            <a:solidFill>
+              <a:schemeClr val="bg2"/>
+            </a:solidFill>
+            <a:miter lim="800000"/>
+            <a:headEnd/>
+            <a:tailEnd/>
+          </a:ln>
+        </p:spPr>
+        <p:txBody>
+          <a:bodyPr wrap="none" anchor="ctr"/>
+          <a:lstStyle/>
+          <a:p>
+            <a:pPr algn="ctr">
+              <a:spcBef>
+                <a:spcPct val="50000"/>
+              </a:spcBef>
+            </a:pPr>
+            <a:r>
+              <a:rPr lang="en-US" sz="2400" dirty="0" err="1">
+                <a:latin typeface="Tahoma" pitchFamily="34" charset="0"/>
+              </a:rPr>
+              <a:t>msg</a:t>
+            </a:r>
+            <a:r>
+              <a:rPr lang="en-US" sz="2400" dirty="0">
+                <a:latin typeface="Tahoma" pitchFamily="34" charset="0"/>
+              </a:rPr>
+              <a:t>  m</a:t>
+            </a:r>
+          </a:p>
+        </p:txBody>
+      </p:sp>
+      <p:sp>
+        <p:nvSpPr>
+          <p:cNvPr id="23" name="AutoShape 22"/>
+          <p:cNvSpPr>
+            <a:spLocks noChangeArrowheads="1"/>
+          </p:cNvSpPr>
+          <p:nvPr/>
+        </p:nvSpPr>
+        <p:spPr bwMode="auto">
+          <a:xfrm>
+            <a:off x="2758767" y="3576898"/>
+            <a:ext cx="406400" cy="228600"/>
+          </a:xfrm>
+          <a:prstGeom prst="rightArrow">
+            <a:avLst>
+              <a:gd name="adj1" fmla="val 50000"/>
+              <a:gd name="adj2" fmla="val 33333"/>
+            </a:avLst>
+          </a:prstGeom>
+          <a:noFill/>
+          <a:ln w="9525">
+            <a:solidFill>
+              <a:schemeClr val="tx1"/>
+            </a:solidFill>
+            <a:miter lim="800000"/>
+            <a:headEnd/>
+            <a:tailEnd/>
+          </a:ln>
+        </p:spPr>
+        <p:txBody>
+          <a:bodyPr wrap="none" anchor="ctr"/>
+          <a:lstStyle/>
+          <a:p>
+            <a:endParaRPr lang="en-US" sz="2400"/>
+          </a:p>
+        </p:txBody>
+      </p:sp>
+      <p:sp>
+        <p:nvSpPr>
+          <p:cNvPr id="24" name="AutoShape 23"/>
+          <p:cNvSpPr>
+            <a:spLocks noChangeArrowheads="1"/>
+          </p:cNvSpPr>
+          <p:nvPr/>
+        </p:nvSpPr>
+        <p:spPr bwMode="auto">
+          <a:xfrm>
+            <a:off x="5705167" y="3576898"/>
+            <a:ext cx="406400" cy="228600"/>
+          </a:xfrm>
+          <a:prstGeom prst="rightArrow">
+            <a:avLst>
+              <a:gd name="adj1" fmla="val 50000"/>
+              <a:gd name="adj2" fmla="val 33333"/>
+            </a:avLst>
+          </a:prstGeom>
+          <a:noFill/>
+          <a:ln w="9525">
+            <a:solidFill>
+              <a:schemeClr val="tx1"/>
+            </a:solidFill>
+            <a:miter lim="800000"/>
+            <a:headEnd/>
+            <a:tailEnd/>
+          </a:ln>
+        </p:spPr>
+        <p:txBody>
+          <a:bodyPr wrap="none" anchor="ctr"/>
+          <a:lstStyle/>
+          <a:p>
+            <a:endParaRPr lang="en-US" sz="2400"/>
+          </a:p>
+        </p:txBody>
+      </p:sp>
+      <p:sp>
+        <p:nvSpPr>
+          <p:cNvPr id="25" name="Rectangle 24" descr="Horizontal brick"/>
+          <p:cNvSpPr>
+            <a:spLocks noChangeArrowheads="1"/>
+          </p:cNvSpPr>
+          <p:nvPr/>
+        </p:nvSpPr>
+        <p:spPr bwMode="auto">
+          <a:xfrm>
+            <a:off x="3472085" y="3500698"/>
+            <a:ext cx="1826684" cy="381000"/>
+          </a:xfrm>
+          <a:prstGeom prst="rect">
+            <a:avLst/>
+          </a:prstGeom>
+          <a:pattFill prst="horzBrick">
+            <a:fgClr>
+              <a:schemeClr val="accent1"/>
+            </a:fgClr>
+            <a:bgClr>
+              <a:schemeClr val="bg1"/>
+            </a:bgClr>
+          </a:pattFill>
+          <a:ln w="9525">
+            <a:solidFill>
+              <a:schemeClr val="tx1"/>
+            </a:solidFill>
+            <a:miter lim="800000"/>
+            <a:headEnd/>
+            <a:tailEnd/>
+          </a:ln>
+        </p:spPr>
+        <p:txBody>
+          <a:bodyPr wrap="none" anchor="ctr"/>
+          <a:lstStyle/>
+          <a:p>
+            <a:endParaRPr lang="en-US" sz="2400"/>
+          </a:p>
+        </p:txBody>
+      </p:sp>
+      <p:sp>
+        <p:nvSpPr>
+          <p:cNvPr id="26" name="Text Box 25"/>
+          <p:cNvSpPr txBox="1">
+            <a:spLocks noChangeArrowheads="1"/>
+          </p:cNvSpPr>
+          <p:nvPr/>
+        </p:nvSpPr>
+        <p:spPr bwMode="auto">
+          <a:xfrm>
+            <a:off x="3750065" y="2975766"/>
+            <a:ext cx="1221808" cy="461665"/>
+          </a:xfrm>
+          <a:prstGeom prst="rect">
+            <a:avLst/>
+          </a:prstGeom>
+          <a:noFill/>
+          <a:ln w="9525">
+            <a:noFill/>
+            <a:miter lim="800000"/>
+            <a:headEnd/>
+            <a:tailEnd/>
+          </a:ln>
+        </p:spPr>
+        <p:txBody>
+          <a:bodyPr wrap="none">
+            <a:spAutoFit/>
+          </a:bodyPr>
+          <a:lstStyle/>
+          <a:p>
+            <a:pPr algn="ctr">
+              <a:spcBef>
+                <a:spcPct val="50000"/>
+              </a:spcBef>
+            </a:pPr>
+            <a:r>
+              <a:rPr lang="en-US" sz="2400" dirty="0"/>
+              <a:t>E(</a:t>
+            </a:r>
+            <a:r>
+              <a:rPr lang="en-US" sz="2400" dirty="0" err="1"/>
+              <a:t>k</a:t>
+            </a:r>
+            <a:r>
+              <a:rPr kumimoji="1" lang="en-US" sz="2400" baseline="-25000" dirty="0" err="1"/>
+              <a:t>E</a:t>
+            </a:r>
+            <a:r>
+              <a:rPr kumimoji="1" lang="en-US" sz="2400" dirty="0"/>
+              <a:t> , m)</a:t>
+            </a:r>
+            <a:endParaRPr kumimoji="1" lang="en-US" sz="3733" baseline="-25000" dirty="0"/>
+          </a:p>
+        </p:txBody>
+      </p:sp>
+      <p:sp>
+        <p:nvSpPr>
+          <p:cNvPr id="27" name="Rectangle 26"/>
+          <p:cNvSpPr>
+            <a:spLocks noChangeArrowheads="1"/>
+          </p:cNvSpPr>
+          <p:nvPr/>
+        </p:nvSpPr>
+        <p:spPr bwMode="auto">
+          <a:xfrm flipH="1">
+            <a:off x="8448367" y="3486411"/>
+            <a:ext cx="1117600" cy="381000"/>
+          </a:xfrm>
+          <a:prstGeom prst="rect">
+            <a:avLst/>
+          </a:prstGeom>
+          <a:solidFill>
+            <a:srgbClr val="FAC090"/>
+          </a:solidFill>
+          <a:ln w="19050">
+            <a:solidFill>
+              <a:schemeClr val="tx1"/>
+            </a:solidFill>
+            <a:miter lim="800000"/>
+            <a:headEnd/>
+            <a:tailEnd/>
+          </a:ln>
+          <a:effectLst/>
+        </p:spPr>
+        <p:txBody>
+          <a:bodyPr wrap="none" anchor="ctr"/>
+          <a:lstStyle/>
+          <a:p>
+            <a:pPr algn="ctr">
+              <a:spcBef>
+                <a:spcPct val="50000"/>
+              </a:spcBef>
+              <a:defRPr/>
+            </a:pPr>
+            <a:r>
+              <a:rPr lang="en-US" sz="2667" dirty="0">
+                <a:latin typeface="Tahoma" pitchFamily="34" charset="0"/>
+              </a:rPr>
+              <a:t>tag</a:t>
+            </a:r>
+          </a:p>
+        </p:txBody>
+      </p:sp>
+      <p:sp>
+        <p:nvSpPr>
+          <p:cNvPr id="28" name="Text Box 27"/>
+          <p:cNvSpPr txBox="1">
+            <a:spLocks noChangeArrowheads="1"/>
+          </p:cNvSpPr>
+          <p:nvPr/>
+        </p:nvSpPr>
+        <p:spPr bwMode="auto">
+          <a:xfrm flipH="1">
+            <a:off x="8312694" y="2916499"/>
+            <a:ext cx="1268296" cy="461665"/>
+          </a:xfrm>
+          <a:prstGeom prst="rect">
+            <a:avLst/>
+          </a:prstGeom>
+          <a:noFill/>
+          <a:ln w="9525">
+            <a:noFill/>
+            <a:miter lim="800000"/>
+            <a:headEnd/>
+            <a:tailEnd/>
+          </a:ln>
+        </p:spPr>
+        <p:txBody>
+          <a:bodyPr wrap="none">
+            <a:spAutoFit/>
+          </a:bodyPr>
+          <a:lstStyle/>
+          <a:p>
+            <a:pPr algn="ctr">
+              <a:spcBef>
+                <a:spcPct val="50000"/>
+              </a:spcBef>
+            </a:pPr>
+            <a:r>
+              <a:rPr lang="en-US" sz="2400" dirty="0">
+                <a:latin typeface="Tahoma" pitchFamily="34" charset="0"/>
+              </a:rPr>
+              <a:t>S(</a:t>
+            </a:r>
+            <a:r>
+              <a:rPr lang="en-US" sz="2400" dirty="0" err="1">
+                <a:latin typeface="Tahoma" pitchFamily="34" charset="0"/>
+              </a:rPr>
+              <a:t>k</a:t>
+            </a:r>
+            <a:r>
+              <a:rPr kumimoji="1" lang="en-US" sz="2400" baseline="-25000" dirty="0" err="1">
+                <a:latin typeface="Comic Sans MS" pitchFamily="66" charset="0"/>
+              </a:rPr>
+              <a:t>I</a:t>
+            </a:r>
+            <a:r>
+              <a:rPr kumimoji="1" lang="en-US" sz="2400" dirty="0">
+                <a:latin typeface="Comic Sans MS" pitchFamily="66" charset="0"/>
+              </a:rPr>
+              <a:t>, m)</a:t>
+            </a:r>
+            <a:endParaRPr kumimoji="1" lang="en-US" sz="3733" baseline="-25000" dirty="0">
+              <a:latin typeface="Comic Sans MS" pitchFamily="66" charset="0"/>
+            </a:endParaRPr>
+          </a:p>
+        </p:txBody>
+      </p:sp>
+      <p:sp>
+        <p:nvSpPr>
+          <p:cNvPr id="29" name="Rectangle 28" descr="Horizontal brick"/>
+          <p:cNvSpPr>
+            <a:spLocks noChangeArrowheads="1"/>
+          </p:cNvSpPr>
+          <p:nvPr/>
+        </p:nvSpPr>
+        <p:spPr bwMode="auto">
+          <a:xfrm>
+            <a:off x="6517967" y="3487998"/>
+            <a:ext cx="1826683" cy="381000"/>
+          </a:xfrm>
+          <a:prstGeom prst="rect">
+            <a:avLst/>
+          </a:prstGeom>
+          <a:pattFill prst="horzBrick">
+            <a:fgClr>
+              <a:schemeClr val="accent1"/>
+            </a:fgClr>
+            <a:bgClr>
+              <a:schemeClr val="bg1"/>
+            </a:bgClr>
+          </a:pattFill>
+          <a:ln w="9525">
+            <a:solidFill>
+              <a:schemeClr val="tx1"/>
+            </a:solidFill>
+            <a:miter lim="800000"/>
+            <a:headEnd/>
+            <a:tailEnd/>
+          </a:ln>
+        </p:spPr>
+        <p:txBody>
+          <a:bodyPr wrap="none" anchor="ctr"/>
+          <a:lstStyle/>
+          <a:p>
+            <a:endParaRPr lang="en-US" sz="2400"/>
+          </a:p>
+        </p:txBody>
+      </p:sp>
+      <p:sp>
+        <p:nvSpPr>
+          <p:cNvPr id="31" name="Заголовок 1"/>
+          <p:cNvSpPr>
+            <a:spLocks noGrp="1"/>
+          </p:cNvSpPr>
+          <p:nvPr>
+            <p:ph type="title"/>
+          </p:nvPr>
+        </p:nvSpPr>
+        <p:spPr>
+          <a:xfrm>
+            <a:off x="838200" y="0"/>
+            <a:ext cx="10515600" cy="1325563"/>
+          </a:xfrm>
+        </p:spPr>
+        <p:txBody>
+          <a:bodyPr/>
+          <a:lstStyle/>
+          <a:p>
+            <a:r>
+              <a:rPr lang="ru-RU" dirty="0" smtClean="0"/>
+              <a:t>Тест.</a:t>
+            </a:r>
+            <a:endParaRPr lang="ru-RU" dirty="0"/>
+          </a:p>
+        </p:txBody>
+      </p:sp>
+      <p:sp>
+        <p:nvSpPr>
+          <p:cNvPr id="32" name="TextBox 31"/>
+          <p:cNvSpPr txBox="1"/>
+          <p:nvPr/>
+        </p:nvSpPr>
+        <p:spPr>
+          <a:xfrm>
+            <a:off x="838200" y="1031953"/>
+            <a:ext cx="10134599" cy="954107"/>
+          </a:xfrm>
+          <a:prstGeom prst="rect">
+            <a:avLst/>
+          </a:prstGeom>
+          <a:noFill/>
+        </p:spPr>
+        <p:txBody>
+          <a:bodyPr wrap="square" rtlCol="0">
+            <a:spAutoFit/>
+          </a:bodyPr>
+          <a:lstStyle/>
+          <a:p>
+            <a:r>
+              <a:rPr lang="ru-RU" sz="2800" dirty="0" smtClean="0"/>
+              <a:t>3 варианта построения </a:t>
+            </a:r>
+            <a:r>
+              <a:rPr lang="en-US" sz="2800" dirty="0" smtClean="0"/>
+              <a:t>AE </a:t>
+            </a:r>
+            <a:r>
+              <a:rPr lang="ru-RU" sz="2800" dirty="0" smtClean="0"/>
+              <a:t>шифра через </a:t>
+            </a:r>
+            <a:r>
+              <a:rPr lang="en-US" sz="2800" dirty="0" smtClean="0"/>
+              <a:t>CPA </a:t>
+            </a:r>
+            <a:r>
+              <a:rPr lang="ru-RU" sz="2800" dirty="0" smtClean="0"/>
+              <a:t>ст.</a:t>
+            </a:r>
+            <a:r>
+              <a:rPr lang="en-US" sz="2800" dirty="0" smtClean="0"/>
+              <a:t> </a:t>
+            </a:r>
+            <a:r>
+              <a:rPr lang="ru-RU" sz="2800" dirty="0" smtClean="0"/>
+              <a:t>шифр + </a:t>
+            </a:r>
+            <a:r>
+              <a:rPr lang="en-US" sz="2800" dirty="0" smtClean="0"/>
+              <a:t>MAC</a:t>
+            </a:r>
+            <a:r>
+              <a:rPr lang="ru-RU" sz="2800" dirty="0" smtClean="0"/>
+              <a:t>.</a:t>
+            </a:r>
+          </a:p>
+          <a:p>
+            <a:r>
+              <a:rPr lang="ru-RU" sz="2800" dirty="0" smtClean="0"/>
+              <a:t>Какие из них стойкие, почему?</a:t>
+            </a:r>
+            <a:endParaRPr lang="ru-RU" sz="2800" dirty="0"/>
+          </a:p>
+        </p:txBody>
+      </p:sp>
+      <p:sp>
+        <p:nvSpPr>
+          <p:cNvPr id="33" name="Прямоугольник 32"/>
+          <p:cNvSpPr/>
+          <p:nvPr/>
+        </p:nvSpPr>
+        <p:spPr>
+          <a:xfrm>
+            <a:off x="284285" y="5433158"/>
+            <a:ext cx="10688515" cy="317012"/>
+          </a:xfrm>
+          <a:prstGeom prst="rect">
+            <a:avLst/>
+          </a:prstGeom>
+          <a:solidFill>
+            <a:schemeClr val="accent6">
+              <a:alpha val="50000"/>
+            </a:schemeClr>
+          </a:solidFill>
+          <a:ln>
+            <a:noFill/>
+          </a:ln>
+        </p:spPr>
+        <p:style>
+          <a:lnRef idx="0">
+            <a:scrgbClr r="0" g="0" b="0"/>
+          </a:lnRef>
+          <a:fillRef idx="0">
+            <a:scrgbClr r="0" g="0" b="0"/>
+          </a:fillRef>
+          <a:effectRef idx="0">
+            <a:scrgbClr r="0" g="0" b="0"/>
+          </a:effectRef>
+          <a:fontRef idx="minor">
+            <a:schemeClr val="lt1"/>
+          </a:fontRef>
+        </p:style>
+        <p:txBody>
+          <a:bodyPr rtlCol="0" anchor="ctr"/>
+          <a:lstStyle/>
+          <a:p>
+            <a:pPr algn="ctr"/>
+            <a:endParaRPr lang="ru-RU"/>
+          </a:p>
+        </p:txBody>
+      </p:sp>
+      <p:sp>
+        <p:nvSpPr>
+          <p:cNvPr id="34" name="Прямоугольник 33"/>
+          <p:cNvSpPr/>
+          <p:nvPr/>
+        </p:nvSpPr>
+        <p:spPr>
+          <a:xfrm>
+            <a:off x="284285" y="5819530"/>
+            <a:ext cx="10688515" cy="317012"/>
+          </a:xfrm>
+          <a:prstGeom prst="rect">
+            <a:avLst/>
+          </a:prstGeom>
+          <a:solidFill>
+            <a:schemeClr val="accent6">
+              <a:alpha val="50000"/>
+            </a:schemeClr>
+          </a:solidFill>
+          <a:ln>
+            <a:noFill/>
+          </a:ln>
+        </p:spPr>
+        <p:style>
+          <a:lnRef idx="0">
+            <a:scrgbClr r="0" g="0" b="0"/>
+          </a:lnRef>
+          <a:fillRef idx="0">
+            <a:scrgbClr r="0" g="0" b="0"/>
+          </a:fillRef>
+          <a:effectRef idx="0">
+            <a:scrgbClr r="0" g="0" b="0"/>
+          </a:effectRef>
+          <a:fontRef idx="minor">
+            <a:schemeClr val="lt1"/>
+          </a:fontRef>
+        </p:style>
+        <p:txBody>
+          <a:bodyPr rtlCol="0" anchor="ctr"/>
+          <a:lstStyle/>
+          <a:p>
+            <a:pPr algn="ctr"/>
+            <a:endParaRPr lang="ru-RU"/>
+          </a:p>
+        </p:txBody>
+      </p:sp>
+      <p:sp>
+        <p:nvSpPr>
+          <p:cNvPr id="35" name="Прямоугольник 34"/>
+          <p:cNvSpPr/>
+          <p:nvPr/>
+        </p:nvSpPr>
+        <p:spPr>
+          <a:xfrm>
+            <a:off x="284284" y="6205902"/>
+            <a:ext cx="10688515" cy="317012"/>
+          </a:xfrm>
+          <a:prstGeom prst="rect">
+            <a:avLst/>
+          </a:prstGeom>
+          <a:solidFill>
+            <a:schemeClr val="accent6">
+              <a:alpha val="50000"/>
+            </a:schemeClr>
+          </a:solidFill>
+          <a:ln>
+            <a:noFill/>
+          </a:ln>
+        </p:spPr>
+        <p:style>
+          <a:lnRef idx="0">
+            <a:scrgbClr r="0" g="0" b="0"/>
+          </a:lnRef>
+          <a:fillRef idx="0">
+            <a:scrgbClr r="0" g="0" b="0"/>
+          </a:fillRef>
+          <a:effectRef idx="0">
+            <a:scrgbClr r="0" g="0" b="0"/>
+          </a:effectRef>
+          <a:fontRef idx="minor">
+            <a:schemeClr val="lt1"/>
+          </a:fontRef>
+        </p:style>
+        <p:txBody>
+          <a:bodyPr rtlCol="0" anchor="ctr"/>
+          <a:lstStyle/>
+          <a:p>
+            <a:pPr algn="ctr"/>
+            <a:endParaRPr lang="ru-RU"/>
+          </a:p>
+        </p:txBody>
+      </p:sp>
+    </p:spTree>
+    <p:extLst>
+      <p:ext uri="{BB962C8B-B14F-4D97-AF65-F5344CB8AC3E}">
+        <p14:creationId xmlns:p14="http://schemas.microsoft.com/office/powerpoint/2010/main" val="3172534143"/>
+      </p:ext>
+    </p:extLst>
+  </p:cSld>
+  <p:clrMapOvr>
+    <a:masterClrMapping/>
+  </p:clrMapOvr>
+  <p:timing>
+    <p:tnLst>
+      <p:par>
+        <p:cTn id="1" dur="indefinite" restart="never" nodeType="tmRoot">
+          <p:childTnLst>
+            <p:seq concurrent="1" nextAc="seek">
+              <p:cTn id="2" dur="indefinite" nodeType="mainSeq">
+                <p:childTnLst>
+                  <p:par>
+                    <p:cTn id="3" fill="hold">
+                      <p:stCondLst>
+                        <p:cond delay="indefinite"/>
+                        <p:cond evt="onBegin" delay="0">
+                          <p:tn val="2"/>
+                        </p:cond>
+                      </p:stCondLst>
+                      <p:childTnLst>
+                        <p:par>
+                          <p:cTn id="4" fill="hold">
+                            <p:stCondLst>
+                              <p:cond delay="0"/>
+                            </p:stCondLst>
+                            <p:childTnLst>
+                              <p:par>
+                                <p:cTn id="5" presetID="22" presetClass="exit" presetSubtype="2" fill="hold" grpId="0" nodeType="withEffect">
+                                  <p:stCondLst>
+                                    <p:cond delay="0"/>
+                                  </p:stCondLst>
+                                  <p:childTnLst>
+                                    <p:animEffect transition="out" filter="wipe(right)">
+                                      <p:cBhvr>
+                                        <p:cTn id="6" dur="59000"/>
+                                        <p:tgtEl>
+                                          <p:spTgt spid="33"/>
+                                        </p:tgtEl>
+                                      </p:cBhvr>
+                                    </p:animEffect>
+                                    <p:set>
+                                      <p:cBhvr>
+                                        <p:cTn id="7" dur="1" fill="hold">
+                                          <p:stCondLst>
+                                            <p:cond delay="58999"/>
+                                          </p:stCondLst>
+                                        </p:cTn>
+                                        <p:tgtEl>
+                                          <p:spTgt spid="33"/>
+                                        </p:tgtEl>
+                                        <p:attrNameLst>
+                                          <p:attrName>style.visibility</p:attrName>
+                                        </p:attrNameLst>
+                                      </p:cBhvr>
+                                      <p:to>
+                                        <p:strVal val="hidden"/>
+                                      </p:to>
+                                    </p:set>
+                                  </p:childTnLst>
+                                </p:cTn>
+                              </p:par>
+                            </p:childTnLst>
+                          </p:cTn>
+                        </p:par>
+                        <p:par>
+                          <p:cTn id="8" fill="hold">
+                            <p:stCondLst>
+                              <p:cond delay="59000"/>
+                            </p:stCondLst>
+                            <p:childTnLst>
+                              <p:par>
+                                <p:cTn id="9" presetID="22" presetClass="exit" presetSubtype="2" fill="hold" grpId="0" nodeType="afterEffect">
+                                  <p:stCondLst>
+                                    <p:cond delay="0"/>
+                                  </p:stCondLst>
+                                  <p:childTnLst>
+                                    <p:animEffect transition="out" filter="wipe(right)">
+                                      <p:cBhvr>
+                                        <p:cTn id="10" dur="59000"/>
+                                        <p:tgtEl>
+                                          <p:spTgt spid="34"/>
+                                        </p:tgtEl>
+                                      </p:cBhvr>
+                                    </p:animEffect>
+                                    <p:set>
+                                      <p:cBhvr>
+                                        <p:cTn id="11" dur="1" fill="hold">
+                                          <p:stCondLst>
+                                            <p:cond delay="58999"/>
+                                          </p:stCondLst>
+                                        </p:cTn>
+                                        <p:tgtEl>
+                                          <p:spTgt spid="34"/>
+                                        </p:tgtEl>
+                                        <p:attrNameLst>
+                                          <p:attrName>style.visibility</p:attrName>
+                                        </p:attrNameLst>
+                                      </p:cBhvr>
+                                      <p:to>
+                                        <p:strVal val="hidden"/>
+                                      </p:to>
+                                    </p:set>
+                                  </p:childTnLst>
+                                </p:cTn>
+                              </p:par>
+                            </p:childTnLst>
+                          </p:cTn>
+                        </p:par>
+                        <p:par>
+                          <p:cTn id="12" fill="hold">
+                            <p:stCondLst>
+                              <p:cond delay="118000"/>
+                            </p:stCondLst>
+                            <p:childTnLst>
+                              <p:par>
+                                <p:cTn id="13" presetID="22" presetClass="exit" presetSubtype="2" fill="hold" grpId="0" nodeType="afterEffect">
+                                  <p:stCondLst>
+                                    <p:cond delay="0"/>
+                                  </p:stCondLst>
+                                  <p:childTnLst>
+                                    <p:animEffect transition="out" filter="wipe(right)">
+                                      <p:cBhvr>
+                                        <p:cTn id="14" dur="59000"/>
+                                        <p:tgtEl>
+                                          <p:spTgt spid="35"/>
+                                        </p:tgtEl>
+                                      </p:cBhvr>
+                                    </p:animEffect>
+                                    <p:set>
+                                      <p:cBhvr>
+                                        <p:cTn id="15" dur="1" fill="hold">
+                                          <p:stCondLst>
+                                            <p:cond delay="58999"/>
+                                          </p:stCondLst>
+                                        </p:cTn>
+                                        <p:tgtEl>
+                                          <p:spTgt spid="35"/>
+                                        </p:tgtEl>
+                                        <p:attrNameLst>
+                                          <p:attrName>style.visibility</p:attrName>
+                                        </p:attrNameLst>
+                                      </p:cBhvr>
+                                      <p:to>
+                                        <p:strVal val="hidden"/>
+                                      </p:to>
+                                    </p:set>
+                                  </p:childTnLst>
+                                </p:cTn>
+                              </p:par>
+                            </p:childTnLst>
+                          </p:cTn>
+                        </p:par>
+                      </p:childTnLst>
+                    </p:cTn>
+                  </p:par>
+                </p:childTnLst>
+              </p:cTn>
+              <p:prevCondLst>
+                <p:cond evt="onPrev" delay="0">
+                  <p:tgtEl>
+                    <p:sldTgt/>
+                  </p:tgtEl>
+                </p:cond>
+              </p:prevCondLst>
+              <p:nextCondLst>
+                <p:cond evt="onNext" delay="0">
+                  <p:tgtEl>
+                    <p:sldTgt/>
+                  </p:tgtEl>
+                </p:cond>
+              </p:nextCondLst>
+            </p:seq>
+          </p:childTnLst>
+        </p:cTn>
+      </p:par>
+    </p:tnLst>
+    <p:bldLst>
+      <p:bldP spid="33" grpId="0" animBg="1"/>
+      <p:bldP spid="34" grpId="0" animBg="1"/>
+      <p:bldP spid="35" grpId="0" animBg="1"/>
+    </p:bldLst>
+  </p:timing>
+</p:sld>
+</file>
+
+<file path=ppt/slides/slide30.xml><?xml version="1.0" encoding="utf-8"?>
 <p:sld xmlns:a="http://schemas.openxmlformats.org/drawingml/2006/main" xmlns:r="http://schemas.openxmlformats.org/officeDocument/2006/relationships" xmlns:p="http://schemas.openxmlformats.org/presentationml/2006/main">
   <p:cSld>
     <p:spTree>
@@ -8366,7 +10522,7 @@
                       <m:sSupPr>
                         <m:ctrlPr>
                           <a:rPr lang="en-US" b="0" i="1" smtClean="0">
-                            <a:latin typeface="Cambria Math" panose="02040503050406030204" pitchFamily="18" charset="0"/>
+                            <a:latin typeface="Cambria Math"/>
                           </a:rPr>
                         </m:ctrlPr>
                       </m:sSupPr>
@@ -8393,7 +10549,7 @@
                         <m:endChr m:val="]"/>
                         <m:ctrlPr>
                           <a:rPr lang="en-US" b="0" i="1" smtClean="0">
-                            <a:latin typeface="Cambria Math" panose="02040503050406030204" pitchFamily="18" charset="0"/>
+                            <a:latin typeface="Cambria Math"/>
                           </a:rPr>
                         </m:ctrlPr>
                       </m:dPr>
@@ -8424,7 +10580,7 @@
                         <m:endChr m:val="]"/>
                         <m:ctrlPr>
                           <a:rPr lang="en-US" b="0" i="1" smtClean="0">
-                            <a:latin typeface="Cambria Math" panose="02040503050406030204" pitchFamily="18" charset="0"/>
+                            <a:latin typeface="Cambria Math"/>
                           </a:rPr>
                         </m:ctrlPr>
                       </m:dPr>
@@ -8473,7 +10629,7 @@
                       <m:sSupPr>
                         <m:ctrlPr>
                           <a:rPr lang="en-US" b="0" i="1" smtClean="0">
-                            <a:latin typeface="Cambria Math" panose="02040503050406030204" pitchFamily="18" charset="0"/>
+                            <a:latin typeface="Cambria Math"/>
                           </a:rPr>
                         </m:ctrlPr>
                       </m:sSupPr>
@@ -8512,7 +10668,7 @@
                         <m:endChr m:val="]"/>
                         <m:ctrlPr>
                           <a:rPr lang="en-US" b="0" i="1" smtClean="0">
-                            <a:latin typeface="Cambria Math" panose="02040503050406030204" pitchFamily="18" charset="0"/>
+                            <a:latin typeface="Cambria Math"/>
                           </a:rPr>
                         </m:ctrlPr>
                       </m:dPr>
@@ -8535,7 +10691,7 @@
                       <m:sSupPr>
                         <m:ctrlPr>
                           <a:rPr lang="en-US" b="0" i="1" smtClean="0">
-                            <a:latin typeface="Cambria Math" panose="02040503050406030204" pitchFamily="18" charset="0"/>
+                            <a:latin typeface="Cambria Math"/>
                           </a:rPr>
                         </m:ctrlPr>
                       </m:sSupPr>
@@ -8562,7 +10718,7 @@
                         <m:endChr m:val="]"/>
                         <m:ctrlPr>
                           <a:rPr lang="en-US" b="0" i="1" smtClean="0">
-                            <a:latin typeface="Cambria Math" panose="02040503050406030204" pitchFamily="18" charset="0"/>
+                            <a:latin typeface="Cambria Math"/>
                           </a:rPr>
                         </m:ctrlPr>
                       </m:dPr>
@@ -8593,7 +10749,7 @@
                         <m:endChr m:val="]"/>
                         <m:ctrlPr>
                           <a:rPr lang="en-US" b="0" i="1" smtClean="0">
-                            <a:latin typeface="Cambria Math" panose="02040503050406030204" pitchFamily="18" charset="0"/>
+                            <a:latin typeface="Cambria Math"/>
                           </a:rPr>
                         </m:ctrlPr>
                       </m:dPr>
@@ -8653,7 +10809,7 @@
                       <m:sSupPr>
                         <m:ctrlPr>
                           <a:rPr lang="en-US" b="0" i="1" smtClean="0">
-                            <a:latin typeface="Cambria Math" panose="02040503050406030204" pitchFamily="18" charset="0"/>
+                            <a:latin typeface="Cambria Math"/>
                           </a:rPr>
                         </m:ctrlPr>
                       </m:sSupPr>
@@ -8680,7 +10836,7 @@
                         <m:endChr m:val="]"/>
                         <m:ctrlPr>
                           <a:rPr lang="en-US" b="0" i="1" smtClean="0">
-                            <a:latin typeface="Cambria Math" panose="02040503050406030204" pitchFamily="18" charset="0"/>
+                            <a:latin typeface="Cambria Math"/>
                           </a:rPr>
                         </m:ctrlPr>
                       </m:dPr>
@@ -8703,7 +10859,7 @@
                       <m:sSupPr>
                         <m:ctrlPr>
                           <a:rPr lang="en-US" b="0" i="1" smtClean="0">
-                            <a:latin typeface="Cambria Math" panose="02040503050406030204" pitchFamily="18" charset="0"/>
+                            <a:latin typeface="Cambria Math"/>
                           </a:rPr>
                         </m:ctrlPr>
                       </m:sSupPr>
@@ -8730,7 +10886,7 @@
                         <m:endChr m:val="]"/>
                         <m:ctrlPr>
                           <a:rPr lang="en-US" b="0" i="1" smtClean="0">
-                            <a:latin typeface="Cambria Math" panose="02040503050406030204" pitchFamily="18" charset="0"/>
+                            <a:latin typeface="Cambria Math"/>
                           </a:rPr>
                         </m:ctrlPr>
                       </m:dPr>
@@ -8759,7 +10915,7 @@
                       <m:dPr>
                         <m:ctrlPr>
                           <a:rPr lang="en-US" b="0" i="1" smtClean="0">
-                            <a:latin typeface="Cambria Math" panose="02040503050406030204" pitchFamily="18" charset="0"/>
+                            <a:latin typeface="Cambria Math"/>
                           </a:rPr>
                         </m:ctrlPr>
                       </m:dPr>
@@ -8788,7 +10944,7 @@
                             <m:endChr m:val="]"/>
                             <m:ctrlPr>
                               <a:rPr lang="en-US" b="0" i="1" smtClean="0">
-                                <a:latin typeface="Cambria Math" panose="02040503050406030204" pitchFamily="18" charset="0"/>
+                                <a:latin typeface="Cambria Math"/>
                               </a:rPr>
                             </m:ctrlPr>
                           </m:dPr>
@@ -8821,7 +10977,7 @@
                         <m:endChr m:val="]"/>
                         <m:ctrlPr>
                           <a:rPr lang="en-US" b="0" i="1" smtClean="0">
-                            <a:latin typeface="Cambria Math" panose="02040503050406030204" pitchFamily="18" charset="0"/>
+                            <a:latin typeface="Cambria Math"/>
                           </a:rPr>
                         </m:ctrlPr>
                       </m:dPr>
@@ -8997,7 +11153,7 @@
           <a:p>
             <a:fld id="{8253DDDB-F8F7-4D64-A7FD-3F3D61C1949F}" type="slidenum">
               <a:rPr lang="ru-RU" smtClean="0"/>
-              <a:t>28</a:t>
+              <a:t>30</a:t>
             </a:fld>
             <a:endParaRPr lang="ru-RU"/>
           </a:p>
@@ -9007,584 +11163,6 @@
     <p:extLst>
       <p:ext uri="{BB962C8B-B14F-4D97-AF65-F5344CB8AC3E}">
         <p14:creationId xmlns:p14="http://schemas.microsoft.com/office/powerpoint/2010/main" val="4195317883"/>
-      </p:ext>
-    </p:extLst>
-  </p:cSld>
-  <p:clrMapOvr>
-    <a:masterClrMapping/>
-  </p:clrMapOvr>
-  <p:timing>
-    <p:tnLst>
-      <p:par>
-        <p:cTn id="1" dur="indefinite" restart="never" nodeType="tmRoot"/>
-      </p:par>
-    </p:tnLst>
-  </p:timing>
-</p:sld>
-</file>
-
-<file path=ppt/slides/slide29.xml><?xml version="1.0" encoding="utf-8"?>
-<p:sld xmlns:a="http://schemas.openxmlformats.org/drawingml/2006/main" xmlns:r="http://schemas.openxmlformats.org/officeDocument/2006/relationships" xmlns:p="http://schemas.openxmlformats.org/presentationml/2006/main">
-  <p:cSld>
-    <p:spTree>
-      <p:nvGrpSpPr>
-        <p:cNvPr id="1" name=""/>
-        <p:cNvGrpSpPr/>
-        <p:nvPr/>
-      </p:nvGrpSpPr>
-      <p:grpSpPr>
-        <a:xfrm>
-          <a:off x="0" y="0"/>
-          <a:ext cx="0" cy="0"/>
-          <a:chOff x="0" y="0"/>
-          <a:chExt cx="0" cy="0"/>
-        </a:xfrm>
-      </p:grpSpPr>
-      <p:sp>
-        <p:nvSpPr>
-          <p:cNvPr id="2" name="Заголовок 1"/>
-          <p:cNvSpPr>
-            <a:spLocks noGrp="1"/>
-          </p:cNvSpPr>
-          <p:nvPr>
-            <p:ph type="title"/>
-          </p:nvPr>
-        </p:nvSpPr>
-        <p:spPr/>
-        <p:txBody>
-          <a:bodyPr/>
-          <a:lstStyle/>
-          <a:p>
-            <a:r>
-              <a:rPr lang="en-US" dirty="0" smtClean="0"/>
-              <a:t>Timing padding oracle</a:t>
-            </a:r>
-            <a:endParaRPr lang="ru-RU" dirty="0"/>
-          </a:p>
-        </p:txBody>
-      </p:sp>
-      <p:sp>
-        <p:nvSpPr>
-          <p:cNvPr id="3" name="Объект 2"/>
-          <p:cNvSpPr>
-            <a:spLocks noGrp="1"/>
-          </p:cNvSpPr>
-          <p:nvPr>
-            <p:ph idx="1"/>
-          </p:nvPr>
-        </p:nvSpPr>
-        <p:spPr/>
-        <p:txBody>
-          <a:bodyPr>
-            <a:normAutofit fontScale="92500" lnSpcReduction="20000"/>
-          </a:bodyPr>
-          <a:lstStyle/>
-          <a:p>
-            <a:pPr marL="0" indent="0">
-              <a:buNone/>
-            </a:pPr>
-            <a:r>
-              <a:rPr lang="ru-RU" dirty="0" smtClean="0"/>
-              <a:t>Таким образом, противник, замеряя время ответа от сервера, может получить информацию о последнем байте интересующего его блока, что ломает семантическую стойкость шифра.</a:t>
-            </a:r>
-          </a:p>
-          <a:p>
-            <a:pPr marL="0" indent="0">
-              <a:buNone/>
-            </a:pPr>
-            <a:endParaRPr lang="ru-RU" dirty="0"/>
-          </a:p>
-          <a:p>
-            <a:pPr marL="0" indent="0">
-              <a:buNone/>
-            </a:pPr>
-            <a:r>
-              <a:rPr lang="ru-RU" dirty="0" smtClean="0"/>
-              <a:t>Бесплатно получили проблему необходимости константного времени.</a:t>
-            </a:r>
-          </a:p>
-          <a:p>
-            <a:pPr marL="0" indent="0">
-              <a:buNone/>
-            </a:pPr>
-            <a:endParaRPr lang="ru-RU" dirty="0"/>
-          </a:p>
-          <a:p>
-            <a:pPr marL="0" indent="0">
-              <a:buNone/>
-            </a:pPr>
-            <a:r>
-              <a:rPr lang="ru-RU" dirty="0" smtClean="0"/>
-              <a:t>Получить остальные байты сообщения можно использовав метод, описанный ранее – меняя длину открытого текста, сдвигая тем самым интересующий нас блок открытого текста (например </a:t>
-            </a:r>
-            <a:r>
-              <a:rPr lang="en-US" dirty="0" smtClean="0"/>
-              <a:t>cookie)</a:t>
-            </a:r>
-            <a:r>
-              <a:rPr lang="ru-RU" dirty="0" smtClean="0"/>
-              <a:t>.</a:t>
-            </a:r>
-          </a:p>
-          <a:p>
-            <a:pPr marL="0" indent="0">
-              <a:buNone/>
-            </a:pPr>
-            <a:endParaRPr lang="ru-RU" dirty="0"/>
-          </a:p>
-          <a:p>
-            <a:pPr marL="0" indent="0">
-              <a:buNone/>
-            </a:pPr>
-            <a:r>
-              <a:rPr lang="ru-RU" dirty="0" smtClean="0"/>
-              <a:t>На самом деле – всё было ещё хуже. Сервер явно отвечал сообщениями </a:t>
-            </a:r>
-            <a:r>
-              <a:rPr lang="en-US" dirty="0" err="1" smtClean="0"/>
-              <a:t>bad_record_mac</a:t>
-            </a:r>
-            <a:r>
-              <a:rPr lang="en-US" dirty="0" smtClean="0"/>
-              <a:t> </a:t>
-            </a:r>
-            <a:r>
-              <a:rPr lang="ru-RU" dirty="0" smtClean="0"/>
-              <a:t>и</a:t>
-            </a:r>
-            <a:r>
-              <a:rPr lang="en-US" dirty="0"/>
-              <a:t> </a:t>
-            </a:r>
-            <a:r>
-              <a:rPr lang="en-US" dirty="0" err="1" smtClean="0"/>
-              <a:t>decryption_failed</a:t>
-            </a:r>
-            <a:r>
-              <a:rPr lang="en-US" dirty="0" smtClean="0"/>
-              <a:t> (</a:t>
-            </a:r>
-            <a:r>
-              <a:rPr lang="ru-RU" dirty="0" smtClean="0"/>
-              <a:t>см </a:t>
-            </a:r>
-            <a:r>
-              <a:rPr lang="ru-RU" dirty="0" err="1" smtClean="0"/>
-              <a:t>лабу</a:t>
-            </a:r>
-            <a:r>
-              <a:rPr lang="ru-RU" dirty="0" smtClean="0"/>
-              <a:t>). </a:t>
-            </a:r>
-            <a:endParaRPr lang="ru-RU" dirty="0"/>
-          </a:p>
-        </p:txBody>
-      </p:sp>
-      <p:sp>
-        <p:nvSpPr>
-          <p:cNvPr id="4" name="Номер слайда 3"/>
-          <p:cNvSpPr>
-            <a:spLocks noGrp="1"/>
-          </p:cNvSpPr>
-          <p:nvPr>
-            <p:ph type="sldNum" sz="quarter" idx="12"/>
-          </p:nvPr>
-        </p:nvSpPr>
-        <p:spPr/>
-        <p:txBody>
-          <a:bodyPr/>
-          <a:lstStyle/>
-          <a:p>
-            <a:fld id="{8253DDDB-F8F7-4D64-A7FD-3F3D61C1949F}" type="slidenum">
-              <a:rPr lang="ru-RU" smtClean="0"/>
-              <a:t>29</a:t>
-            </a:fld>
-            <a:endParaRPr lang="ru-RU"/>
-          </a:p>
-        </p:txBody>
-      </p:sp>
-    </p:spTree>
-    <p:extLst>
-      <p:ext uri="{BB962C8B-B14F-4D97-AF65-F5344CB8AC3E}">
-        <p14:creationId xmlns:p14="http://schemas.microsoft.com/office/powerpoint/2010/main" val="2165135468"/>
-      </p:ext>
-    </p:extLst>
-  </p:cSld>
-  <p:clrMapOvr>
-    <a:masterClrMapping/>
-  </p:clrMapOvr>
-  <p:timing>
-    <p:tnLst>
-      <p:par>
-        <p:cTn id="1" dur="indefinite" restart="never" nodeType="tmRoot"/>
-      </p:par>
-    </p:tnLst>
-  </p:timing>
-</p:sld>
-</file>
-
-<file path=ppt/slides/slide3.xml><?xml version="1.0" encoding="utf-8"?>
-<p:sld xmlns:a="http://schemas.openxmlformats.org/drawingml/2006/main" xmlns:r="http://schemas.openxmlformats.org/officeDocument/2006/relationships" xmlns:p="http://schemas.openxmlformats.org/presentationml/2006/main">
-  <p:cSld>
-    <p:spTree>
-      <p:nvGrpSpPr>
-        <p:cNvPr id="1" name=""/>
-        <p:cNvGrpSpPr/>
-        <p:nvPr/>
-      </p:nvGrpSpPr>
-      <p:grpSpPr>
-        <a:xfrm>
-          <a:off x="0" y="0"/>
-          <a:ext cx="0" cy="0"/>
-          <a:chOff x="0" y="0"/>
-          <a:chExt cx="0" cy="0"/>
-        </a:xfrm>
-      </p:grpSpPr>
-      <p:sp>
-        <p:nvSpPr>
-          <p:cNvPr id="2" name="Заголовок 1"/>
-          <p:cNvSpPr>
-            <a:spLocks noGrp="1"/>
-          </p:cNvSpPr>
-          <p:nvPr>
-            <p:ph type="title"/>
-          </p:nvPr>
-        </p:nvSpPr>
-        <p:spPr/>
-        <p:txBody>
-          <a:bodyPr/>
-          <a:lstStyle/>
-          <a:p>
-            <a:r>
-              <a:rPr lang="en-US" dirty="0" smtClean="0"/>
-              <a:t>IPsec</a:t>
-            </a:r>
-            <a:endParaRPr lang="ru-RU" dirty="0"/>
-          </a:p>
-        </p:txBody>
-      </p:sp>
-      <p:sp>
-        <p:nvSpPr>
-          <p:cNvPr id="3" name="Объект 2"/>
-          <p:cNvSpPr>
-            <a:spLocks noGrp="1"/>
-          </p:cNvSpPr>
-          <p:nvPr>
-            <p:ph idx="1"/>
-          </p:nvPr>
-        </p:nvSpPr>
-        <p:spPr/>
-        <p:txBody>
-          <a:bodyPr/>
-          <a:lstStyle/>
-          <a:p>
-            <a:r>
-              <a:rPr lang="ru-RU" dirty="0" smtClean="0"/>
-              <a:t>Обеспечивает целостность и конфиденциальность </a:t>
-            </a:r>
-            <a:r>
-              <a:rPr lang="en-US" dirty="0" smtClean="0"/>
-              <a:t>IP</a:t>
-            </a:r>
-            <a:r>
-              <a:rPr lang="ru-RU" dirty="0" smtClean="0"/>
-              <a:t> пакетов</a:t>
-            </a:r>
-          </a:p>
-          <a:p>
-            <a:r>
-              <a:rPr lang="ru-RU" dirty="0" smtClean="0"/>
-              <a:t>На самом деле – семейство протоколов. Рассмотрим протокол </a:t>
-            </a:r>
-            <a:r>
-              <a:rPr lang="en-US" dirty="0" smtClean="0"/>
-              <a:t>ESP (encapsulated security payload)</a:t>
-            </a:r>
-            <a:r>
-              <a:rPr lang="ru-RU" dirty="0" smtClean="0"/>
-              <a:t> в режиме </a:t>
-            </a:r>
-            <a:r>
-              <a:rPr lang="ru-RU" dirty="0" err="1" smtClean="0"/>
-              <a:t>тунелирования</a:t>
-            </a:r>
-            <a:r>
-              <a:rPr lang="ru-RU" dirty="0" smtClean="0"/>
-              <a:t>.</a:t>
-            </a:r>
-          </a:p>
-          <a:p>
-            <a:r>
-              <a:rPr lang="ru-RU" dirty="0" smtClean="0"/>
-              <a:t>Используется для построения </a:t>
-            </a:r>
-            <a:r>
-              <a:rPr lang="en-US" dirty="0" smtClean="0"/>
-              <a:t>VPN</a:t>
-            </a:r>
-            <a:endParaRPr lang="ru-RU" dirty="0"/>
-          </a:p>
-        </p:txBody>
-      </p:sp>
-      <p:sp>
-        <p:nvSpPr>
-          <p:cNvPr id="4" name="Номер слайда 3"/>
-          <p:cNvSpPr>
-            <a:spLocks noGrp="1"/>
-          </p:cNvSpPr>
-          <p:nvPr>
-            <p:ph type="sldNum" sz="quarter" idx="12"/>
-          </p:nvPr>
-        </p:nvSpPr>
-        <p:spPr/>
-        <p:txBody>
-          <a:bodyPr/>
-          <a:lstStyle/>
-          <a:p>
-            <a:fld id="{8253DDDB-F8F7-4D64-A7FD-3F3D61C1949F}" type="slidenum">
-              <a:rPr lang="ru-RU" smtClean="0"/>
-              <a:t>3</a:t>
-            </a:fld>
-            <a:endParaRPr lang="ru-RU"/>
-          </a:p>
-        </p:txBody>
-      </p:sp>
-      <p:pic>
-        <p:nvPicPr>
-          <p:cNvPr id="5" name="Рисунок 4"/>
-          <p:cNvPicPr>
-            <a:picLocks noChangeAspect="1"/>
-          </p:cNvPicPr>
-          <p:nvPr/>
-        </p:nvPicPr>
-        <p:blipFill>
-          <a:blip r:embed="rId2"/>
-          <a:stretch>
-            <a:fillRect/>
-          </a:stretch>
-        </p:blipFill>
-        <p:spPr>
-          <a:xfrm>
-            <a:off x="2492066" y="3686175"/>
-            <a:ext cx="6833700" cy="2490788"/>
-          </a:xfrm>
-          <a:prstGeom prst="rect">
-            <a:avLst/>
-          </a:prstGeom>
-        </p:spPr>
-      </p:pic>
-    </p:spTree>
-    <p:extLst>
-      <p:ext uri="{BB962C8B-B14F-4D97-AF65-F5344CB8AC3E}">
-        <p14:creationId xmlns:p14="http://schemas.microsoft.com/office/powerpoint/2010/main" val="513383157"/>
-      </p:ext>
-    </p:extLst>
-  </p:cSld>
-  <p:clrMapOvr>
-    <a:masterClrMapping/>
-  </p:clrMapOvr>
-</p:sld>
-</file>
-
-<file path=ppt/slides/slide30.xml><?xml version="1.0" encoding="utf-8"?>
-<p:sld xmlns:a="http://schemas.openxmlformats.org/drawingml/2006/main" xmlns:r="http://schemas.openxmlformats.org/officeDocument/2006/relationships" xmlns:p="http://schemas.openxmlformats.org/presentationml/2006/main">
-  <p:cSld>
-    <p:spTree>
-      <p:nvGrpSpPr>
-        <p:cNvPr id="1" name=""/>
-        <p:cNvGrpSpPr/>
-        <p:nvPr/>
-      </p:nvGrpSpPr>
-      <p:grpSpPr>
-        <a:xfrm>
-          <a:off x="0" y="0"/>
-          <a:ext cx="0" cy="0"/>
-          <a:chOff x="0" y="0"/>
-          <a:chExt cx="0" cy="0"/>
-        </a:xfrm>
-      </p:grpSpPr>
-      <p:sp>
-        <p:nvSpPr>
-          <p:cNvPr id="2" name="Заголовок 1"/>
-          <p:cNvSpPr>
-            <a:spLocks noGrp="1"/>
-          </p:cNvSpPr>
-          <p:nvPr>
-            <p:ph type="title"/>
-          </p:nvPr>
-        </p:nvSpPr>
-        <p:spPr/>
-        <p:txBody>
-          <a:bodyPr>
-            <a:normAutofit/>
-          </a:bodyPr>
-          <a:lstStyle/>
-          <a:p>
-            <a:r>
-              <a:rPr lang="en-US" b="1" dirty="0"/>
-              <a:t>Yet Another Padding Oracle in OpenSSL CBC </a:t>
-            </a:r>
-            <a:r>
-              <a:rPr lang="en-US" b="1" dirty="0" err="1" smtClean="0"/>
-              <a:t>Ciphersuites</a:t>
-            </a:r>
-            <a:endParaRPr lang="ru-RU" dirty="0"/>
-          </a:p>
-        </p:txBody>
-      </p:sp>
-      <p:sp>
-        <p:nvSpPr>
-          <p:cNvPr id="3" name="Объект 2"/>
-          <p:cNvSpPr>
-            <a:spLocks noGrp="1"/>
-          </p:cNvSpPr>
-          <p:nvPr>
-            <p:ph idx="1"/>
-          </p:nvPr>
-        </p:nvSpPr>
-        <p:spPr>
-          <a:xfrm>
-            <a:off x="838200" y="1825625"/>
-            <a:ext cx="10515600" cy="4441360"/>
-          </a:xfrm>
-        </p:spPr>
-        <p:txBody>
-          <a:bodyPr>
-            <a:normAutofit/>
-          </a:bodyPr>
-          <a:lstStyle/>
-          <a:p>
-            <a:r>
-              <a:rPr lang="ru-RU" dirty="0" smtClean="0"/>
-              <a:t>Рассмотрим уязвимость в реализации </a:t>
-            </a:r>
-            <a:r>
-              <a:rPr lang="en-US" dirty="0" smtClean="0"/>
-              <a:t>TLS</a:t>
-            </a:r>
-            <a:r>
-              <a:rPr lang="ru-RU" dirty="0" smtClean="0"/>
-              <a:t>, дающую уязвимость в виде возможности </a:t>
-            </a:r>
-            <a:r>
-              <a:rPr lang="en-US" dirty="0"/>
-              <a:t>padding oracle (CVE-2016-2107, </a:t>
-            </a:r>
-            <a:r>
-              <a:rPr lang="en-US" dirty="0" smtClean="0"/>
-              <a:t>LuckyNegative20)</a:t>
-            </a:r>
-          </a:p>
-          <a:p>
-            <a:r>
-              <a:rPr lang="ru-RU" dirty="0" smtClean="0"/>
-              <a:t>Уязвимость в </a:t>
-            </a:r>
-            <a:r>
-              <a:rPr lang="en-US" dirty="0" smtClean="0"/>
-              <a:t>OpenSSL</a:t>
-            </a:r>
-            <a:r>
-              <a:rPr lang="ru-RU" dirty="0" smtClean="0"/>
-              <a:t>, использующем </a:t>
-            </a:r>
-            <a:r>
-              <a:rPr lang="en-US" dirty="0" smtClean="0"/>
-              <a:t>AES-CBC </a:t>
-            </a:r>
-            <a:r>
-              <a:rPr lang="ru-RU" dirty="0" smtClean="0"/>
-              <a:t>с аппаратным вычислением (</a:t>
-            </a:r>
-            <a:r>
-              <a:rPr lang="en-US" dirty="0" smtClean="0"/>
-              <a:t>AES-NI</a:t>
-            </a:r>
-            <a:r>
-              <a:rPr lang="ru-RU" dirty="0" smtClean="0"/>
-              <a:t>) криптографических операций</a:t>
-            </a:r>
-            <a:r>
-              <a:rPr lang="en-US" dirty="0" smtClean="0"/>
-              <a:t> (</a:t>
-            </a:r>
-            <a:r>
-              <a:rPr lang="ru-RU" dirty="0" smtClean="0"/>
-              <a:t>исправлено в актуальной версии)</a:t>
-            </a:r>
-            <a:endParaRPr lang="en-US" dirty="0" smtClean="0"/>
-          </a:p>
-          <a:p>
-            <a:r>
-              <a:rPr lang="ru-RU" dirty="0" smtClean="0"/>
-              <a:t>Все использующие данную конфигурацию на старых версиях </a:t>
-            </a:r>
-            <a:r>
-              <a:rPr lang="en-US" dirty="0" smtClean="0"/>
-              <a:t>OpenSSL</a:t>
-            </a:r>
-            <a:r>
-              <a:rPr lang="ru-RU" dirty="0" smtClean="0"/>
-              <a:t> уязвимы</a:t>
-            </a:r>
-          </a:p>
-          <a:p>
-            <a:r>
-              <a:rPr lang="ru-RU" dirty="0" smtClean="0"/>
-              <a:t>Трудно реализуема на практике</a:t>
-            </a:r>
-          </a:p>
-          <a:p>
-            <a:r>
-              <a:rPr lang="ru-RU" dirty="0" smtClean="0"/>
-              <a:t>Уязвимость появилась при исправлении другой уязвимости (</a:t>
-            </a:r>
-            <a:r>
-              <a:rPr lang="en-US" dirty="0" smtClean="0"/>
-              <a:t>Lucky13)</a:t>
-            </a:r>
-          </a:p>
-          <a:p>
-            <a:pPr marL="0" indent="0">
-              <a:buNone/>
-            </a:pPr>
-            <a:endParaRPr lang="en-US" dirty="0" smtClean="0"/>
-          </a:p>
-          <a:p>
-            <a:pPr marL="0" indent="0">
-              <a:buNone/>
-            </a:pPr>
-            <a:endParaRPr lang="ru-RU" dirty="0"/>
-          </a:p>
-        </p:txBody>
-      </p:sp>
-      <p:sp>
-        <p:nvSpPr>
-          <p:cNvPr id="4" name="Номер слайда 3"/>
-          <p:cNvSpPr>
-            <a:spLocks noGrp="1"/>
-          </p:cNvSpPr>
-          <p:nvPr>
-            <p:ph type="sldNum" sz="quarter" idx="12"/>
-          </p:nvPr>
-        </p:nvSpPr>
-        <p:spPr/>
-        <p:txBody>
-          <a:bodyPr/>
-          <a:lstStyle/>
-          <a:p>
-            <a:fld id="{8253DDDB-F8F7-4D64-A7FD-3F3D61C1949F}" type="slidenum">
-              <a:rPr lang="ru-RU" smtClean="0"/>
-              <a:t>30</a:t>
-            </a:fld>
-            <a:endParaRPr lang="ru-RU"/>
-          </a:p>
-        </p:txBody>
-      </p:sp>
-    </p:spTree>
-    <p:extLst>
-      <p:ext uri="{BB962C8B-B14F-4D97-AF65-F5344CB8AC3E}">
-        <p14:creationId xmlns:p14="http://schemas.microsoft.com/office/powerpoint/2010/main" val="4113892765"/>
       </p:ext>
     </p:extLst>
   </p:cSld>
@@ -9634,8 +11212,8 @@
           <a:lstStyle/>
           <a:p>
             <a:r>
-              <a:rPr lang="ru-RU" dirty="0" smtClean="0"/>
-              <a:t>Решение проблемы константного времени</a:t>
+              <a:rPr lang="en-US" dirty="0" smtClean="0"/>
+              <a:t>Timing padding oracle</a:t>
             </a:r>
             <a:endParaRPr lang="ru-RU" dirty="0"/>
           </a:p>
@@ -9653,7 +11231,9 @@
         </p:nvSpPr>
         <p:spPr/>
         <p:txBody>
-          <a:bodyPr/>
+          <a:bodyPr>
+            <a:normAutofit fontScale="92500" lnSpcReduction="20000"/>
+          </a:bodyPr>
           <a:lstStyle/>
           <a:p>
             <a:pPr marL="0" indent="0">
@@ -9661,31 +11241,7 @@
             </a:pPr>
             <a:r>
               <a:rPr lang="ru-RU" dirty="0" smtClean="0"/>
-              <a:t>Решение проблемы константного времени – не используем </a:t>
-            </a:r>
-            <a:r>
-              <a:rPr lang="en-US" dirty="0" smtClean="0"/>
-              <a:t>if</a:t>
-            </a:r>
-            <a:r>
-              <a:rPr lang="ru-RU" dirty="0" smtClean="0"/>
-              <a:t>, используем </a:t>
-            </a:r>
-            <a:r>
-              <a:rPr lang="en-US" dirty="0" smtClean="0"/>
-              <a:t>AND</a:t>
-            </a:r>
-            <a:r>
-              <a:rPr lang="ru-RU" dirty="0" smtClean="0"/>
-              <a:t>. Вычисляем ряд значений, вычисляем </a:t>
-            </a:r>
-            <a:r>
-              <a:rPr lang="en-US" dirty="0" smtClean="0"/>
-              <a:t>AND </a:t>
-            </a:r>
-            <a:r>
-              <a:rPr lang="ru-RU" dirty="0" smtClean="0"/>
-              <a:t>от их результатов и возвращаем его.</a:t>
+              <a:t>Таким образом, противник, замеряя время ответа от сервера, может получить информацию о последнем байте интересующего его блока, что ломает семантическую стойкость шифра.</a:t>
             </a:r>
           </a:p>
           <a:p>
@@ -9700,23 +11256,81 @@
             </a:pPr>
             <a:r>
               <a:rPr lang="ru-RU" dirty="0" smtClean="0"/>
-              <a:t>Как отделить </a:t>
-            </a:r>
-            <a:r>
-              <a:rPr lang="en-US" dirty="0" smtClean="0"/>
-              <a:t>MAC </a:t>
-            </a:r>
-            <a:r>
-              <a:rPr lang="ru-RU" dirty="0" smtClean="0"/>
-              <a:t>от открытого текста при проверке </a:t>
-            </a:r>
-            <a:r>
-              <a:rPr lang="en-US" dirty="0" smtClean="0"/>
-              <a:t>MAC</a:t>
-            </a:r>
-            <a:r>
-              <a:rPr lang="ru-RU" dirty="0" smtClean="0"/>
-              <a:t>? Используется маска, накладываемая на открытый текст, показывающая, какие байты необходимо проверить.</a:t>
+              <a:t>Бесплатно получили проблему необходимости константного времени.</a:t>
+            </a:r>
+          </a:p>
+          <a:p>
+            <a:pPr marL="0" indent="0">
+              <a:buNone/>
+            </a:pPr>
+            <a:endParaRPr lang="ru-RU" dirty="0"/>
+          </a:p>
+          <a:p>
+            <a:pPr marL="0" indent="0">
+              <a:buNone/>
+            </a:pPr>
+            <a:r>
+              <a:rPr lang="ru-RU" dirty="0" smtClean="0"/>
+              <a:t>Получить остальные байты сообщения можно использовав метод, описанный ранее – меняя длину открытого текста, сдвигая тем самым интересующий нас блок открытого текста (например </a:t>
+            </a:r>
+            <a:r>
+              <a:rPr lang="en-US" dirty="0" smtClean="0"/>
+              <a:t>cookie)</a:t>
+            </a:r>
+            <a:r>
+              <a:rPr lang="ru-RU" dirty="0" smtClean="0"/>
+              <a:t>.</a:t>
+            </a:r>
+          </a:p>
+          <a:p>
+            <a:pPr marL="0" indent="0">
+              <a:buNone/>
+            </a:pPr>
+            <a:endParaRPr lang="ru-RU" dirty="0"/>
+          </a:p>
+          <a:p>
+            <a:pPr marL="0" indent="0">
+              <a:buNone/>
+            </a:pPr>
+            <a:r>
+              <a:rPr lang="ru-RU" dirty="0" smtClean="0"/>
+              <a:t>На самом деле – всё было ещё хуже. Сервер явно отвечал сообщениями </a:t>
+            </a:r>
+            <a:r>
+              <a:rPr lang="en-US" dirty="0" err="1" smtClean="0"/>
+              <a:t>bad_record_mac</a:t>
+            </a:r>
+            <a:r>
+              <a:rPr lang="en-US" dirty="0" smtClean="0"/>
+              <a:t> </a:t>
+            </a:r>
+            <a:r>
+              <a:rPr lang="ru-RU" dirty="0" smtClean="0"/>
+              <a:t>и</a:t>
+            </a:r>
+            <a:r>
+              <a:rPr lang="en-US" dirty="0"/>
+              <a:t> </a:t>
+            </a:r>
+            <a:r>
+              <a:rPr lang="en-US" dirty="0" err="1" smtClean="0"/>
+              <a:t>decryption_failed</a:t>
+            </a:r>
+            <a:r>
+              <a:rPr lang="en-US" dirty="0" smtClean="0"/>
+              <a:t> (</a:t>
+            </a:r>
+            <a:r>
+              <a:rPr lang="ru-RU" dirty="0" smtClean="0"/>
+              <a:t>см </a:t>
+            </a:r>
+            <a:r>
+              <a:rPr lang="ru-RU" dirty="0" err="1" smtClean="0"/>
+              <a:t>лабу</a:t>
+            </a:r>
+            <a:r>
+              <a:rPr lang="ru-RU" dirty="0" smtClean="0"/>
+              <a:t>). </a:t>
             </a:r>
             <a:endParaRPr lang="ru-RU" dirty="0"/>
           </a:p>
@@ -9748,7 +11362,7 @@
     </p:spTree>
     <p:extLst>
       <p:ext uri="{BB962C8B-B14F-4D97-AF65-F5344CB8AC3E}">
-        <p14:creationId xmlns:p14="http://schemas.microsoft.com/office/powerpoint/2010/main" val="2620880111"/>
+        <p14:creationId xmlns:p14="http://schemas.microsoft.com/office/powerpoint/2010/main" val="2165135468"/>
       </p:ext>
     </p:extLst>
   </p:cSld>
@@ -9794,13 +11408,20 @@
         </p:nvSpPr>
         <p:spPr/>
         <p:txBody>
-          <a:bodyPr/>
-          <a:lstStyle/>
-          <a:p>
-            <a:r>
-              <a:rPr lang="ru-RU" dirty="0"/>
-              <a:t>Решение проблемы константного времени</a:t>
-            </a:r>
+          <a:bodyPr>
+            <a:normAutofit/>
+          </a:bodyPr>
+          <a:lstStyle/>
+          <a:p>
+            <a:r>
+              <a:rPr lang="en-US" b="1" dirty="0"/>
+              <a:t>Yet Another Padding Oracle in OpenSSL CBC </a:t>
+            </a:r>
+            <a:r>
+              <a:rPr lang="en-US" b="1" dirty="0" err="1" smtClean="0"/>
+              <a:t>Ciphersuites</a:t>
+            </a:r>
+            <a:endParaRPr lang="ru-RU" dirty="0"/>
           </a:p>
         </p:txBody>
       </p:sp>
@@ -9814,54 +11435,113 @@
             <p:ph idx="1"/>
           </p:nvPr>
         </p:nvSpPr>
-        <p:spPr/>
-        <p:txBody>
-          <a:bodyPr/>
-          <a:lstStyle/>
+        <p:spPr>
+          <a:xfrm>
+            <a:off x="838200" y="1825625"/>
+            <a:ext cx="10515600" cy="4441360"/>
+          </a:xfrm>
+        </p:spPr>
+        <p:txBody>
+          <a:bodyPr>
+            <a:normAutofit/>
+          </a:bodyPr>
+          <a:lstStyle/>
+          <a:p>
+            <a:r>
+              <a:rPr lang="ru-RU" dirty="0" smtClean="0"/>
+              <a:t>Рассмотрим уязвимость в реализации </a:t>
+            </a:r>
+            <a:r>
+              <a:rPr lang="en-US" dirty="0" smtClean="0"/>
+              <a:t>TLS</a:t>
+            </a:r>
+            <a:r>
+              <a:rPr lang="ru-RU" dirty="0" smtClean="0"/>
+              <a:t>, дающую уязвимость в виде возможности </a:t>
+            </a:r>
+            <a:r>
+              <a:rPr lang="en-US" dirty="0"/>
+              <a:t>padding oracle (CVE-2016-2107, </a:t>
+            </a:r>
+            <a:r>
+              <a:rPr lang="en-US" dirty="0" smtClean="0"/>
+              <a:t>LuckyNegative20)</a:t>
+            </a:r>
+          </a:p>
+          <a:p>
+            <a:r>
+              <a:rPr lang="ru-RU" dirty="0" smtClean="0"/>
+              <a:t>Уязвимость в </a:t>
+            </a:r>
+            <a:r>
+              <a:rPr lang="en-US" dirty="0" smtClean="0"/>
+              <a:t>OpenSSL</a:t>
+            </a:r>
+            <a:r>
+              <a:rPr lang="ru-RU" dirty="0" smtClean="0"/>
+              <a:t>, использующем </a:t>
+            </a:r>
+            <a:r>
+              <a:rPr lang="en-US" dirty="0" smtClean="0"/>
+              <a:t>AES-CBC </a:t>
+            </a:r>
+            <a:r>
+              <a:rPr lang="ru-RU" dirty="0" smtClean="0"/>
+              <a:t>с аппаратным вычислением (</a:t>
+            </a:r>
+            <a:r>
+              <a:rPr lang="en-US" dirty="0" smtClean="0"/>
+              <a:t>AES-NI</a:t>
+            </a:r>
+            <a:r>
+              <a:rPr lang="ru-RU" dirty="0" smtClean="0"/>
+              <a:t>) криптографических операций</a:t>
+            </a:r>
+            <a:r>
+              <a:rPr lang="en-US" dirty="0" smtClean="0"/>
+              <a:t> (</a:t>
+            </a:r>
+            <a:r>
+              <a:rPr lang="ru-RU" dirty="0" smtClean="0"/>
+              <a:t>исправлено в актуальной версии)</a:t>
+            </a:r>
+            <a:endParaRPr lang="en-US" dirty="0" smtClean="0"/>
+          </a:p>
+          <a:p>
+            <a:r>
+              <a:rPr lang="ru-RU" dirty="0" smtClean="0"/>
+              <a:t>Все использующие данную конфигурацию на старых версиях </a:t>
+            </a:r>
+            <a:r>
+              <a:rPr lang="en-US" dirty="0" smtClean="0"/>
+              <a:t>OpenSSL</a:t>
+            </a:r>
+            <a:r>
+              <a:rPr lang="ru-RU" dirty="0" smtClean="0"/>
+              <a:t> уязвимы</a:t>
+            </a:r>
+          </a:p>
+          <a:p>
+            <a:r>
+              <a:rPr lang="ru-RU" dirty="0" smtClean="0"/>
+              <a:t>Трудно реализуема на практике</a:t>
+            </a:r>
+          </a:p>
+          <a:p>
+            <a:r>
+              <a:rPr lang="ru-RU" dirty="0" smtClean="0"/>
+              <a:t>Уязвимость появилась при исправлении другой уязвимости (</a:t>
+            </a:r>
+            <a:r>
+              <a:rPr lang="en-US" dirty="0" smtClean="0"/>
+              <a:t>Lucky13)</a:t>
+            </a:r>
+          </a:p>
           <a:p>
             <a:pPr marL="0" indent="0">
               <a:buNone/>
             </a:pPr>
-            <a:r>
-              <a:rPr lang="ru-RU" dirty="0" smtClean="0"/>
-              <a:t>Пример. Пусть используется </a:t>
-            </a:r>
-            <a:r>
-              <a:rPr lang="en-US" dirty="0" smtClean="0"/>
-              <a:t>HMAC</a:t>
-            </a:r>
-            <a:r>
-              <a:rPr lang="ru-RU" dirty="0"/>
-              <a:t> </a:t>
-            </a:r>
-            <a:r>
-              <a:rPr lang="ru-RU" dirty="0" smtClean="0"/>
-              <a:t>(20 байт). Пусть сообщение длины 32 байта. Дополнение может быть не больше 32-1-20=11 байт. На основе длины сообщения, длины </a:t>
-            </a:r>
-            <a:r>
-              <a:rPr lang="en-US" dirty="0" smtClean="0"/>
-              <a:t>MAC </a:t>
-            </a:r>
-            <a:r>
-              <a:rPr lang="ru-RU" dirty="0" smtClean="0"/>
-              <a:t>и длины дополнения вычисляется маска, производится проверка дополнения, проверка </a:t>
-            </a:r>
-            <a:r>
-              <a:rPr lang="en-US" dirty="0" smtClean="0"/>
-              <a:t>MAC</a:t>
-            </a:r>
-            <a:r>
-              <a:rPr lang="ru-RU" dirty="0" smtClean="0"/>
-              <a:t>, вычисляется </a:t>
-            </a:r>
-            <a:r>
-              <a:rPr lang="en-US" dirty="0" smtClean="0"/>
-              <a:t>AND</a:t>
-            </a:r>
-            <a:r>
-              <a:rPr lang="ru-RU" dirty="0" smtClean="0"/>
-              <a:t> от результата.</a:t>
-            </a:r>
+            <a:endParaRPr lang="en-US" dirty="0" smtClean="0"/>
           </a:p>
           <a:p>
             <a:pPr marL="0" indent="0">
@@ -9889,6 +11569,319 @@
             <a:fld id="{8253DDDB-F8F7-4D64-A7FD-3F3D61C1949F}" type="slidenum">
               <a:rPr lang="ru-RU" smtClean="0"/>
               <a:t>32</a:t>
+            </a:fld>
+            <a:endParaRPr lang="ru-RU"/>
+          </a:p>
+        </p:txBody>
+      </p:sp>
+    </p:spTree>
+    <p:extLst>
+      <p:ext uri="{BB962C8B-B14F-4D97-AF65-F5344CB8AC3E}">
+        <p14:creationId xmlns:p14="http://schemas.microsoft.com/office/powerpoint/2010/main" val="4113892765"/>
+      </p:ext>
+    </p:extLst>
+  </p:cSld>
+  <p:clrMapOvr>
+    <a:masterClrMapping/>
+  </p:clrMapOvr>
+  <p:timing>
+    <p:tnLst>
+      <p:par>
+        <p:cTn id="1" dur="indefinite" restart="never" nodeType="tmRoot"/>
+      </p:par>
+    </p:tnLst>
+  </p:timing>
+</p:sld>
+</file>
+
+<file path=ppt/slides/slide33.xml><?xml version="1.0" encoding="utf-8"?>
+<p:sld xmlns:a="http://schemas.openxmlformats.org/drawingml/2006/main" xmlns:r="http://schemas.openxmlformats.org/officeDocument/2006/relationships" xmlns:p="http://schemas.openxmlformats.org/presentationml/2006/main">
+  <p:cSld>
+    <p:spTree>
+      <p:nvGrpSpPr>
+        <p:cNvPr id="1" name=""/>
+        <p:cNvGrpSpPr/>
+        <p:nvPr/>
+      </p:nvGrpSpPr>
+      <p:grpSpPr>
+        <a:xfrm>
+          <a:off x="0" y="0"/>
+          <a:ext cx="0" cy="0"/>
+          <a:chOff x="0" y="0"/>
+          <a:chExt cx="0" cy="0"/>
+        </a:xfrm>
+      </p:grpSpPr>
+      <p:sp>
+        <p:nvSpPr>
+          <p:cNvPr id="2" name="Заголовок 1"/>
+          <p:cNvSpPr>
+            <a:spLocks noGrp="1"/>
+          </p:cNvSpPr>
+          <p:nvPr>
+            <p:ph type="title"/>
+          </p:nvPr>
+        </p:nvSpPr>
+        <p:spPr/>
+        <p:txBody>
+          <a:bodyPr/>
+          <a:lstStyle/>
+          <a:p>
+            <a:r>
+              <a:rPr lang="ru-RU" dirty="0" smtClean="0"/>
+              <a:t>Решение проблемы константного времени</a:t>
+            </a:r>
+            <a:endParaRPr lang="ru-RU" dirty="0"/>
+          </a:p>
+        </p:txBody>
+      </p:sp>
+      <p:sp>
+        <p:nvSpPr>
+          <p:cNvPr id="3" name="Объект 2"/>
+          <p:cNvSpPr>
+            <a:spLocks noGrp="1"/>
+          </p:cNvSpPr>
+          <p:nvPr>
+            <p:ph idx="1"/>
+          </p:nvPr>
+        </p:nvSpPr>
+        <p:spPr/>
+        <p:txBody>
+          <a:bodyPr/>
+          <a:lstStyle/>
+          <a:p>
+            <a:pPr marL="0" indent="0">
+              <a:buNone/>
+            </a:pPr>
+            <a:r>
+              <a:rPr lang="ru-RU" dirty="0" smtClean="0"/>
+              <a:t>Решение проблемы константного времени – не используем </a:t>
+            </a:r>
+            <a:r>
+              <a:rPr lang="en-US" dirty="0" smtClean="0"/>
+              <a:t>if</a:t>
+            </a:r>
+            <a:r>
+              <a:rPr lang="ru-RU" dirty="0" smtClean="0"/>
+              <a:t>, используем </a:t>
+            </a:r>
+            <a:r>
+              <a:rPr lang="en-US" dirty="0" smtClean="0"/>
+              <a:t>AND</a:t>
+            </a:r>
+            <a:r>
+              <a:rPr lang="ru-RU" dirty="0" smtClean="0"/>
+              <a:t>. Вычисляем ряд значений, вычисляем </a:t>
+            </a:r>
+            <a:r>
+              <a:rPr lang="en-US" dirty="0" smtClean="0"/>
+              <a:t>AND </a:t>
+            </a:r>
+            <a:r>
+              <a:rPr lang="ru-RU" dirty="0" smtClean="0"/>
+              <a:t>от их результатов и возвращаем его.</a:t>
+            </a:r>
+          </a:p>
+          <a:p>
+            <a:pPr marL="0" indent="0">
+              <a:buNone/>
+            </a:pPr>
+            <a:endParaRPr lang="ru-RU" dirty="0"/>
+          </a:p>
+          <a:p>
+            <a:pPr marL="0" indent="0">
+              <a:buNone/>
+            </a:pPr>
+            <a:r>
+              <a:rPr lang="ru-RU" dirty="0" smtClean="0"/>
+              <a:t>Как отделить </a:t>
+            </a:r>
+            <a:r>
+              <a:rPr lang="en-US" dirty="0" smtClean="0"/>
+              <a:t>MAC </a:t>
+            </a:r>
+            <a:r>
+              <a:rPr lang="ru-RU" dirty="0" smtClean="0"/>
+              <a:t>от открытого текста при проверке </a:t>
+            </a:r>
+            <a:r>
+              <a:rPr lang="en-US" dirty="0" smtClean="0"/>
+              <a:t>MAC</a:t>
+            </a:r>
+            <a:r>
+              <a:rPr lang="ru-RU" dirty="0" smtClean="0"/>
+              <a:t>? Используется маска, накладываемая на открытый текст, показывающая, какие байты необходимо проверить.</a:t>
+            </a:r>
+            <a:endParaRPr lang="ru-RU" dirty="0"/>
+          </a:p>
+        </p:txBody>
+      </p:sp>
+      <p:sp>
+        <p:nvSpPr>
+          <p:cNvPr id="4" name="Номер слайда 3"/>
+          <p:cNvSpPr>
+            <a:spLocks noGrp="1"/>
+          </p:cNvSpPr>
+          <p:nvPr>
+            <p:ph type="sldNum" sz="quarter" idx="12"/>
+          </p:nvPr>
+        </p:nvSpPr>
+        <p:spPr/>
+        <p:txBody>
+          <a:bodyPr/>
+          <a:lstStyle/>
+          <a:p>
+            <a:fld id="{8253DDDB-F8F7-4D64-A7FD-3F3D61C1949F}" type="slidenum">
+              <a:rPr lang="ru-RU" smtClean="0"/>
+              <a:t>33</a:t>
+            </a:fld>
+            <a:endParaRPr lang="ru-RU"/>
+          </a:p>
+        </p:txBody>
+      </p:sp>
+    </p:spTree>
+    <p:extLst>
+      <p:ext uri="{BB962C8B-B14F-4D97-AF65-F5344CB8AC3E}">
+        <p14:creationId xmlns:p14="http://schemas.microsoft.com/office/powerpoint/2010/main" val="2620880111"/>
+      </p:ext>
+    </p:extLst>
+  </p:cSld>
+  <p:clrMapOvr>
+    <a:masterClrMapping/>
+  </p:clrMapOvr>
+  <p:timing>
+    <p:tnLst>
+      <p:par>
+        <p:cTn id="1" dur="indefinite" restart="never" nodeType="tmRoot"/>
+      </p:par>
+    </p:tnLst>
+  </p:timing>
+</p:sld>
+</file>
+
+<file path=ppt/slides/slide34.xml><?xml version="1.0" encoding="utf-8"?>
+<p:sld xmlns:a="http://schemas.openxmlformats.org/drawingml/2006/main" xmlns:r="http://schemas.openxmlformats.org/officeDocument/2006/relationships" xmlns:p="http://schemas.openxmlformats.org/presentationml/2006/main">
+  <p:cSld>
+    <p:spTree>
+      <p:nvGrpSpPr>
+        <p:cNvPr id="1" name=""/>
+        <p:cNvGrpSpPr/>
+        <p:nvPr/>
+      </p:nvGrpSpPr>
+      <p:grpSpPr>
+        <a:xfrm>
+          <a:off x="0" y="0"/>
+          <a:ext cx="0" cy="0"/>
+          <a:chOff x="0" y="0"/>
+          <a:chExt cx="0" cy="0"/>
+        </a:xfrm>
+      </p:grpSpPr>
+      <p:sp>
+        <p:nvSpPr>
+          <p:cNvPr id="2" name="Заголовок 1"/>
+          <p:cNvSpPr>
+            <a:spLocks noGrp="1"/>
+          </p:cNvSpPr>
+          <p:nvPr>
+            <p:ph type="title"/>
+          </p:nvPr>
+        </p:nvSpPr>
+        <p:spPr/>
+        <p:txBody>
+          <a:bodyPr/>
+          <a:lstStyle/>
+          <a:p>
+            <a:r>
+              <a:rPr lang="ru-RU" dirty="0"/>
+              <a:t>Решение проблемы константного времени</a:t>
+            </a:r>
+          </a:p>
+        </p:txBody>
+      </p:sp>
+      <p:sp>
+        <p:nvSpPr>
+          <p:cNvPr id="3" name="Объект 2"/>
+          <p:cNvSpPr>
+            <a:spLocks noGrp="1"/>
+          </p:cNvSpPr>
+          <p:nvPr>
+            <p:ph idx="1"/>
+          </p:nvPr>
+        </p:nvSpPr>
+        <p:spPr/>
+        <p:txBody>
+          <a:bodyPr/>
+          <a:lstStyle/>
+          <a:p>
+            <a:pPr marL="0" indent="0">
+              <a:buNone/>
+            </a:pPr>
+            <a:r>
+              <a:rPr lang="ru-RU" dirty="0" smtClean="0"/>
+              <a:t>Пример. Пусть используется </a:t>
+            </a:r>
+            <a:r>
+              <a:rPr lang="en-US" dirty="0" smtClean="0"/>
+              <a:t>HMAC</a:t>
+            </a:r>
+            <a:r>
+              <a:rPr lang="ru-RU" dirty="0"/>
+              <a:t> </a:t>
+            </a:r>
+            <a:r>
+              <a:rPr lang="ru-RU" dirty="0" smtClean="0"/>
+              <a:t>(20 байт). Пусть сообщение длины 32 байта. Дополнение может быть не больше 32-1-20=11 байт. На основе длины сообщения, длины </a:t>
+            </a:r>
+            <a:r>
+              <a:rPr lang="en-US" dirty="0" smtClean="0"/>
+              <a:t>MAC </a:t>
+            </a:r>
+            <a:r>
+              <a:rPr lang="ru-RU" dirty="0" smtClean="0"/>
+              <a:t>и длины дополнения вычисляется маска, производится проверка дополнения, проверка </a:t>
+            </a:r>
+            <a:r>
+              <a:rPr lang="en-US" dirty="0" smtClean="0"/>
+              <a:t>MAC</a:t>
+            </a:r>
+            <a:r>
+              <a:rPr lang="ru-RU" dirty="0" smtClean="0"/>
+              <a:t>, вычисляется </a:t>
+            </a:r>
+            <a:r>
+              <a:rPr lang="en-US" dirty="0" smtClean="0"/>
+              <a:t>AND</a:t>
+            </a:r>
+            <a:r>
+              <a:rPr lang="ru-RU" dirty="0" smtClean="0"/>
+              <a:t> от результата.</a:t>
+            </a:r>
+          </a:p>
+          <a:p>
+            <a:pPr marL="0" indent="0">
+              <a:buNone/>
+            </a:pPr>
+            <a:endParaRPr lang="ru-RU" dirty="0"/>
+          </a:p>
+        </p:txBody>
+      </p:sp>
+      <p:sp>
+        <p:nvSpPr>
+          <p:cNvPr id="4" name="Номер слайда 3"/>
+          <p:cNvSpPr>
+            <a:spLocks noGrp="1"/>
+          </p:cNvSpPr>
+          <p:nvPr>
+            <p:ph type="sldNum" sz="quarter" idx="12"/>
+          </p:nvPr>
+        </p:nvSpPr>
+        <p:spPr/>
+        <p:txBody>
+          <a:bodyPr/>
+          <a:lstStyle/>
+          <a:p>
+            <a:fld id="{8253DDDB-F8F7-4D64-A7FD-3F3D61C1949F}" type="slidenum">
+              <a:rPr lang="ru-RU" smtClean="0"/>
+              <a:t>34</a:t>
             </a:fld>
             <a:endParaRPr lang="ru-RU"/>
           </a:p>
@@ -9938,7 +11931,7 @@
 </p:sld>
 </file>
 
-<file path=ppt/slides/slide33.xml><?xml version="1.0" encoding="utf-8"?>
+<file path=ppt/slides/slide35.xml><?xml version="1.0" encoding="utf-8"?>
 <p:sld xmlns:a="http://schemas.openxmlformats.org/drawingml/2006/main" xmlns:r="http://schemas.openxmlformats.org/officeDocument/2006/relationships" xmlns:p="http://schemas.openxmlformats.org/presentationml/2006/main">
   <p:cSld>
     <p:spTree>
@@ -10041,7 +12034,7 @@
           <a:p>
             <a:fld id="{8253DDDB-F8F7-4D64-A7FD-3F3D61C1949F}" type="slidenum">
               <a:rPr lang="ru-RU" smtClean="0"/>
-              <a:t>33</a:t>
+              <a:t>35</a:t>
             </a:fld>
             <a:endParaRPr lang="ru-RU"/>
           </a:p>
@@ -10115,7 +12108,7 @@
 </p:sld>
 </file>
 
-<file path=ppt/slides/slide34.xml><?xml version="1.0" encoding="utf-8"?>
+<file path=ppt/slides/slide36.xml><?xml version="1.0" encoding="utf-8"?>
 <p:sld xmlns:a="http://schemas.openxmlformats.org/drawingml/2006/main" xmlns:r="http://schemas.openxmlformats.org/officeDocument/2006/relationships" xmlns:p="http://schemas.openxmlformats.org/presentationml/2006/main">
   <p:cSld>
     <p:spTree>
@@ -10243,7 +12236,7 @@
           <a:p>
             <a:fld id="{8253DDDB-F8F7-4D64-A7FD-3F3D61C1949F}" type="slidenum">
               <a:rPr lang="ru-RU" smtClean="0"/>
-              <a:t>34</a:t>
+              <a:t>36</a:t>
             </a:fld>
             <a:endParaRPr lang="ru-RU"/>
           </a:p>
@@ -10317,7 +12310,7 @@
 </p:sld>
 </file>
 
-<file path=ppt/slides/slide35.xml><?xml version="1.0" encoding="utf-8"?>
+<file path=ppt/slides/slide37.xml><?xml version="1.0" encoding="utf-8"?>
 <p:sld xmlns:a="http://schemas.openxmlformats.org/drawingml/2006/main" xmlns:r="http://schemas.openxmlformats.org/officeDocument/2006/relationships" xmlns:p="http://schemas.openxmlformats.org/presentationml/2006/main">
   <p:cSld>
     <p:spTree>
@@ -10469,7 +12462,7 @@
           <a:p>
             <a:fld id="{8253DDDB-F8F7-4D64-A7FD-3F3D61C1949F}" type="slidenum">
               <a:rPr lang="ru-RU" smtClean="0"/>
-              <a:t>35</a:t>
+              <a:t>37</a:t>
             </a:fld>
             <a:endParaRPr lang="ru-RU"/>
           </a:p>
@@ -10519,7 +12512,7 @@
 </p:sld>
 </file>
 
-<file path=ppt/slides/slide36.xml><?xml version="1.0" encoding="utf-8"?>
+<file path=ppt/slides/slide38.xml><?xml version="1.0" encoding="utf-8"?>
 <p:sld xmlns:a="http://schemas.openxmlformats.org/drawingml/2006/main" xmlns:r="http://schemas.openxmlformats.org/officeDocument/2006/relationships" xmlns:p="http://schemas.openxmlformats.org/presentationml/2006/main">
   <p:cSld>
     <p:spTree>
@@ -10725,7 +12718,7 @@
           <a:p>
             <a:fld id="{8253DDDB-F8F7-4D64-A7FD-3F3D61C1949F}" type="slidenum">
               <a:rPr lang="ru-RU" smtClean="0"/>
-              <a:t>36</a:t>
+              <a:t>38</a:t>
             </a:fld>
             <a:endParaRPr lang="ru-RU"/>
           </a:p>
@@ -10751,7 +12744,7 @@
 </p:sld>
 </file>
 
-<file path=ppt/slides/slide37.xml><?xml version="1.0" encoding="utf-8"?>
+<file path=ppt/slides/slide39.xml><?xml version="1.0" encoding="utf-8"?>
 <p:sld xmlns:a="http://schemas.openxmlformats.org/drawingml/2006/main" xmlns:r="http://schemas.openxmlformats.org/officeDocument/2006/relationships" xmlns:p="http://schemas.openxmlformats.org/presentationml/2006/main">
   <p:cSld>
     <p:spTree>
@@ -10815,11 +12808,7 @@
           <a:p>
             <a:r>
               <a:rPr lang="ru-RU" dirty="0" smtClean="0"/>
-              <a:t>Противник создаёт шифртекст из трёх блоков, в котором ему не известен последний байт </a:t>
-            </a:r>
-            <a:r>
-              <a:rPr lang="ru-RU" dirty="0" smtClean="0"/>
-              <a:t>блока </a:t>
+              <a:t>Противник создаёт шифртекст из трёх блоков, в котором ему не известен последний байт блока </a:t>
             </a:r>
             <a:r>
               <a:rPr lang="en-US" dirty="0" smtClean="0"/>
@@ -10827,27 +12816,11 @@
             </a:r>
             <a:r>
               <a:rPr lang="ru-RU" dirty="0" smtClean="0"/>
-              <a:t> </a:t>
-            </a:r>
-            <a:r>
-              <a:rPr lang="ru-RU" dirty="0" smtClean="0"/>
-              <a:t>открытого текста, </a:t>
-            </a:r>
-            <a:r>
-              <a:rPr lang="ru-RU" dirty="0" smtClean="0"/>
-              <a:t>а остальные </a:t>
-            </a:r>
-            <a:r>
-              <a:rPr lang="ru-RU" dirty="0" smtClean="0"/>
-              <a:t>байты открытого </a:t>
+              <a:t> открытого текста, а остальные байты открытого </a:t>
             </a:r>
             <a:r>
               <a:rPr lang="ru-RU" smtClean="0"/>
-              <a:t>текста </a:t>
-            </a:r>
-            <a:r>
-              <a:rPr lang="ru-RU" smtClean="0"/>
-              <a:t>имеют </a:t>
+              <a:t>текста имеют </a:t>
             </a:r>
             <a:r>
               <a:rPr lang="ru-RU" dirty="0" smtClean="0"/>
@@ -10909,15 +12882,7 @@
             </a:r>
             <a:r>
               <a:rPr lang="ru-RU" dirty="0" smtClean="0"/>
-              <a:t>при </a:t>
-            </a:r>
-            <a:r>
-              <a:rPr lang="ru-RU" dirty="0" smtClean="0"/>
-              <a:t>расшифровании </a:t>
-            </a:r>
-            <a:r>
-              <a:rPr lang="ru-RU" dirty="0" smtClean="0"/>
-              <a:t>получим всегда 31. </a:t>
+              <a:t>при расшифровании получим всегда 31. </a:t>
             </a:r>
             <a:r>
               <a:rPr lang="ru-RU" dirty="0"/>
@@ -10954,7 +12919,7 @@
           <a:p>
             <a:fld id="{8253DDDB-F8F7-4D64-A7FD-3F3D61C1949F}" type="slidenum">
               <a:rPr lang="ru-RU" smtClean="0"/>
-              <a:t>37</a:t>
+              <a:t>39</a:t>
             </a:fld>
             <a:endParaRPr lang="ru-RU"/>
           </a:p>
@@ -11010,7 +12975,132 @@
 </p:sld>
 </file>
 
-<file path=ppt/slides/slide38.xml><?xml version="1.0" encoding="utf-8"?>
+<file path=ppt/slides/slide4.xml><?xml version="1.0" encoding="utf-8"?>
+<p:sld xmlns:a="http://schemas.openxmlformats.org/drawingml/2006/main" xmlns:r="http://schemas.openxmlformats.org/officeDocument/2006/relationships" xmlns:p="http://schemas.openxmlformats.org/presentationml/2006/main">
+  <p:cSld>
+    <p:spTree>
+      <p:nvGrpSpPr>
+        <p:cNvPr id="1" name=""/>
+        <p:cNvGrpSpPr/>
+        <p:nvPr/>
+      </p:nvGrpSpPr>
+      <p:grpSpPr>
+        <a:xfrm>
+          <a:off x="0" y="0"/>
+          <a:ext cx="0" cy="0"/>
+          <a:chOff x="0" y="0"/>
+          <a:chExt cx="0" cy="0"/>
+        </a:xfrm>
+      </p:grpSpPr>
+      <p:sp>
+        <p:nvSpPr>
+          <p:cNvPr id="2" name="Заголовок 1"/>
+          <p:cNvSpPr>
+            <a:spLocks noGrp="1"/>
+          </p:cNvSpPr>
+          <p:nvPr>
+            <p:ph type="title"/>
+          </p:nvPr>
+        </p:nvSpPr>
+        <p:spPr/>
+        <p:txBody>
+          <a:bodyPr/>
+          <a:lstStyle/>
+          <a:p>
+            <a:r>
+              <a:rPr lang="ru-RU" dirty="0" smtClean="0"/>
+              <a:t>Построение защищенных каналов связи</a:t>
+            </a:r>
+            <a:endParaRPr lang="ru-RU" dirty="0"/>
+          </a:p>
+        </p:txBody>
+      </p:sp>
+      <p:sp>
+        <p:nvSpPr>
+          <p:cNvPr id="3" name="Объект 2"/>
+          <p:cNvSpPr>
+            <a:spLocks noGrp="1"/>
+          </p:cNvSpPr>
+          <p:nvPr>
+            <p:ph idx="1"/>
+          </p:nvPr>
+        </p:nvSpPr>
+        <p:spPr/>
+        <p:txBody>
+          <a:bodyPr/>
+          <a:lstStyle/>
+          <a:p>
+            <a:pPr marL="0" indent="0">
+              <a:buNone/>
+            </a:pPr>
+            <a:r>
+              <a:rPr lang="ru-RU" dirty="0" smtClean="0"/>
+              <a:t>Одной из задач криптографии является построение защищенных каналов связи, обеспечивающий аутентичность и конфиденциальность передаваемой информации.</a:t>
+            </a:r>
+            <a:endParaRPr lang="en-US" dirty="0" smtClean="0"/>
+          </a:p>
+          <a:p>
+            <a:pPr marL="0" indent="0">
+              <a:buNone/>
+            </a:pPr>
+            <a:endParaRPr lang="en-US" dirty="0"/>
+          </a:p>
+          <a:p>
+            <a:pPr marL="0" indent="0">
+              <a:buNone/>
+            </a:pPr>
+            <a:r>
+              <a:rPr lang="ru-RU" dirty="0" smtClean="0"/>
+              <a:t>Можно выделить 2 части данных протоколов – симметричную, обеспечивающую целостность и конфиденциальность самой передаваемой информации, и ассиметричную, обеспечивающую аутентификацию участников и позволяющую согласовать общий симметричный секрет (сессионный мастер ключ).</a:t>
+            </a:r>
+            <a:endParaRPr lang="ru-RU" dirty="0"/>
+          </a:p>
+        </p:txBody>
+      </p:sp>
+      <p:sp>
+        <p:nvSpPr>
+          <p:cNvPr id="4" name="Номер слайда 3"/>
+          <p:cNvSpPr>
+            <a:spLocks noGrp="1"/>
+          </p:cNvSpPr>
+          <p:nvPr>
+            <p:ph type="sldNum" sz="quarter" idx="12"/>
+          </p:nvPr>
+        </p:nvSpPr>
+        <p:spPr/>
+        <p:txBody>
+          <a:bodyPr/>
+          <a:lstStyle/>
+          <a:p>
+            <a:fld id="{8253DDDB-F8F7-4D64-A7FD-3F3D61C1949F}" type="slidenum">
+              <a:rPr lang="ru-RU" smtClean="0"/>
+              <a:t>4</a:t>
+            </a:fld>
+            <a:endParaRPr lang="ru-RU"/>
+          </a:p>
+        </p:txBody>
+      </p:sp>
+    </p:spTree>
+    <p:extLst>
+      <p:ext uri="{BB962C8B-B14F-4D97-AF65-F5344CB8AC3E}">
+        <p14:creationId xmlns:p14="http://schemas.microsoft.com/office/powerpoint/2010/main" val="3978864752"/>
+      </p:ext>
+    </p:extLst>
+  </p:cSld>
+  <p:clrMapOvr>
+    <a:masterClrMapping/>
+  </p:clrMapOvr>
+  <p:timing>
+    <p:tnLst>
+      <p:par>
+        <p:cTn id="1" dur="indefinite" restart="never" nodeType="tmRoot"/>
+      </p:par>
+    </p:tnLst>
+  </p:timing>
+</p:sld>
+</file>
+
+<file path=ppt/slides/slide40.xml><?xml version="1.0" encoding="utf-8"?>
 <p:sld xmlns:a="http://schemas.openxmlformats.org/drawingml/2006/main" xmlns:r="http://schemas.openxmlformats.org/officeDocument/2006/relationships" xmlns:p="http://schemas.openxmlformats.org/presentationml/2006/main">
   <p:cSld>
     <p:spTree>
@@ -11191,7 +13281,7 @@
                       <m:sSubPr>
                         <m:ctrlPr>
                           <a:rPr lang="en-US" b="0" i="1" smtClean="0">
-                            <a:latin typeface="Cambria Math" panose="02040503050406030204" pitchFamily="18" charset="0"/>
+                            <a:latin typeface="Cambria Math"/>
                           </a:rPr>
                         </m:ctrlPr>
                       </m:sSubPr>
@@ -11286,7 +13376,7 @@
           <a:p>
             <a:fld id="{8253DDDB-F8F7-4D64-A7FD-3F3D61C1949F}" type="slidenum">
               <a:rPr lang="ru-RU" smtClean="0"/>
-              <a:t>38</a:t>
+              <a:t>40</a:t>
             </a:fld>
             <a:endParaRPr lang="ru-RU"/>
           </a:p>
@@ -11342,7 +13432,7 @@
 </p:sld>
 </file>
 
-<file path=ppt/slides/slide39.xml><?xml version="1.0" encoding="utf-8"?>
+<file path=ppt/slides/slide41.xml><?xml version="1.0" encoding="utf-8"?>
 <p:sld xmlns:a="http://schemas.openxmlformats.org/drawingml/2006/main" xmlns:r="http://schemas.openxmlformats.org/officeDocument/2006/relationships" xmlns:p="http://schemas.openxmlformats.org/presentationml/2006/main">
   <p:cSld>
     <p:spTree>
@@ -11544,7 +13634,7 @@
           <a:p>
             <a:fld id="{8253DDDB-F8F7-4D64-A7FD-3F3D61C1949F}" type="slidenum">
               <a:rPr lang="ru-RU" smtClean="0"/>
-              <a:t>39</a:t>
+              <a:t>41</a:t>
             </a:fld>
             <a:endParaRPr lang="ru-RU"/>
           </a:p>
@@ -11600,7 +13690,7 @@
 </p:sld>
 </file>
 
-<file path=ppt/slides/slide4.xml><?xml version="1.0" encoding="utf-8"?>
+<file path=ppt/slides/slide42.xml><?xml version="1.0" encoding="utf-8"?>
 <p:sld xmlns:a="http://schemas.openxmlformats.org/drawingml/2006/main" xmlns:r="http://schemas.openxmlformats.org/officeDocument/2006/relationships" xmlns:p="http://schemas.openxmlformats.org/presentationml/2006/main">
   <p:cSld>
     <p:spTree>
@@ -11633,305 +13723,6 @@
           <a:lstStyle/>
           <a:p>
             <a:r>
-              <a:rPr lang="en-US" dirty="0" smtClean="0"/>
-              <a:t>IP</a:t>
-            </a:r>
-            <a:endParaRPr lang="ru-RU" dirty="0"/>
-          </a:p>
-        </p:txBody>
-      </p:sp>
-      <p:sp>
-        <p:nvSpPr>
-          <p:cNvPr id="3" name="Объект 2"/>
-          <p:cNvSpPr>
-            <a:spLocks noGrp="1"/>
-          </p:cNvSpPr>
-          <p:nvPr>
-            <p:ph idx="1"/>
-          </p:nvPr>
-        </p:nvSpPr>
-        <p:spPr>
-          <a:xfrm>
-            <a:off x="838199" y="1451768"/>
-            <a:ext cx="6521605" cy="4351338"/>
-          </a:xfrm>
-        </p:spPr>
-        <p:txBody>
-          <a:bodyPr>
-            <a:normAutofit/>
-          </a:bodyPr>
-          <a:lstStyle/>
-          <a:p>
-            <a:pPr marL="0" indent="0">
-              <a:buNone/>
-            </a:pPr>
-            <a:r>
-              <a:rPr lang="ru-RU" dirty="0" smtClean="0"/>
-              <a:t>Рассмотрим </a:t>
-            </a:r>
-            <a:r>
-              <a:rPr lang="en-US" dirty="0" smtClean="0"/>
-              <a:t>IP</a:t>
-            </a:r>
-            <a:r>
-              <a:rPr lang="ru-RU" dirty="0" smtClean="0"/>
-              <a:t> пакет для </a:t>
-            </a:r>
-            <a:r>
-              <a:rPr lang="en-US" dirty="0" smtClean="0"/>
-              <a:t>IPv4.</a:t>
-            </a:r>
-          </a:p>
-          <a:p>
-            <a:r>
-              <a:rPr lang="en-US" dirty="0" err="1"/>
-              <a:t>v</a:t>
-            </a:r>
-            <a:r>
-              <a:rPr lang="en-US" dirty="0" err="1" smtClean="0"/>
-              <a:t>er</a:t>
-            </a:r>
-            <a:r>
-              <a:rPr lang="en-US" dirty="0" smtClean="0"/>
-              <a:t> – </a:t>
-            </a:r>
-            <a:r>
-              <a:rPr lang="ru-RU" dirty="0" smtClean="0"/>
-              <a:t>версия, равна 4 для </a:t>
-            </a:r>
-            <a:r>
-              <a:rPr lang="en-US" dirty="0" smtClean="0"/>
-              <a:t>IPv4</a:t>
-            </a:r>
-            <a:r>
-              <a:rPr lang="ru-RU" dirty="0" smtClean="0"/>
-              <a:t> (1 байт)</a:t>
-            </a:r>
-            <a:endParaRPr lang="en-US" dirty="0" smtClean="0"/>
-          </a:p>
-          <a:p>
-            <a:r>
-              <a:rPr lang="en-US" dirty="0"/>
-              <a:t>p</a:t>
-            </a:r>
-            <a:r>
-              <a:rPr lang="en-US" dirty="0" smtClean="0"/>
-              <a:t>acket </a:t>
-            </a:r>
-            <a:r>
-              <a:rPr lang="en-US" dirty="0" err="1" smtClean="0"/>
-              <a:t>len</a:t>
-            </a:r>
-            <a:r>
-              <a:rPr lang="en-US" dirty="0" smtClean="0"/>
-              <a:t> – </a:t>
-            </a:r>
-            <a:r>
-              <a:rPr lang="ru-RU" dirty="0" smtClean="0"/>
-              <a:t>длина </a:t>
-            </a:r>
-            <a:r>
-              <a:rPr lang="ru-RU" b="1" dirty="0" smtClean="0"/>
-              <a:t>всего</a:t>
-            </a:r>
-            <a:r>
-              <a:rPr lang="ru-RU" dirty="0" smtClean="0"/>
-              <a:t> пакета (2 байта)</a:t>
-            </a:r>
-          </a:p>
-          <a:p>
-            <a:r>
-              <a:rPr lang="en-US" dirty="0" err="1"/>
-              <a:t>p</a:t>
-            </a:r>
-            <a:r>
-              <a:rPr lang="en-US" dirty="0" err="1" smtClean="0"/>
-              <a:t>rot</a:t>
-            </a:r>
-            <a:r>
-              <a:rPr lang="en-US" dirty="0" smtClean="0"/>
-              <a:t> – </a:t>
-            </a:r>
-            <a:r>
-              <a:rPr lang="ru-RU" dirty="0" smtClean="0"/>
-              <a:t>описание протокола верхнего уровня (</a:t>
-            </a:r>
-            <a:r>
-              <a:rPr lang="en-US" dirty="0" smtClean="0"/>
-              <a:t>TCP=6)</a:t>
-            </a:r>
-          </a:p>
-          <a:p>
-            <a:r>
-              <a:rPr lang="en-US" dirty="0" err="1" smtClean="0"/>
-              <a:t>hdr</a:t>
-            </a:r>
-            <a:r>
-              <a:rPr lang="en-US" dirty="0" smtClean="0"/>
-              <a:t> </a:t>
-            </a:r>
-            <a:r>
-              <a:rPr lang="en-US" dirty="0" err="1" smtClean="0"/>
-              <a:t>checkum</a:t>
-            </a:r>
-            <a:r>
-              <a:rPr lang="en-US" dirty="0" smtClean="0"/>
-              <a:t> – </a:t>
-            </a:r>
-            <a:r>
-              <a:rPr lang="ru-RU" dirty="0" smtClean="0"/>
-              <a:t>контрольная сумма</a:t>
-            </a:r>
-            <a:endParaRPr lang="en-US" dirty="0" smtClean="0"/>
-          </a:p>
-          <a:p>
-            <a:r>
-              <a:rPr lang="en-US" smtClean="0"/>
-              <a:t>source</a:t>
-            </a:r>
-            <a:r>
-              <a:rPr lang="en-US" dirty="0" smtClean="0"/>
-              <a:t>, </a:t>
-            </a:r>
-            <a:r>
-              <a:rPr lang="en-US" dirty="0" err="1" smtClean="0"/>
-              <a:t>dest</a:t>
-            </a:r>
-            <a:r>
-              <a:rPr lang="en-US" dirty="0" smtClean="0"/>
-              <a:t> – </a:t>
-            </a:r>
-            <a:r>
-              <a:rPr lang="en-US" dirty="0" err="1" smtClean="0"/>
-              <a:t>ip</a:t>
-            </a:r>
-            <a:r>
-              <a:rPr lang="en-US" dirty="0" smtClean="0"/>
-              <a:t> </a:t>
-            </a:r>
-            <a:r>
-              <a:rPr lang="ru-RU" dirty="0" smtClean="0"/>
-              <a:t>адрес получателя и отправителя пакета</a:t>
-            </a:r>
-            <a:r>
-              <a:rPr lang="en-US" dirty="0" smtClean="0"/>
-              <a:t> </a:t>
-            </a:r>
-          </a:p>
-          <a:p>
-            <a:r>
-              <a:rPr lang="en-US" dirty="0"/>
-              <a:t>p</a:t>
-            </a:r>
-            <a:r>
-              <a:rPr lang="en-US" dirty="0" smtClean="0"/>
-              <a:t>ayload – </a:t>
-            </a:r>
-            <a:r>
-              <a:rPr lang="ru-RU" dirty="0" smtClean="0"/>
-              <a:t>данные для передачи</a:t>
-            </a:r>
-            <a:r>
-              <a:rPr lang="en-US" dirty="0" smtClean="0"/>
-              <a:t> </a:t>
-            </a:r>
-            <a:endParaRPr lang="ru-RU" dirty="0"/>
-          </a:p>
-        </p:txBody>
-      </p:sp>
-      <p:sp>
-        <p:nvSpPr>
-          <p:cNvPr id="4" name="Номер слайда 3"/>
-          <p:cNvSpPr>
-            <a:spLocks noGrp="1"/>
-          </p:cNvSpPr>
-          <p:nvPr>
-            <p:ph type="sldNum" sz="quarter" idx="12"/>
-          </p:nvPr>
-        </p:nvSpPr>
-        <p:spPr/>
-        <p:txBody>
-          <a:bodyPr/>
-          <a:lstStyle/>
-          <a:p>
-            <a:fld id="{8253DDDB-F8F7-4D64-A7FD-3F3D61C1949F}" type="slidenum">
-              <a:rPr lang="ru-RU" smtClean="0"/>
-              <a:t>4</a:t>
-            </a:fld>
-            <a:endParaRPr lang="ru-RU"/>
-          </a:p>
-        </p:txBody>
-      </p:sp>
-      <p:pic>
-        <p:nvPicPr>
-          <p:cNvPr id="6" name="Рисунок 5"/>
-          <p:cNvPicPr>
-            <a:picLocks noChangeAspect="1"/>
-          </p:cNvPicPr>
-          <p:nvPr/>
-        </p:nvPicPr>
-        <p:blipFill>
-          <a:blip r:embed="rId2"/>
-          <a:stretch>
-            <a:fillRect/>
-          </a:stretch>
-        </p:blipFill>
-        <p:spPr>
-          <a:xfrm>
-            <a:off x="7817005" y="1027905"/>
-            <a:ext cx="3803495" cy="4766405"/>
-          </a:xfrm>
-          <a:prstGeom prst="rect">
-            <a:avLst/>
-          </a:prstGeom>
-        </p:spPr>
-      </p:pic>
-    </p:spTree>
-    <p:extLst>
-      <p:ext uri="{BB962C8B-B14F-4D97-AF65-F5344CB8AC3E}">
-        <p14:creationId xmlns:p14="http://schemas.microsoft.com/office/powerpoint/2010/main" val="2977335579"/>
-      </p:ext>
-    </p:extLst>
-  </p:cSld>
-  <p:clrMapOvr>
-    <a:masterClrMapping/>
-  </p:clrMapOvr>
-</p:sld>
-</file>
-
-<file path=ppt/slides/slide40.xml><?xml version="1.0" encoding="utf-8"?>
-<p:sld xmlns:a="http://schemas.openxmlformats.org/drawingml/2006/main" xmlns:r="http://schemas.openxmlformats.org/officeDocument/2006/relationships" xmlns:p="http://schemas.openxmlformats.org/presentationml/2006/main">
-  <p:cSld>
-    <p:spTree>
-      <p:nvGrpSpPr>
-        <p:cNvPr id="1" name=""/>
-        <p:cNvGrpSpPr/>
-        <p:nvPr/>
-      </p:nvGrpSpPr>
-      <p:grpSpPr>
-        <a:xfrm>
-          <a:off x="0" y="0"/>
-          <a:ext cx="0" cy="0"/>
-          <a:chOff x="0" y="0"/>
-          <a:chExt cx="0" cy="0"/>
-        </a:xfrm>
-      </p:grpSpPr>
-      <p:sp>
-        <p:nvSpPr>
-          <p:cNvPr id="2" name="Заголовок 1"/>
-          <p:cNvSpPr>
-            <a:spLocks noGrp="1"/>
-          </p:cNvSpPr>
-          <p:nvPr>
-            <p:ph type="title"/>
-          </p:nvPr>
-        </p:nvSpPr>
-        <p:spPr/>
-        <p:txBody>
-          <a:bodyPr/>
-          <a:lstStyle/>
-          <a:p>
-            <a:r>
               <a:rPr lang="ru-RU" dirty="0" smtClean="0"/>
               <a:t>Проверка на уязвимость</a:t>
             </a:r>
@@ -12031,7 +13822,7 @@
           <a:p>
             <a:fld id="{8253DDDB-F8F7-4D64-A7FD-3F3D61C1949F}" type="slidenum">
               <a:rPr lang="ru-RU" smtClean="0"/>
-              <a:t>40</a:t>
+              <a:t>42</a:t>
             </a:fld>
             <a:endParaRPr lang="ru-RU"/>
           </a:p>
@@ -12081,7 +13872,7 @@
 </p:sld>
 </file>
 
-<file path=ppt/slides/slide41.xml><?xml version="1.0" encoding="utf-8"?>
+<file path=ppt/slides/slide43.xml><?xml version="1.0" encoding="utf-8"?>
 <p:sld xmlns:a="http://schemas.openxmlformats.org/drawingml/2006/main" xmlns:r="http://schemas.openxmlformats.org/officeDocument/2006/relationships" xmlns:p="http://schemas.openxmlformats.org/presentationml/2006/main">
   <p:cSld>
     <p:spTree>
@@ -12164,7 +13955,7 @@
           <a:p>
             <a:fld id="{8253DDDB-F8F7-4D64-A7FD-3F3D61C1949F}" type="slidenum">
               <a:rPr lang="ru-RU" smtClean="0"/>
-              <a:t>41</a:t>
+              <a:t>43</a:t>
             </a:fld>
             <a:endParaRPr lang="ru-RU"/>
           </a:p>
@@ -12214,7 +14005,7 @@
 </p:sld>
 </file>
 
-<file path=ppt/slides/slide42.xml><?xml version="1.0" encoding="utf-8"?>
+<file path=ppt/slides/slide44.xml><?xml version="1.0" encoding="utf-8"?>
 <p:sld xmlns:a="http://schemas.openxmlformats.org/drawingml/2006/main" xmlns:r="http://schemas.openxmlformats.org/officeDocument/2006/relationships" xmlns:p="http://schemas.openxmlformats.org/presentationml/2006/main">
   <p:cSld>
     <p:spTree>
@@ -12340,7 +14131,7 @@
           <a:p>
             <a:fld id="{8253DDDB-F8F7-4D64-A7FD-3F3D61C1949F}" type="slidenum">
               <a:rPr lang="ru-RU" smtClean="0"/>
-              <a:t>42</a:t>
+              <a:t>44</a:t>
             </a:fld>
             <a:endParaRPr lang="ru-RU"/>
           </a:p>
@@ -12366,7 +14157,7 @@
 </p:sld>
 </file>
 
-<file path=ppt/slides/slide43.xml><?xml version="1.0" encoding="utf-8"?>
+<file path=ppt/slides/slide45.xml><?xml version="1.0" encoding="utf-8"?>
 <p:sld xmlns:a="http://schemas.openxmlformats.org/drawingml/2006/main" xmlns:r="http://schemas.openxmlformats.org/officeDocument/2006/relationships" xmlns:p="http://schemas.openxmlformats.org/presentationml/2006/main">
   <p:cSld>
     <p:spTree>
@@ -12491,7 +14282,7 @@
           <a:p>
             <a:fld id="{8253DDDB-F8F7-4D64-A7FD-3F3D61C1949F}" type="slidenum">
               <a:rPr lang="ru-RU" smtClean="0"/>
-              <a:t>43</a:t>
+              <a:t>45</a:t>
             </a:fld>
             <a:endParaRPr lang="ru-RU"/>
           </a:p>
@@ -12543,6 +14334,468 @@
           <a:lstStyle/>
           <a:p>
             <a:r>
+              <a:rPr lang="en-US" dirty="0" smtClean="0"/>
+              <a:t>IPsec</a:t>
+            </a:r>
+            <a:endParaRPr lang="ru-RU" dirty="0"/>
+          </a:p>
+        </p:txBody>
+      </p:sp>
+      <p:sp>
+        <p:nvSpPr>
+          <p:cNvPr id="3" name="Объект 2"/>
+          <p:cNvSpPr>
+            <a:spLocks noGrp="1"/>
+          </p:cNvSpPr>
+          <p:nvPr>
+            <p:ph idx="1"/>
+          </p:nvPr>
+        </p:nvSpPr>
+        <p:spPr/>
+        <p:txBody>
+          <a:bodyPr/>
+          <a:lstStyle/>
+          <a:p>
+            <a:r>
+              <a:rPr lang="ru-RU" dirty="0" smtClean="0"/>
+              <a:t>Обеспечивает целостность и конфиденциальность </a:t>
+            </a:r>
+            <a:r>
+              <a:rPr lang="en-US" dirty="0" smtClean="0"/>
+              <a:t>IP</a:t>
+            </a:r>
+            <a:r>
+              <a:rPr lang="ru-RU" dirty="0" smtClean="0"/>
+              <a:t> пакетов</a:t>
+            </a:r>
+          </a:p>
+          <a:p>
+            <a:r>
+              <a:rPr lang="ru-RU" dirty="0" smtClean="0"/>
+              <a:t>На самом деле – семейство протоколов. Рассмотрим протокол </a:t>
+            </a:r>
+            <a:r>
+              <a:rPr lang="en-US" dirty="0" smtClean="0"/>
+              <a:t>ESP (encapsulated security payload)</a:t>
+            </a:r>
+            <a:r>
+              <a:rPr lang="ru-RU" dirty="0" smtClean="0"/>
+              <a:t> в режиме </a:t>
+            </a:r>
+            <a:r>
+              <a:rPr lang="ru-RU" dirty="0" err="1" smtClean="0"/>
+              <a:t>тунелирования</a:t>
+            </a:r>
+            <a:r>
+              <a:rPr lang="ru-RU" dirty="0" smtClean="0"/>
+              <a:t>.</a:t>
+            </a:r>
+          </a:p>
+          <a:p>
+            <a:r>
+              <a:rPr lang="ru-RU" dirty="0" smtClean="0"/>
+              <a:t>Используется для построения </a:t>
+            </a:r>
+            <a:r>
+              <a:rPr lang="en-US" dirty="0" smtClean="0"/>
+              <a:t>VPN</a:t>
+            </a:r>
+            <a:endParaRPr lang="ru-RU" dirty="0"/>
+          </a:p>
+        </p:txBody>
+      </p:sp>
+      <p:sp>
+        <p:nvSpPr>
+          <p:cNvPr id="4" name="Номер слайда 3"/>
+          <p:cNvSpPr>
+            <a:spLocks noGrp="1"/>
+          </p:cNvSpPr>
+          <p:nvPr>
+            <p:ph type="sldNum" sz="quarter" idx="12"/>
+          </p:nvPr>
+        </p:nvSpPr>
+        <p:spPr/>
+        <p:txBody>
+          <a:bodyPr/>
+          <a:lstStyle/>
+          <a:p>
+            <a:fld id="{8253DDDB-F8F7-4D64-A7FD-3F3D61C1949F}" type="slidenum">
+              <a:rPr lang="ru-RU" smtClean="0"/>
+              <a:t>5</a:t>
+            </a:fld>
+            <a:endParaRPr lang="ru-RU"/>
+          </a:p>
+        </p:txBody>
+      </p:sp>
+      <p:pic>
+        <p:nvPicPr>
+          <p:cNvPr id="5" name="Рисунок 4"/>
+          <p:cNvPicPr>
+            <a:picLocks noChangeAspect="1"/>
+          </p:cNvPicPr>
+          <p:nvPr/>
+        </p:nvPicPr>
+        <p:blipFill>
+          <a:blip r:embed="rId2"/>
+          <a:stretch>
+            <a:fillRect/>
+          </a:stretch>
+        </p:blipFill>
+        <p:spPr>
+          <a:xfrm>
+            <a:off x="2492066" y="3686175"/>
+            <a:ext cx="6833700" cy="2490788"/>
+          </a:xfrm>
+          <a:prstGeom prst="rect">
+            <a:avLst/>
+          </a:prstGeom>
+        </p:spPr>
+      </p:pic>
+    </p:spTree>
+    <p:extLst>
+      <p:ext uri="{BB962C8B-B14F-4D97-AF65-F5344CB8AC3E}">
+        <p14:creationId xmlns:p14="http://schemas.microsoft.com/office/powerpoint/2010/main" val="513383157"/>
+      </p:ext>
+    </p:extLst>
+  </p:cSld>
+  <p:clrMapOvr>
+    <a:masterClrMapping/>
+  </p:clrMapOvr>
+</p:sld>
+</file>
+
+<file path=ppt/slides/slide6.xml><?xml version="1.0" encoding="utf-8"?>
+<p:sld xmlns:a="http://schemas.openxmlformats.org/drawingml/2006/main" xmlns:r="http://schemas.openxmlformats.org/officeDocument/2006/relationships" xmlns:p="http://schemas.openxmlformats.org/presentationml/2006/main">
+  <p:cSld>
+    <p:spTree>
+      <p:nvGrpSpPr>
+        <p:cNvPr id="1" name=""/>
+        <p:cNvGrpSpPr/>
+        <p:nvPr/>
+      </p:nvGrpSpPr>
+      <p:grpSpPr>
+        <a:xfrm>
+          <a:off x="0" y="0"/>
+          <a:ext cx="0" cy="0"/>
+          <a:chOff x="0" y="0"/>
+          <a:chExt cx="0" cy="0"/>
+        </a:xfrm>
+      </p:grpSpPr>
+      <p:sp>
+        <p:nvSpPr>
+          <p:cNvPr id="2" name="Заголовок 1"/>
+          <p:cNvSpPr>
+            <a:spLocks noGrp="1"/>
+          </p:cNvSpPr>
+          <p:nvPr>
+            <p:ph type="title"/>
+          </p:nvPr>
+        </p:nvSpPr>
+        <p:spPr/>
+        <p:txBody>
+          <a:bodyPr/>
+          <a:lstStyle/>
+          <a:p>
+            <a:r>
+              <a:rPr lang="en-US" dirty="0" smtClean="0"/>
+              <a:t>IP</a:t>
+            </a:r>
+            <a:endParaRPr lang="ru-RU" dirty="0"/>
+          </a:p>
+        </p:txBody>
+      </p:sp>
+      <p:sp>
+        <p:nvSpPr>
+          <p:cNvPr id="3" name="Объект 2"/>
+          <p:cNvSpPr>
+            <a:spLocks noGrp="1"/>
+          </p:cNvSpPr>
+          <p:nvPr>
+            <p:ph idx="1"/>
+          </p:nvPr>
+        </p:nvSpPr>
+        <p:spPr>
+          <a:xfrm>
+            <a:off x="838199" y="1451768"/>
+            <a:ext cx="6521605" cy="4351338"/>
+          </a:xfrm>
+        </p:spPr>
+        <p:txBody>
+          <a:bodyPr>
+            <a:normAutofit/>
+          </a:bodyPr>
+          <a:lstStyle/>
+          <a:p>
+            <a:pPr marL="0" indent="0">
+              <a:buNone/>
+            </a:pPr>
+            <a:r>
+              <a:rPr lang="ru-RU" dirty="0" smtClean="0"/>
+              <a:t>Рассмотрим </a:t>
+            </a:r>
+            <a:r>
+              <a:rPr lang="en-US" dirty="0" smtClean="0"/>
+              <a:t>IP</a:t>
+            </a:r>
+            <a:r>
+              <a:rPr lang="ru-RU" dirty="0" smtClean="0"/>
+              <a:t> пакет для </a:t>
+            </a:r>
+            <a:r>
+              <a:rPr lang="en-US" dirty="0" smtClean="0"/>
+              <a:t>IPv4.</a:t>
+            </a:r>
+          </a:p>
+          <a:p>
+            <a:r>
+              <a:rPr lang="en-US" dirty="0" err="1"/>
+              <a:t>v</a:t>
+            </a:r>
+            <a:r>
+              <a:rPr lang="en-US" dirty="0" err="1" smtClean="0"/>
+              <a:t>er</a:t>
+            </a:r>
+            <a:r>
+              <a:rPr lang="en-US" dirty="0" smtClean="0"/>
+              <a:t> – </a:t>
+            </a:r>
+            <a:r>
+              <a:rPr lang="ru-RU" dirty="0" smtClean="0"/>
+              <a:t>версия, равна 4 для </a:t>
+            </a:r>
+            <a:r>
+              <a:rPr lang="en-US" dirty="0" smtClean="0"/>
+              <a:t>IPv4</a:t>
+            </a:r>
+            <a:r>
+              <a:rPr lang="ru-RU" dirty="0" smtClean="0"/>
+              <a:t> (1 байт)</a:t>
+            </a:r>
+            <a:endParaRPr lang="en-US" dirty="0" smtClean="0"/>
+          </a:p>
+          <a:p>
+            <a:r>
+              <a:rPr lang="en-US" dirty="0"/>
+              <a:t>p</a:t>
+            </a:r>
+            <a:r>
+              <a:rPr lang="en-US" dirty="0" smtClean="0"/>
+              <a:t>acket </a:t>
+            </a:r>
+            <a:r>
+              <a:rPr lang="en-US" dirty="0" err="1" smtClean="0"/>
+              <a:t>len</a:t>
+            </a:r>
+            <a:r>
+              <a:rPr lang="en-US" dirty="0" smtClean="0"/>
+              <a:t> – </a:t>
+            </a:r>
+            <a:r>
+              <a:rPr lang="ru-RU" dirty="0" smtClean="0"/>
+              <a:t>длина </a:t>
+            </a:r>
+            <a:r>
+              <a:rPr lang="ru-RU" b="1" dirty="0" smtClean="0"/>
+              <a:t>всего</a:t>
+            </a:r>
+            <a:r>
+              <a:rPr lang="ru-RU" dirty="0" smtClean="0"/>
+              <a:t> пакета (2 байта)</a:t>
+            </a:r>
+          </a:p>
+          <a:p>
+            <a:r>
+              <a:rPr lang="en-US" dirty="0" err="1"/>
+              <a:t>p</a:t>
+            </a:r>
+            <a:r>
+              <a:rPr lang="en-US" dirty="0" err="1" smtClean="0"/>
+              <a:t>rot</a:t>
+            </a:r>
+            <a:r>
+              <a:rPr lang="en-US" dirty="0" smtClean="0"/>
+              <a:t> – </a:t>
+            </a:r>
+            <a:r>
+              <a:rPr lang="ru-RU" dirty="0" smtClean="0"/>
+              <a:t>описание протокола верхнего уровня (</a:t>
+            </a:r>
+            <a:r>
+              <a:rPr lang="en-US" dirty="0" smtClean="0"/>
+              <a:t>TCP=6)</a:t>
+            </a:r>
+          </a:p>
+          <a:p>
+            <a:r>
+              <a:rPr lang="en-US" dirty="0" err="1" smtClean="0"/>
+              <a:t>hdr</a:t>
+            </a:r>
+            <a:r>
+              <a:rPr lang="en-US" dirty="0" smtClean="0"/>
+              <a:t> </a:t>
+            </a:r>
+            <a:r>
+              <a:rPr lang="en-US" dirty="0" err="1" smtClean="0"/>
+              <a:t>checkum</a:t>
+            </a:r>
+            <a:r>
+              <a:rPr lang="en-US" dirty="0" smtClean="0"/>
+              <a:t> – </a:t>
+            </a:r>
+            <a:r>
+              <a:rPr lang="ru-RU" dirty="0" smtClean="0"/>
+              <a:t>контрольная сумма</a:t>
+            </a:r>
+            <a:endParaRPr lang="en-US" dirty="0" smtClean="0"/>
+          </a:p>
+          <a:p>
+            <a:r>
+              <a:rPr lang="en-US" smtClean="0"/>
+              <a:t>source</a:t>
+            </a:r>
+            <a:r>
+              <a:rPr lang="en-US" dirty="0" smtClean="0"/>
+              <a:t>, </a:t>
+            </a:r>
+            <a:r>
+              <a:rPr lang="en-US" dirty="0" err="1" smtClean="0"/>
+              <a:t>dest</a:t>
+            </a:r>
+            <a:r>
+              <a:rPr lang="en-US" dirty="0" smtClean="0"/>
+              <a:t> – </a:t>
+            </a:r>
+            <a:r>
+              <a:rPr lang="en-US" dirty="0" err="1" smtClean="0"/>
+              <a:t>ip</a:t>
+            </a:r>
+            <a:r>
+              <a:rPr lang="en-US" dirty="0" smtClean="0"/>
+              <a:t> </a:t>
+            </a:r>
+            <a:r>
+              <a:rPr lang="ru-RU" dirty="0" smtClean="0"/>
+              <a:t>адрес получателя и отправителя пакета</a:t>
+            </a:r>
+            <a:r>
+              <a:rPr lang="en-US" dirty="0" smtClean="0"/>
+              <a:t> </a:t>
+            </a:r>
+          </a:p>
+          <a:p>
+            <a:r>
+              <a:rPr lang="en-US" dirty="0"/>
+              <a:t>p</a:t>
+            </a:r>
+            <a:r>
+              <a:rPr lang="en-US" dirty="0" smtClean="0"/>
+              <a:t>ayload – </a:t>
+            </a:r>
+            <a:r>
+              <a:rPr lang="ru-RU" dirty="0" smtClean="0"/>
+              <a:t>данные для передачи</a:t>
+            </a:r>
+            <a:r>
+              <a:rPr lang="en-US" dirty="0" smtClean="0"/>
+              <a:t> </a:t>
+            </a:r>
+            <a:endParaRPr lang="ru-RU" dirty="0"/>
+          </a:p>
+        </p:txBody>
+      </p:sp>
+      <p:sp>
+        <p:nvSpPr>
+          <p:cNvPr id="4" name="Номер слайда 3"/>
+          <p:cNvSpPr>
+            <a:spLocks noGrp="1"/>
+          </p:cNvSpPr>
+          <p:nvPr>
+            <p:ph type="sldNum" sz="quarter" idx="12"/>
+          </p:nvPr>
+        </p:nvSpPr>
+        <p:spPr/>
+        <p:txBody>
+          <a:bodyPr/>
+          <a:lstStyle/>
+          <a:p>
+            <a:fld id="{8253DDDB-F8F7-4D64-A7FD-3F3D61C1949F}" type="slidenum">
+              <a:rPr lang="ru-RU" smtClean="0"/>
+              <a:t>6</a:t>
+            </a:fld>
+            <a:endParaRPr lang="ru-RU"/>
+          </a:p>
+        </p:txBody>
+      </p:sp>
+      <p:pic>
+        <p:nvPicPr>
+          <p:cNvPr id="6" name="Рисунок 5"/>
+          <p:cNvPicPr>
+            <a:picLocks noChangeAspect="1"/>
+          </p:cNvPicPr>
+          <p:nvPr/>
+        </p:nvPicPr>
+        <p:blipFill>
+          <a:blip r:embed="rId2"/>
+          <a:stretch>
+            <a:fillRect/>
+          </a:stretch>
+        </p:blipFill>
+        <p:spPr>
+          <a:xfrm>
+            <a:off x="7817005" y="1027905"/>
+            <a:ext cx="3803495" cy="4766405"/>
+          </a:xfrm>
+          <a:prstGeom prst="rect">
+            <a:avLst/>
+          </a:prstGeom>
+        </p:spPr>
+      </p:pic>
+    </p:spTree>
+    <p:extLst>
+      <p:ext uri="{BB962C8B-B14F-4D97-AF65-F5344CB8AC3E}">
+        <p14:creationId xmlns:p14="http://schemas.microsoft.com/office/powerpoint/2010/main" val="2977335579"/>
+      </p:ext>
+    </p:extLst>
+  </p:cSld>
+  <p:clrMapOvr>
+    <a:masterClrMapping/>
+  </p:clrMapOvr>
+</p:sld>
+</file>
+
+<file path=ppt/slides/slide7.xml><?xml version="1.0" encoding="utf-8"?>
+<p:sld xmlns:a="http://schemas.openxmlformats.org/drawingml/2006/main" xmlns:r="http://schemas.openxmlformats.org/officeDocument/2006/relationships" xmlns:p="http://schemas.openxmlformats.org/presentationml/2006/main">
+  <p:cSld>
+    <p:spTree>
+      <p:nvGrpSpPr>
+        <p:cNvPr id="1" name=""/>
+        <p:cNvGrpSpPr/>
+        <p:nvPr/>
+      </p:nvGrpSpPr>
+      <p:grpSpPr>
+        <a:xfrm>
+          <a:off x="0" y="0"/>
+          <a:ext cx="0" cy="0"/>
+          <a:chOff x="0" y="0"/>
+          <a:chExt cx="0" cy="0"/>
+        </a:xfrm>
+      </p:grpSpPr>
+      <p:sp>
+        <p:nvSpPr>
+          <p:cNvPr id="2" name="Заголовок 1"/>
+          <p:cNvSpPr>
+            <a:spLocks noGrp="1"/>
+          </p:cNvSpPr>
+          <p:nvPr>
+            <p:ph type="title"/>
+          </p:nvPr>
+        </p:nvSpPr>
+        <p:spPr/>
+        <p:txBody>
+          <a:bodyPr/>
+          <a:lstStyle/>
+          <a:p>
+            <a:r>
               <a:rPr lang="ru-RU" dirty="0" smtClean="0"/>
               <a:t>Инкапсуляция </a:t>
             </a:r>
@@ -12646,7 +14899,7 @@
           <a:p>
             <a:fld id="{8253DDDB-F8F7-4D64-A7FD-3F3D61C1949F}" type="slidenum">
               <a:rPr lang="ru-RU" smtClean="0"/>
-              <a:t>5</a:t>
+              <a:t>7</a:t>
             </a:fld>
             <a:endParaRPr lang="ru-RU"/>
           </a:p>
@@ -12689,7 +14942,7 @@
 </p:sld>
 </file>
 
-<file path=ppt/slides/slide6.xml><?xml version="1.0" encoding="utf-8"?>
+<file path=ppt/slides/slide8.xml><?xml version="1.0" encoding="utf-8"?>
 <p:sld xmlns:a="http://schemas.openxmlformats.org/drawingml/2006/main" xmlns:r="http://schemas.openxmlformats.org/officeDocument/2006/relationships" xmlns:p="http://schemas.openxmlformats.org/presentationml/2006/main">
   <p:cSld>
     <p:spTree>
@@ -12874,7 +15127,7 @@
           <a:p>
             <a:fld id="{8253DDDB-F8F7-4D64-A7FD-3F3D61C1949F}" type="slidenum">
               <a:rPr lang="ru-RU" smtClean="0"/>
-              <a:t>6</a:t>
+              <a:t>8</a:t>
             </a:fld>
             <a:endParaRPr lang="ru-RU"/>
           </a:p>
@@ -12917,7 +15170,7 @@
 </p:sld>
 </file>
 
-<file path=ppt/slides/slide7.xml><?xml version="1.0" encoding="utf-8"?>
+<file path=ppt/slides/slide9.xml><?xml version="1.0" encoding="utf-8"?>
 <p:sld xmlns:a="http://schemas.openxmlformats.org/drawingml/2006/main" xmlns:r="http://schemas.openxmlformats.org/officeDocument/2006/relationships" xmlns:p="http://schemas.openxmlformats.org/presentationml/2006/main">
   <p:cSld>
     <p:spTree>
@@ -13048,7 +15301,7 @@
           <a:p>
             <a:fld id="{8253DDDB-F8F7-4D64-A7FD-3F3D61C1949F}" type="slidenum">
               <a:rPr lang="ru-RU" smtClean="0"/>
-              <a:t>7</a:t>
+              <a:t>9</a:t>
             </a:fld>
             <a:endParaRPr lang="ru-RU"/>
           </a:p>
@@ -13082,349 +15335,6 @@
     <p:extLst>
       <p:ext uri="{BB962C8B-B14F-4D97-AF65-F5344CB8AC3E}">
         <p14:creationId xmlns:p14="http://schemas.microsoft.com/office/powerpoint/2010/main" val="4098474449"/>
-      </p:ext>
-    </p:extLst>
-  </p:cSld>
-  <p:clrMapOvr>
-    <a:masterClrMapping/>
-  </p:clrMapOvr>
-</p:sld>
-</file>
-
-<file path=ppt/slides/slide8.xml><?xml version="1.0" encoding="utf-8"?>
-<p:sld xmlns:a="http://schemas.openxmlformats.org/drawingml/2006/main" xmlns:r="http://schemas.openxmlformats.org/officeDocument/2006/relationships" xmlns:p="http://schemas.openxmlformats.org/presentationml/2006/main">
-  <p:cSld>
-    <p:spTree>
-      <p:nvGrpSpPr>
-        <p:cNvPr id="1" name=""/>
-        <p:cNvGrpSpPr/>
-        <p:nvPr/>
-      </p:nvGrpSpPr>
-      <p:grpSpPr>
-        <a:xfrm>
-          <a:off x="0" y="0"/>
-          <a:ext cx="0" cy="0"/>
-          <a:chOff x="0" y="0"/>
-          <a:chExt cx="0" cy="0"/>
-        </a:xfrm>
-      </p:grpSpPr>
-      <p:sp>
-        <p:nvSpPr>
-          <p:cNvPr id="2" name="Заголовок 1"/>
-          <p:cNvSpPr>
-            <a:spLocks noGrp="1"/>
-          </p:cNvSpPr>
-          <p:nvPr>
-            <p:ph type="title"/>
-          </p:nvPr>
-        </p:nvSpPr>
-        <p:spPr/>
-        <p:txBody>
-          <a:bodyPr/>
-          <a:lstStyle/>
-          <a:p>
-            <a:r>
-              <a:rPr lang="ru-RU" dirty="0" smtClean="0"/>
-              <a:t>Инкапсуляция </a:t>
-            </a:r>
-            <a:r>
-              <a:rPr lang="en-US" dirty="0" smtClean="0"/>
-              <a:t>IPsec</a:t>
-            </a:r>
-            <a:endParaRPr lang="ru-RU" dirty="0"/>
-          </a:p>
-        </p:txBody>
-      </p:sp>
-      <p:sp>
-        <p:nvSpPr>
-          <p:cNvPr id="3" name="Объект 2"/>
-          <p:cNvSpPr>
-            <a:spLocks noGrp="1"/>
-          </p:cNvSpPr>
-          <p:nvPr>
-            <p:ph idx="1"/>
-          </p:nvPr>
-        </p:nvSpPr>
-        <p:spPr>
-          <a:xfrm>
-            <a:off x="838200" y="1825625"/>
-            <a:ext cx="4921983" cy="4351338"/>
-          </a:xfrm>
-        </p:spPr>
-        <p:txBody>
-          <a:bodyPr>
-            <a:normAutofit/>
-          </a:bodyPr>
-          <a:lstStyle/>
-          <a:p>
-            <a:pPr marL="0" indent="0">
-              <a:buNone/>
-            </a:pPr>
-            <a:r>
-              <a:rPr lang="en-US" dirty="0"/>
-              <a:t>s</a:t>
-            </a:r>
-            <a:r>
-              <a:rPr lang="en-US" dirty="0" smtClean="0"/>
-              <a:t>equence number – </a:t>
-            </a:r>
-            <a:r>
-              <a:rPr lang="ru-RU" dirty="0" smtClean="0"/>
-              <a:t>номер пакета, используется для обнаружения и отбрасывания повторяющихся пакетов. 64 бита, но записывается в пакета только наименее значимые 32 бита. При вычислении </a:t>
-            </a:r>
-            <a:r>
-              <a:rPr lang="en-US" dirty="0" smtClean="0"/>
-              <a:t>MAC </a:t>
-            </a:r>
-            <a:r>
-              <a:rPr lang="ru-RU" dirty="0" smtClean="0"/>
-              <a:t>используются все 64 бита. Инициализируется нулём при установлении соединения, увеличивается на 1 с каждым пакетом. </a:t>
-            </a:r>
-            <a:endParaRPr lang="en-US" dirty="0" smtClean="0"/>
-          </a:p>
-          <a:p>
-            <a:endParaRPr lang="ru-RU" dirty="0"/>
-          </a:p>
-        </p:txBody>
-      </p:sp>
-      <p:sp>
-        <p:nvSpPr>
-          <p:cNvPr id="4" name="Номер слайда 3"/>
-          <p:cNvSpPr>
-            <a:spLocks noGrp="1"/>
-          </p:cNvSpPr>
-          <p:nvPr>
-            <p:ph type="sldNum" sz="quarter" idx="12"/>
-          </p:nvPr>
-        </p:nvSpPr>
-        <p:spPr/>
-        <p:txBody>
-          <a:bodyPr/>
-          <a:lstStyle/>
-          <a:p>
-            <a:fld id="{8253DDDB-F8F7-4D64-A7FD-3F3D61C1949F}" type="slidenum">
-              <a:rPr lang="ru-RU" smtClean="0"/>
-              <a:t>8</a:t>
-            </a:fld>
-            <a:endParaRPr lang="ru-RU"/>
-          </a:p>
-        </p:txBody>
-      </p:sp>
-      <p:pic>
-        <p:nvPicPr>
-          <p:cNvPr id="5" name="Рисунок 4"/>
-          <p:cNvPicPr>
-            <a:picLocks noChangeAspect="1"/>
-          </p:cNvPicPr>
-          <p:nvPr/>
-        </p:nvPicPr>
-        <p:blipFill>
-          <a:blip r:embed="rId2"/>
-          <a:stretch>
-            <a:fillRect/>
-          </a:stretch>
-        </p:blipFill>
-        <p:spPr>
-          <a:xfrm>
-            <a:off x="5760183" y="1322851"/>
-            <a:ext cx="6431817" cy="4631899"/>
-          </a:xfrm>
-          <a:prstGeom prst="rect">
-            <a:avLst/>
-          </a:prstGeom>
-        </p:spPr>
-      </p:pic>
-    </p:spTree>
-    <p:extLst>
-      <p:ext uri="{BB962C8B-B14F-4D97-AF65-F5344CB8AC3E}">
-        <p14:creationId xmlns:p14="http://schemas.microsoft.com/office/powerpoint/2010/main" val="4201582253"/>
-      </p:ext>
-    </p:extLst>
-  </p:cSld>
-  <p:clrMapOvr>
-    <a:masterClrMapping/>
-  </p:clrMapOvr>
-</p:sld>
-</file>
-
-<file path=ppt/slides/slide9.xml><?xml version="1.0" encoding="utf-8"?>
-<p:sld xmlns:a="http://schemas.openxmlformats.org/drawingml/2006/main" xmlns:r="http://schemas.openxmlformats.org/officeDocument/2006/relationships" xmlns:p="http://schemas.openxmlformats.org/presentationml/2006/main">
-  <p:cSld>
-    <p:spTree>
-      <p:nvGrpSpPr>
-        <p:cNvPr id="1" name=""/>
-        <p:cNvGrpSpPr/>
-        <p:nvPr/>
-      </p:nvGrpSpPr>
-      <p:grpSpPr>
-        <a:xfrm>
-          <a:off x="0" y="0"/>
-          <a:ext cx="0" cy="0"/>
-          <a:chOff x="0" y="0"/>
-          <a:chExt cx="0" cy="0"/>
-        </a:xfrm>
-      </p:grpSpPr>
-      <p:sp>
-        <p:nvSpPr>
-          <p:cNvPr id="2" name="Заголовок 1"/>
-          <p:cNvSpPr>
-            <a:spLocks noGrp="1"/>
-          </p:cNvSpPr>
-          <p:nvPr>
-            <p:ph type="title"/>
-          </p:nvPr>
-        </p:nvSpPr>
-        <p:spPr/>
-        <p:txBody>
-          <a:bodyPr/>
-          <a:lstStyle/>
-          <a:p>
-            <a:r>
-              <a:rPr lang="ru-RU" dirty="0" smtClean="0"/>
-              <a:t>Инкапсуляция </a:t>
-            </a:r>
-            <a:r>
-              <a:rPr lang="en-US" dirty="0" smtClean="0"/>
-              <a:t>IPsec</a:t>
-            </a:r>
-            <a:endParaRPr lang="ru-RU" dirty="0"/>
-          </a:p>
-        </p:txBody>
-      </p:sp>
-      <p:sp>
-        <p:nvSpPr>
-          <p:cNvPr id="3" name="Объект 2"/>
-          <p:cNvSpPr>
-            <a:spLocks noGrp="1"/>
-          </p:cNvSpPr>
-          <p:nvPr>
-            <p:ph idx="1"/>
-          </p:nvPr>
-        </p:nvSpPr>
-        <p:spPr>
-          <a:xfrm>
-            <a:off x="838200" y="1825625"/>
-            <a:ext cx="4921983" cy="4351338"/>
-          </a:xfrm>
-        </p:spPr>
-        <p:txBody>
-          <a:bodyPr>
-            <a:normAutofit/>
-          </a:bodyPr>
-          <a:lstStyle/>
-          <a:p>
-            <a:r>
-              <a:rPr lang="en-US" dirty="0"/>
-              <a:t>p</a:t>
-            </a:r>
-            <a:r>
-              <a:rPr lang="en-US" dirty="0" smtClean="0"/>
-              <a:t>adding – </a:t>
-            </a:r>
-            <a:r>
-              <a:rPr lang="ru-RU" dirty="0" smtClean="0"/>
-              <a:t>дополнение до длины блока алгоритма шифрования и результирующего шифр текста до длины 4 байта. От 0 до 255 байт.</a:t>
-            </a:r>
-            <a:endParaRPr lang="en-US" dirty="0" smtClean="0"/>
-          </a:p>
-          <a:p>
-            <a:r>
-              <a:rPr lang="en-US" dirty="0"/>
-              <a:t>p</a:t>
-            </a:r>
-            <a:r>
-              <a:rPr lang="en-US" dirty="0" smtClean="0"/>
-              <a:t>ad </a:t>
-            </a:r>
-            <a:r>
-              <a:rPr lang="en-US" dirty="0" err="1" smtClean="0"/>
-              <a:t>len</a:t>
-            </a:r>
-            <a:r>
-              <a:rPr lang="en-US" dirty="0" smtClean="0"/>
-              <a:t> – </a:t>
-            </a:r>
-            <a:r>
-              <a:rPr lang="ru-RU" dirty="0" smtClean="0"/>
-              <a:t>длина дополнения</a:t>
-            </a:r>
-          </a:p>
-          <a:p>
-            <a:r>
-              <a:rPr lang="en-US" dirty="0" smtClean="0"/>
-              <a:t>next </a:t>
-            </a:r>
-            <a:r>
-              <a:rPr lang="en-US" dirty="0" err="1" smtClean="0"/>
-              <a:t>hdr</a:t>
-            </a:r>
-            <a:r>
-              <a:rPr lang="en-US" dirty="0" smtClean="0"/>
-              <a:t> – </a:t>
-            </a:r>
-            <a:r>
-              <a:rPr lang="ru-RU" dirty="0" smtClean="0"/>
-              <a:t>тип данных (для данного примера </a:t>
-            </a:r>
-            <a:r>
-              <a:rPr lang="en-US" dirty="0" smtClean="0"/>
-              <a:t>IPv4=4) </a:t>
-            </a:r>
-            <a:endParaRPr lang="ru-RU" dirty="0"/>
-          </a:p>
-        </p:txBody>
-      </p:sp>
-      <p:sp>
-        <p:nvSpPr>
-          <p:cNvPr id="4" name="Номер слайда 3"/>
-          <p:cNvSpPr>
-            <a:spLocks noGrp="1"/>
-          </p:cNvSpPr>
-          <p:nvPr>
-            <p:ph type="sldNum" sz="quarter" idx="12"/>
-          </p:nvPr>
-        </p:nvSpPr>
-        <p:spPr/>
-        <p:txBody>
-          <a:bodyPr/>
-          <a:lstStyle/>
-          <a:p>
-            <a:fld id="{8253DDDB-F8F7-4D64-A7FD-3F3D61C1949F}" type="slidenum">
-              <a:rPr lang="ru-RU" smtClean="0"/>
-              <a:t>9</a:t>
-            </a:fld>
-            <a:endParaRPr lang="ru-RU"/>
-          </a:p>
-        </p:txBody>
-      </p:sp>
-      <p:pic>
-        <p:nvPicPr>
-          <p:cNvPr id="5" name="Рисунок 4"/>
-          <p:cNvPicPr>
-            <a:picLocks noChangeAspect="1"/>
-          </p:cNvPicPr>
-          <p:nvPr/>
-        </p:nvPicPr>
-        <p:blipFill>
-          <a:blip r:embed="rId2"/>
-          <a:stretch>
-            <a:fillRect/>
-          </a:stretch>
-        </p:blipFill>
-        <p:spPr>
-          <a:xfrm>
-            <a:off x="5760183" y="1322851"/>
-            <a:ext cx="6431817" cy="4631899"/>
-          </a:xfrm>
-          <a:prstGeom prst="rect">
-            <a:avLst/>
-          </a:prstGeom>
-        </p:spPr>
-      </p:pic>
-    </p:spTree>
-    <p:extLst>
-      <p:ext uri="{BB962C8B-B14F-4D97-AF65-F5344CB8AC3E}">
-        <p14:creationId xmlns:p14="http://schemas.microsoft.com/office/powerpoint/2010/main" val="739027548"/>
       </p:ext>
     </p:extLst>
   </p:cSld>
@@ -13689,7 +15599,7 @@
   <a:extraClrSchemeLst/>
   <a:extLst>
     <a:ext uri="{05A4C25C-085E-4340-85A3-A5531E510DB2}">
-      <thm15:themeFamily xmlns:thm15="http://schemas.microsoft.com/office/thememl/2012/main" name="Office Theme" id="{62F939B6-93AF-4DB8-9C6B-D6C7DFDC589F}" vid="{4A3C46E8-61CC-4603-A589-7422A47A8E4A}"/>
+      <thm15:themeFamily xmlns:thm15="http://schemas.microsoft.com/office/thememl/2012/main" xmlns="" name="Office Theme" id="{62F939B6-93AF-4DB8-9C6B-D6C7DFDC589F}" vid="{4A3C46E8-61CC-4603-A589-7422A47A8E4A}"/>
     </a:ext>
   </a:extLst>
 </a:theme>
@@ -13950,7 +15860,7 @@
   <a:extraClrSchemeLst/>
   <a:extLst>
     <a:ext uri="{05A4C25C-085E-4340-85A3-A5531E510DB2}">
-      <thm15:themeFamily xmlns:thm15="http://schemas.microsoft.com/office/thememl/2012/main" name="Office Theme" id="{62F939B6-93AF-4DB8-9C6B-D6C7DFDC589F}" vid="{4A3C46E8-61CC-4603-A589-7422A47A8E4A}"/>
+      <thm15:themeFamily xmlns:thm15="http://schemas.microsoft.com/office/thememl/2012/main" xmlns="" name="Office Theme" id="{62F939B6-93AF-4DB8-9C6B-D6C7DFDC589F}" vid="{4A3C46E8-61CC-4603-A589-7422A47A8E4A}"/>
     </a:ext>
   </a:extLst>
 </a:theme>
